--- a/CalendarioAgo20L/presentaciones/11_Strings.pptx
+++ b/CalendarioAgo20L/presentaciones/11_Strings.pptx
@@ -224,7 +224,7 @@
           <a:p>
             <a:fld id="{55C7BC42-2F9C-4966-894F-B6FA6F3C1DB8}" type="datetimeFigureOut">
               <a:rPr lang="es-MX" smtClean="0"/>
-              <a:t>30/07/2020</a:t>
+              <a:t>04/10/2020</a:t>
             </a:fld>
             <a:endParaRPr lang="es-MX" dirty="0"/>
           </a:p>
@@ -841,7 +841,7 @@
           <a:p>
             <a:fld id="{47016A6E-E1CA-4694-BCEE-11D49EEFA04C}" type="datetimeFigureOut">
               <a:rPr lang="es-MX" smtClean="0"/>
-              <a:t>30/07/2020</a:t>
+              <a:t>04/10/2020</a:t>
             </a:fld>
             <a:endParaRPr lang="es-MX" dirty="0"/>
           </a:p>
@@ -1011,7 +1011,7 @@
           <a:p>
             <a:fld id="{47016A6E-E1CA-4694-BCEE-11D49EEFA04C}" type="datetimeFigureOut">
               <a:rPr lang="es-MX" smtClean="0"/>
-              <a:t>30/07/2020</a:t>
+              <a:t>04/10/2020</a:t>
             </a:fld>
             <a:endParaRPr lang="es-MX" dirty="0"/>
           </a:p>
@@ -1191,7 +1191,7 @@
           <a:p>
             <a:fld id="{47016A6E-E1CA-4694-BCEE-11D49EEFA04C}" type="datetimeFigureOut">
               <a:rPr lang="es-MX" smtClean="0"/>
-              <a:t>30/07/2020</a:t>
+              <a:t>04/10/2020</a:t>
             </a:fld>
             <a:endParaRPr lang="es-MX" dirty="0"/>
           </a:p>
@@ -1344,7 +1344,7 @@
           <a:p>
             <a:fld id="{1D8BD707-D9CF-40AE-B4C6-C98DA3205C09}" type="datetimeFigureOut">
               <a:rPr lang="en-US" smtClean="0"/>
-              <a:t>7/30/2020</a:t>
+              <a:t>10/4/2020</a:t>
             </a:fld>
             <a:endParaRPr lang="en-US"/>
           </a:p>
@@ -1504,7 +1504,7 @@
           <a:p>
             <a:fld id="{47016A6E-E1CA-4694-BCEE-11D49EEFA04C}" type="datetimeFigureOut">
               <a:rPr lang="es-MX" smtClean="0"/>
-              <a:t>30/07/2020</a:t>
+              <a:t>04/10/2020</a:t>
             </a:fld>
             <a:endParaRPr lang="es-MX" dirty="0"/>
           </a:p>
@@ -1750,7 +1750,7 @@
           <a:p>
             <a:fld id="{47016A6E-E1CA-4694-BCEE-11D49EEFA04C}" type="datetimeFigureOut">
               <a:rPr lang="es-MX" smtClean="0"/>
-              <a:t>30/07/2020</a:t>
+              <a:t>04/10/2020</a:t>
             </a:fld>
             <a:endParaRPr lang="es-MX" dirty="0"/>
           </a:p>
@@ -2038,7 +2038,7 @@
           <a:p>
             <a:fld id="{47016A6E-E1CA-4694-BCEE-11D49EEFA04C}" type="datetimeFigureOut">
               <a:rPr lang="es-MX" smtClean="0"/>
-              <a:t>30/07/2020</a:t>
+              <a:t>04/10/2020</a:t>
             </a:fld>
             <a:endParaRPr lang="es-MX" dirty="0"/>
           </a:p>
@@ -2460,7 +2460,7 @@
           <a:p>
             <a:fld id="{47016A6E-E1CA-4694-BCEE-11D49EEFA04C}" type="datetimeFigureOut">
               <a:rPr lang="es-MX" smtClean="0"/>
-              <a:t>30/07/2020</a:t>
+              <a:t>04/10/2020</a:t>
             </a:fld>
             <a:endParaRPr lang="es-MX" dirty="0"/>
           </a:p>
@@ -2578,7 +2578,7 @@
           <a:p>
             <a:fld id="{47016A6E-E1CA-4694-BCEE-11D49EEFA04C}" type="datetimeFigureOut">
               <a:rPr lang="es-MX" smtClean="0"/>
-              <a:t>30/07/2020</a:t>
+              <a:t>04/10/2020</a:t>
             </a:fld>
             <a:endParaRPr lang="es-MX" dirty="0"/>
           </a:p>
@@ -2673,7 +2673,7 @@
           <a:p>
             <a:fld id="{47016A6E-E1CA-4694-BCEE-11D49EEFA04C}" type="datetimeFigureOut">
               <a:rPr lang="es-MX" smtClean="0"/>
-              <a:t>30/07/2020</a:t>
+              <a:t>04/10/2020</a:t>
             </a:fld>
             <a:endParaRPr lang="es-MX" dirty="0"/>
           </a:p>
@@ -2950,7 +2950,7 @@
           <a:p>
             <a:fld id="{47016A6E-E1CA-4694-BCEE-11D49EEFA04C}" type="datetimeFigureOut">
               <a:rPr lang="es-MX" smtClean="0"/>
-              <a:t>30/07/2020</a:t>
+              <a:t>04/10/2020</a:t>
             </a:fld>
             <a:endParaRPr lang="es-MX" dirty="0"/>
           </a:p>
@@ -3203,7 +3203,7 @@
           <a:p>
             <a:fld id="{47016A6E-E1CA-4694-BCEE-11D49EEFA04C}" type="datetimeFigureOut">
               <a:rPr lang="es-MX" smtClean="0"/>
-              <a:t>30/07/2020</a:t>
+              <a:t>04/10/2020</a:t>
             </a:fld>
             <a:endParaRPr lang="es-MX" dirty="0"/>
           </a:p>
@@ -3416,7 +3416,7 @@
           <a:p>
             <a:fld id="{47016A6E-E1CA-4694-BCEE-11D49EEFA04C}" type="datetimeFigureOut">
               <a:rPr lang="es-MX" smtClean="0"/>
-              <a:t>30/07/2020</a:t>
+              <a:t>04/10/2020</a:t>
             </a:fld>
             <a:endParaRPr lang="es-MX" dirty="0"/>
           </a:p>
@@ -4879,7 +4879,7 @@
           <p:nvPr>
             <p:extLst>
               <p:ext uri="{D42A27DB-BD31-4B8C-83A1-F6EECF244321}">
-                <p14:modId xmlns:p14="http://schemas.microsoft.com/office/powerpoint/2010/main" val="1366853326"/>
+                <p14:modId xmlns:p14="http://schemas.microsoft.com/office/powerpoint/2010/main" val="2689114534"/>
               </p:ext>
             </p:extLst>
           </p:nvPr>
@@ -5056,7 +5056,7 @@
                           <a:ea typeface="+mn-ea"/>
                           <a:cs typeface="+mn-cs"/>
                         </a:rPr>
-                        <a:t>Regresa una nueva cadena con el contenida de la cadena original con todos los caracteres en mayúscula.</a:t>
+                        <a:t>Regresa una nueva cadena con el contenido de la cadena original con todos los caracteres en mayúscula.</a:t>
                       </a:r>
                     </a:p>
                   </a:txBody>
@@ -5977,7 +5977,7 @@
           <p:nvPr>
             <p:extLst>
               <p:ext uri="{D42A27DB-BD31-4B8C-83A1-F6EECF244321}">
-                <p14:modId xmlns:p14="http://schemas.microsoft.com/office/powerpoint/2010/main" val="907295442"/>
+                <p14:modId xmlns:p14="http://schemas.microsoft.com/office/powerpoint/2010/main" val="1412199858"/>
               </p:ext>
             </p:extLst>
           </p:nvPr>
@@ -6569,6 +6569,25 @@
                           <a:spcPts val="0"/>
                         </a:spcAft>
                       </a:pPr>
+                      <a:endParaRPr lang="es-MX" sz="1600" b="0" kern="1200" dirty="0">
+                        <a:solidFill>
+                          <a:schemeClr val="lt1"/>
+                        </a:solidFill>
+                        <a:effectLst/>
+                        <a:latin typeface="+mn-lt"/>
+                        <a:ea typeface="+mn-ea"/>
+                        <a:cs typeface="+mn-cs"/>
+                      </a:endParaRPr>
+                    </a:p>
+                    <a:p>
+                      <a:pPr algn="ctr">
+                        <a:lnSpc>
+                          <a:spcPct val="107000"/>
+                        </a:lnSpc>
+                        <a:spcAft>
+                          <a:spcPts val="0"/>
+                        </a:spcAft>
+                      </a:pPr>
                       <a:r>
                         <a:rPr lang="es-MX" sz="1600" b="0" kern="1200" dirty="0">
                           <a:solidFill>
@@ -6820,6 +6839,25 @@
                         </a:rPr>
                         <a:t>Imprime  Rober</a:t>
                       </a:r>
+                    </a:p>
+                    <a:p>
+                      <a:pPr>
+                        <a:lnSpc>
+                          <a:spcPct val="107000"/>
+                        </a:lnSpc>
+                        <a:spcAft>
+                          <a:spcPts val="0"/>
+                        </a:spcAft>
+                      </a:pPr>
+                      <a:endParaRPr lang="es-MX" sz="1800" b="1" kern="1200" dirty="0">
+                        <a:solidFill>
+                          <a:schemeClr val="dk1"/>
+                        </a:solidFill>
+                        <a:effectLst/>
+                        <a:latin typeface="+mn-lt"/>
+                        <a:ea typeface="+mn-ea"/>
+                        <a:cs typeface="+mn-cs"/>
+                      </a:endParaRPr>
                     </a:p>
                     <a:p>
                       <a:pPr>
@@ -8031,7 +8069,7 @@
         </p:nvSpPr>
         <p:spPr>
           <a:xfrm>
-            <a:off x="1070992" y="-90264"/>
+            <a:off x="1043608" y="62630"/>
             <a:ext cx="7317432" cy="1143000"/>
           </a:xfrm>
         </p:spPr>
@@ -8076,14 +8114,14 @@
           <p:nvPr>
             <p:extLst>
               <p:ext uri="{D42A27DB-BD31-4B8C-83A1-F6EECF244321}">
-                <p14:modId xmlns:p14="http://schemas.microsoft.com/office/powerpoint/2010/main" val="1883099009"/>
+                <p14:modId xmlns:p14="http://schemas.microsoft.com/office/powerpoint/2010/main" val="1718553615"/>
               </p:ext>
             </p:extLst>
           </p:nvPr>
         </p:nvGraphicFramePr>
         <p:xfrm>
-          <a:off x="572780" y="1028300"/>
-          <a:ext cx="7998440" cy="5501156"/>
+          <a:off x="572780" y="1340768"/>
+          <a:ext cx="7998440" cy="5064997"/>
         </p:xfrm>
         <a:graphic>
           <a:graphicData uri="http://schemas.openxmlformats.org/drawingml/2006/table">
@@ -8114,7 +8152,7 @@
                   </a:extLst>
                 </a:gridCol>
               </a:tblGrid>
-              <a:tr h="143280">
+              <a:tr h="291469">
                 <a:tc>
                   <a:txBody>
                     <a:bodyPr/>
@@ -8229,7 +8267,7 @@
                   </a:ext>
                 </a:extLst>
               </a:tr>
-              <a:tr h="582845">
+              <a:tr h="2386764">
                 <a:tc>
                   <a:txBody>
                     <a:bodyPr/>
@@ -8613,7 +8651,7 @@
                   </a:ext>
                 </a:extLst>
               </a:tr>
-              <a:tr h="1464633">
+              <a:tr h="2386764">
                 <a:tc>
                   <a:txBody>
                     <a:bodyPr/>
@@ -9009,108 +9047,6 @@
                 <a:extLst>
                   <a:ext uri="{0D108BD9-81ED-4DB2-BD59-A6C34878D82A}">
                     <a16:rowId xmlns:a16="http://schemas.microsoft.com/office/drawing/2014/main" val="3136739256"/>
-                  </a:ext>
-                </a:extLst>
-              </a:tr>
-              <a:tr h="1168931">
-                <a:tc>
-                  <a:txBody>
-                    <a:bodyPr/>
-                    <a:lstStyle/>
-                    <a:p>
-                      <a:pPr algn="ctr">
-                        <a:lnSpc>
-                          <a:spcPct val="107000"/>
-                        </a:lnSpc>
-                        <a:spcAft>
-                          <a:spcPts val="0"/>
-                        </a:spcAft>
-                      </a:pPr>
-                      <a:endParaRPr lang="es-MX" sz="1600" b="0" kern="1200" dirty="0">
-                        <a:solidFill>
-                          <a:schemeClr val="lt1"/>
-                        </a:solidFill>
-                        <a:effectLst/>
-                        <a:latin typeface="+mn-lt"/>
-                        <a:ea typeface="+mn-ea"/>
-                        <a:cs typeface="+mn-cs"/>
-                      </a:endParaRPr>
-                    </a:p>
-                  </a:txBody>
-                  <a:tcPr marL="68580" marR="68580" marT="0" marB="0">
-                    <a:solidFill>
-                      <a:schemeClr val="accent4">
-                        <a:lumMod val="50000"/>
-                      </a:schemeClr>
-                    </a:solidFill>
-                  </a:tcPr>
-                </a:tc>
-                <a:tc>
-                  <a:txBody>
-                    <a:bodyPr/>
-                    <a:lstStyle/>
-                    <a:p>
-                      <a:pPr>
-                        <a:lnSpc>
-                          <a:spcPct val="107000"/>
-                        </a:lnSpc>
-                        <a:spcAft>
-                          <a:spcPts val="0"/>
-                        </a:spcAft>
-                      </a:pPr>
-                      <a:endParaRPr lang="es-MX" sz="1800" b="1" kern="1200" dirty="0">
-                        <a:solidFill>
-                          <a:schemeClr val="dk1"/>
-                        </a:solidFill>
-                        <a:effectLst/>
-                        <a:latin typeface="+mn-lt"/>
-                        <a:ea typeface="+mn-ea"/>
-                        <a:cs typeface="+mn-cs"/>
-                      </a:endParaRPr>
-                    </a:p>
-                  </a:txBody>
-                  <a:tcPr marL="68580" marR="68580" marT="0" marB="0">
-                    <a:solidFill>
-                      <a:schemeClr val="accent3">
-                        <a:lumMod val="20000"/>
-                        <a:lumOff val="80000"/>
-                      </a:schemeClr>
-                    </a:solidFill>
-                  </a:tcPr>
-                </a:tc>
-                <a:tc>
-                  <a:txBody>
-                    <a:bodyPr/>
-                    <a:lstStyle/>
-                    <a:p>
-                      <a:pPr>
-                        <a:lnSpc>
-                          <a:spcPct val="107000"/>
-                        </a:lnSpc>
-                        <a:spcAft>
-                          <a:spcPts val="0"/>
-                        </a:spcAft>
-                      </a:pPr>
-                      <a:endParaRPr lang="es-MX" sz="1100" dirty="0">
-                        <a:effectLst/>
-                        <a:latin typeface="Calibri" panose="020F0502020204030204" pitchFamily="34" charset="0"/>
-                        <a:ea typeface="Calibri" panose="020F0502020204030204" pitchFamily="34" charset="0"/>
-                        <a:cs typeface="Times New Roman" panose="02020603050405020304" pitchFamily="18" charset="0"/>
-                      </a:endParaRPr>
-                    </a:p>
-                  </a:txBody>
-                  <a:tcPr marL="68580" marR="68580" marT="0" marB="0">
-                    <a:solidFill>
-                      <a:schemeClr val="accent3">
-                        <a:lumMod val="20000"/>
-                        <a:lumOff val="80000"/>
-                      </a:schemeClr>
-                    </a:solidFill>
-                  </a:tcPr>
-                </a:tc>
-                <a:extLst>
-                  <a:ext uri="{0D108BD9-81ED-4DB2-BD59-A6C34878D82A}">
-                    <a16:rowId xmlns:a16="http://schemas.microsoft.com/office/drawing/2014/main" val="3486814094"/>
                   </a:ext>
                 </a:extLst>
               </a:tr>
@@ -9207,14 +9143,14 @@
           <p:nvPr>
             <p:extLst>
               <p:ext uri="{D42A27DB-BD31-4B8C-83A1-F6EECF244321}">
-                <p14:modId xmlns:p14="http://schemas.microsoft.com/office/powerpoint/2010/main" val="4227393761"/>
+                <p14:modId xmlns:p14="http://schemas.microsoft.com/office/powerpoint/2010/main" val="451185884"/>
               </p:ext>
             </p:extLst>
           </p:nvPr>
         </p:nvGraphicFramePr>
         <p:xfrm>
-          <a:off x="767636" y="1052737"/>
-          <a:ext cx="7836812" cy="3960439"/>
+          <a:off x="167794" y="1196752"/>
+          <a:ext cx="8808411" cy="4824536"/>
         </p:xfrm>
         <a:graphic>
           <a:graphicData uri="http://schemas.openxmlformats.org/drawingml/2006/table">
@@ -9223,21 +9159,21 @@
                 <a:tableStyleId>{5C22544A-7EE6-4342-B048-85BDC9FD1C3A}</a:tableStyleId>
               </a:tblPr>
               <a:tblGrid>
-                <a:gridCol w="2655529">
+                <a:gridCol w="2984759">
                   <a:extLst>
                     <a:ext uri="{9D8B030D-6E8A-4147-A177-3AD203B41FA5}">
                       <a16:colId xmlns:a16="http://schemas.microsoft.com/office/drawing/2014/main" val="1876588526"/>
                     </a:ext>
                   </a:extLst>
                 </a:gridCol>
-                <a:gridCol w="1351665">
+                <a:gridCol w="987399">
                   <a:extLst>
                     <a:ext uri="{9D8B030D-6E8A-4147-A177-3AD203B41FA5}">
                       <a16:colId xmlns:a16="http://schemas.microsoft.com/office/drawing/2014/main" val="1169922202"/>
                     </a:ext>
                   </a:extLst>
                 </a:gridCol>
-                <a:gridCol w="3829618">
+                <a:gridCol w="4836253">
                   <a:extLst>
                     <a:ext uri="{9D8B030D-6E8A-4147-A177-3AD203B41FA5}">
                       <a16:colId xmlns:a16="http://schemas.microsoft.com/office/drawing/2014/main" val="829240010"/>
@@ -9245,7 +9181,7 @@
                   </a:extLst>
                 </a:gridCol>
               </a:tblGrid>
-              <a:tr h="424653">
+              <a:tr h="517305">
                 <a:tc>
                   <a:txBody>
                     <a:bodyPr/>
@@ -9360,7 +9296,7 @@
                   </a:ext>
                 </a:extLst>
               </a:tr>
-              <a:tr h="3535786">
+              <a:tr h="4307231">
                 <a:tc>
                   <a:txBody>
                     <a:bodyPr/>
@@ -9388,6 +9324,25 @@
                         </a:rPr>
                         <a:t>Imprime los N primeros caracteres de la cadena. </a:t>
                       </a:r>
+                    </a:p>
+                    <a:p>
+                      <a:pPr algn="ctr">
+                        <a:lnSpc>
+                          <a:spcPct val="107000"/>
+                        </a:lnSpc>
+                        <a:spcAft>
+                          <a:spcPts val="0"/>
+                        </a:spcAft>
+                      </a:pPr>
+                      <a:endParaRPr lang="es-MX" sz="1600" b="0" kern="1200" dirty="0">
+                        <a:solidFill>
+                          <a:schemeClr val="bg1"/>
+                        </a:solidFill>
+                        <a:effectLst/>
+                        <a:latin typeface="+mn-lt"/>
+                        <a:ea typeface="Times New Roman" panose="02020603050405020304" pitchFamily="18" charset="0"/>
+                        <a:cs typeface="Calibri" panose="020F0502020204030204" pitchFamily="34" charset="0"/>
+                      </a:endParaRPr>
                     </a:p>
                     <a:p>
                       <a:pPr algn="ctr">
@@ -9455,6 +9410,27 @@
                         </a:rPr>
                         <a:t> N al último.</a:t>
                       </a:r>
+                    </a:p>
+                    <a:p>
+                      <a:pPr marL="0" indent="0" algn="l">
+                        <a:lnSpc>
+                          <a:spcPct val="107000"/>
+                        </a:lnSpc>
+                        <a:spcAft>
+                          <a:spcPts val="0"/>
+                        </a:spcAft>
+                        <a:buFont typeface="Arial" panose="020B0604020202020204" pitchFamily="34" charset="0"/>
+                        <a:buNone/>
+                      </a:pPr>
+                      <a:endParaRPr lang="es-MX" sz="1600" b="0" kern="1200" dirty="0">
+                        <a:solidFill>
+                          <a:schemeClr val="bg1"/>
+                        </a:solidFill>
+                        <a:effectLst/>
+                        <a:latin typeface="+mn-lt"/>
+                        <a:ea typeface="Times New Roman" panose="02020603050405020304" pitchFamily="18" charset="0"/>
+                        <a:cs typeface="Calibri" panose="020F0502020204030204" pitchFamily="34" charset="0"/>
+                      </a:endParaRPr>
                     </a:p>
                     <a:p>
                       <a:pPr marL="0" indent="0" algn="l">
@@ -9498,7 +9474,7 @@
                           <a:ea typeface="Times New Roman" panose="02020603050405020304" pitchFamily="18" charset="0"/>
                           <a:cs typeface="Calibri" panose="020F0502020204030204" pitchFamily="34" charset="0"/>
                         </a:rPr>
-                        <a:t>Si el N es negativo, toma desde el ultimo carácter el valor de N caracteres</a:t>
+                        <a:t>Si N es negativo, toma desde el último carácter el valor de N caracteres</a:t>
                       </a:r>
                       <a:endParaRPr lang="es-MX" sz="1600" b="0" kern="1200" dirty="0">
                         <a:solidFill>
@@ -9643,7 +9619,7 @@
                           <a:ea typeface="Times New Roman" panose="02020603050405020304" pitchFamily="18" charset="0"/>
                           <a:cs typeface="Calibri" panose="020F0502020204030204" pitchFamily="34" charset="0"/>
                         </a:rPr>
-                        <a:t>Imprime 3 caracteres de la cadena</a:t>
+                        <a:t>Imprime 3 caracteres de la cadena.</a:t>
                       </a:r>
                     </a:p>
                     <a:p>
@@ -9770,7 +9746,31 @@
                           <a:ea typeface="Times New Roman" panose="02020603050405020304" pitchFamily="18" charset="0"/>
                           <a:cs typeface="Calibri" panose="020F0502020204030204" pitchFamily="34" charset="0"/>
                         </a:rPr>
-                        <a:t>Imprime desde la posición 3 al ultimo</a:t>
+                        <a:t>Imprime desde la posición 3 y hasta el último </a:t>
+                      </a:r>
+                      <a:r>
+                        <a:rPr lang="es-MX" sz="1600" b="0" kern="1200" dirty="0" err="1">
+                          <a:solidFill>
+                            <a:srgbClr val="000000"/>
+                          </a:solidFill>
+                          <a:effectLst/>
+                          <a:latin typeface="+mn-lt"/>
+                          <a:ea typeface="Times New Roman" panose="02020603050405020304" pitchFamily="18" charset="0"/>
+                          <a:cs typeface="Calibri" panose="020F0502020204030204" pitchFamily="34" charset="0"/>
+                        </a:rPr>
+                        <a:t>caracter</a:t>
+                      </a:r>
+                      <a:r>
+                        <a:rPr lang="es-MX" sz="1600" b="0" kern="1200" dirty="0">
+                          <a:solidFill>
+                            <a:srgbClr val="000000"/>
+                          </a:solidFill>
+                          <a:effectLst/>
+                          <a:latin typeface="+mn-lt"/>
+                          <a:ea typeface="Times New Roman" panose="02020603050405020304" pitchFamily="18" charset="0"/>
+                          <a:cs typeface="Calibri" panose="020F0502020204030204" pitchFamily="34" charset="0"/>
+                        </a:rPr>
+                        <a:t>.</a:t>
                       </a:r>
                     </a:p>
                     <a:p>
@@ -9901,7 +9901,7 @@
                           <a:ea typeface="Calibri" panose="020F0502020204030204" pitchFamily="34" charset="0"/>
                           <a:cs typeface="Calibri" panose="020F0502020204030204" pitchFamily="34" charset="0"/>
                         </a:rPr>
-                        <a:t>do</a:t>
+                        <a:t>Do</a:t>
                       </a:r>
                     </a:p>
                   </a:txBody>
@@ -14289,7 +14289,7 @@
                 <a:latin typeface="Arial" pitchFamily="34" charset="0"/>
                 <a:cs typeface="Arial" pitchFamily="34" charset="0"/>
               </a:rPr>
-              <a:t>cuantosCaracteres</a:t>
+              <a:t>cuantos_caracteres</a:t>
             </a:r>
             <a:r>
               <a:rPr lang="es-ES_tradnl" sz="2200" b="1" dirty="0">
@@ -14899,7 +14899,7 @@
                 </a:solidFill>
                 <a:latin typeface="Arial" pitchFamily="34" charset="0"/>
               </a:rPr>
-              <a:t>cuantosCaracteres</a:t>
+              <a:t>cuantos_caracteres</a:t>
             </a:r>
             <a:r>
               <a:rPr lang="es-ES_tradnl" sz="2000" b="1" dirty="0">
@@ -15155,7 +15155,7 @@
                 </a:solidFill>
                 <a:latin typeface="Arial" pitchFamily="34" charset="0"/>
               </a:rPr>
-              <a:t>cuantosCaracteres</a:t>
+              <a:t>cuantos_caracteres</a:t>
             </a:r>
             <a:r>
               <a:rPr lang="es-ES_tradnl" sz="2000" b="1" dirty="0">
@@ -15652,7 +15652,7 @@
                 <a:latin typeface="Arial" pitchFamily="34" charset="0"/>
                 <a:cs typeface="Arial" pitchFamily="34" charset="0"/>
               </a:rPr>
-              <a:t>cuantasRepeticiones</a:t>
+              <a:t>cuantas_repeticiones</a:t>
             </a:r>
             <a:r>
               <a:rPr lang="es-ES_tradnl" sz="2200" b="1" dirty="0">
@@ -16397,7 +16397,7 @@
                 </a:solidFill>
                 <a:latin typeface="Arial" pitchFamily="34" charset="0"/>
               </a:rPr>
-              <a:t>cuantasRepeticiones</a:t>
+              <a:t>cuantas_repeticiones</a:t>
             </a:r>
             <a:r>
               <a:rPr lang="es-ES_tradnl" sz="2000" b="1" dirty="0">
@@ -16727,7 +16727,7 @@
                 </a:solidFill>
                 <a:latin typeface="Arial" pitchFamily="34" charset="0"/>
               </a:rPr>
-              <a:t>cuantasRepeticiones</a:t>
+              <a:t>cuantas_repeticiones</a:t>
             </a:r>
             <a:r>
               <a:rPr lang="es-ES_tradnl" sz="2000" b="1" dirty="0">

--- a/CalendarioAgo20L/presentaciones/11_Strings.pptx
+++ b/CalendarioAgo20L/presentaciones/11_Strings.pptx
@@ -5,7 +5,7 @@
     <p:sldMasterId id="2147483648" r:id="rId1"/>
   </p:sldMasterIdLst>
   <p:notesMasterIdLst>
-    <p:notesMasterId r:id="rId19"/>
+    <p:notesMasterId r:id="rId18"/>
   </p:notesMasterIdLst>
   <p:sldIdLst>
     <p:sldId id="283" r:id="rId2"/>
@@ -15,16 +15,15 @@
     <p:sldId id="270" r:id="rId6"/>
     <p:sldId id="271" r:id="rId7"/>
     <p:sldId id="291" r:id="rId8"/>
-    <p:sldId id="292" r:id="rId9"/>
-    <p:sldId id="263" r:id="rId10"/>
-    <p:sldId id="284" r:id="rId11"/>
-    <p:sldId id="285" r:id="rId12"/>
-    <p:sldId id="286" r:id="rId13"/>
-    <p:sldId id="287" r:id="rId14"/>
-    <p:sldId id="288" r:id="rId15"/>
-    <p:sldId id="289" r:id="rId16"/>
-    <p:sldId id="290" r:id="rId17"/>
-    <p:sldId id="282" r:id="rId18"/>
+    <p:sldId id="263" r:id="rId9"/>
+    <p:sldId id="284" r:id="rId10"/>
+    <p:sldId id="285" r:id="rId11"/>
+    <p:sldId id="286" r:id="rId12"/>
+    <p:sldId id="287" r:id="rId13"/>
+    <p:sldId id="288" r:id="rId14"/>
+    <p:sldId id="289" r:id="rId15"/>
+    <p:sldId id="290" r:id="rId16"/>
+    <p:sldId id="282" r:id="rId17"/>
   </p:sldIdLst>
   <p:sldSz cx="9144000" cy="6858000" type="screen4x3"/>
   <p:notesSz cx="6858000" cy="9144000"/>
@@ -224,7 +223,7 @@
           <a:p>
             <a:fld id="{55C7BC42-2F9C-4966-894F-B6FA6F3C1DB8}" type="datetimeFigureOut">
               <a:rPr lang="es-MX" smtClean="0"/>
-              <a:t>04/10/2020</a:t>
+              <a:t>05/10/2020</a:t>
             </a:fld>
             <a:endParaRPr lang="es-MX" dirty="0"/>
           </a:p>
@@ -576,90 +575,6 @@
 </p:notes>
 </file>
 
-<file path=ppt/notesSlides/notesSlide2.xml><?xml version="1.0" encoding="utf-8"?>
-<p:notes xmlns:a="http://schemas.openxmlformats.org/drawingml/2006/main" xmlns:r="http://schemas.openxmlformats.org/officeDocument/2006/relationships" xmlns:p="http://schemas.openxmlformats.org/presentationml/2006/main">
-  <p:cSld>
-    <p:spTree>
-      <p:nvGrpSpPr>
-        <p:cNvPr id="1" name=""/>
-        <p:cNvGrpSpPr/>
-        <p:nvPr/>
-      </p:nvGrpSpPr>
-      <p:grpSpPr>
-        <a:xfrm>
-          <a:off x="0" y="0"/>
-          <a:ext cx="0" cy="0"/>
-          <a:chOff x="0" y="0"/>
-          <a:chExt cx="0" cy="0"/>
-        </a:xfrm>
-      </p:grpSpPr>
-      <p:sp>
-        <p:nvSpPr>
-          <p:cNvPr id="2" name="1 Marcador de imagen de diapositiva"/>
-          <p:cNvSpPr>
-            <a:spLocks noGrp="1" noRot="1" noChangeAspect="1"/>
-          </p:cNvSpPr>
-          <p:nvPr>
-            <p:ph type="sldImg"/>
-          </p:nvPr>
-        </p:nvSpPr>
-        <p:spPr/>
-      </p:sp>
-      <p:sp>
-        <p:nvSpPr>
-          <p:cNvPr id="3" name="2 Marcador de notas"/>
-          <p:cNvSpPr>
-            <a:spLocks noGrp="1"/>
-          </p:cNvSpPr>
-          <p:nvPr>
-            <p:ph type="body" idx="1"/>
-          </p:nvPr>
-        </p:nvSpPr>
-        <p:spPr/>
-        <p:txBody>
-          <a:bodyPr/>
-          <a:lstStyle/>
-          <a:p>
-            <a:endParaRPr lang="es-MX" dirty="0"/>
-          </a:p>
-        </p:txBody>
-      </p:sp>
-      <p:sp>
-        <p:nvSpPr>
-          <p:cNvPr id="4" name="3 Marcador de número de diapositiva"/>
-          <p:cNvSpPr>
-            <a:spLocks noGrp="1"/>
-          </p:cNvSpPr>
-          <p:nvPr>
-            <p:ph type="sldNum" sz="quarter" idx="10"/>
-          </p:nvPr>
-        </p:nvSpPr>
-        <p:spPr/>
-        <p:txBody>
-          <a:bodyPr/>
-          <a:lstStyle/>
-          <a:p>
-            <a:fld id="{22F32190-7968-4437-BE88-4F1E072F1C89}" type="slidenum">
-              <a:rPr lang="es-MX" smtClean="0"/>
-              <a:t>8</a:t>
-            </a:fld>
-            <a:endParaRPr lang="es-MX" dirty="0"/>
-          </a:p>
-        </p:txBody>
-      </p:sp>
-    </p:spTree>
-    <p:extLst>
-      <p:ext uri="{BB962C8B-B14F-4D97-AF65-F5344CB8AC3E}">
-        <p14:creationId xmlns:p14="http://schemas.microsoft.com/office/powerpoint/2010/main" val="3855964026"/>
-      </p:ext>
-    </p:extLst>
-  </p:cSld>
-  <p:clrMapOvr>
-    <a:masterClrMapping/>
-  </p:clrMapOvr>
-</p:notes>
-</file>
-
 <file path=ppt/slideLayouts/slideLayout1.xml><?xml version="1.0" encoding="utf-8"?>
 <p:sldLayout xmlns:a="http://schemas.openxmlformats.org/drawingml/2006/main" xmlns:r="http://schemas.openxmlformats.org/officeDocument/2006/relationships" xmlns:p="http://schemas.openxmlformats.org/presentationml/2006/main" type="title" preserve="1">
   <p:cSld name="Diapositiva de título">
@@ -841,7 +756,7 @@
           <a:p>
             <a:fld id="{47016A6E-E1CA-4694-BCEE-11D49EEFA04C}" type="datetimeFigureOut">
               <a:rPr lang="es-MX" smtClean="0"/>
-              <a:t>04/10/2020</a:t>
+              <a:t>05/10/2020</a:t>
             </a:fld>
             <a:endParaRPr lang="es-MX" dirty="0"/>
           </a:p>
@@ -1011,7 +926,7 @@
           <a:p>
             <a:fld id="{47016A6E-E1CA-4694-BCEE-11D49EEFA04C}" type="datetimeFigureOut">
               <a:rPr lang="es-MX" smtClean="0"/>
-              <a:t>04/10/2020</a:t>
+              <a:t>05/10/2020</a:t>
             </a:fld>
             <a:endParaRPr lang="es-MX" dirty="0"/>
           </a:p>
@@ -1191,7 +1106,7 @@
           <a:p>
             <a:fld id="{47016A6E-E1CA-4694-BCEE-11D49EEFA04C}" type="datetimeFigureOut">
               <a:rPr lang="es-MX" smtClean="0"/>
-              <a:t>04/10/2020</a:t>
+              <a:t>05/10/2020</a:t>
             </a:fld>
             <a:endParaRPr lang="es-MX" dirty="0"/>
           </a:p>
@@ -1344,7 +1259,7 @@
           <a:p>
             <a:fld id="{1D8BD707-D9CF-40AE-B4C6-C98DA3205C09}" type="datetimeFigureOut">
               <a:rPr lang="en-US" smtClean="0"/>
-              <a:t>10/4/2020</a:t>
+              <a:t>10/5/2020</a:t>
             </a:fld>
             <a:endParaRPr lang="en-US"/>
           </a:p>
@@ -1504,7 +1419,7 @@
           <a:p>
             <a:fld id="{47016A6E-E1CA-4694-BCEE-11D49EEFA04C}" type="datetimeFigureOut">
               <a:rPr lang="es-MX" smtClean="0"/>
-              <a:t>04/10/2020</a:t>
+              <a:t>05/10/2020</a:t>
             </a:fld>
             <a:endParaRPr lang="es-MX" dirty="0"/>
           </a:p>
@@ -1750,7 +1665,7 @@
           <a:p>
             <a:fld id="{47016A6E-E1CA-4694-BCEE-11D49EEFA04C}" type="datetimeFigureOut">
               <a:rPr lang="es-MX" smtClean="0"/>
-              <a:t>04/10/2020</a:t>
+              <a:t>05/10/2020</a:t>
             </a:fld>
             <a:endParaRPr lang="es-MX" dirty="0"/>
           </a:p>
@@ -2038,7 +1953,7 @@
           <a:p>
             <a:fld id="{47016A6E-E1CA-4694-BCEE-11D49EEFA04C}" type="datetimeFigureOut">
               <a:rPr lang="es-MX" smtClean="0"/>
-              <a:t>04/10/2020</a:t>
+              <a:t>05/10/2020</a:t>
             </a:fld>
             <a:endParaRPr lang="es-MX" dirty="0"/>
           </a:p>
@@ -2460,7 +2375,7 @@
           <a:p>
             <a:fld id="{47016A6E-E1CA-4694-BCEE-11D49EEFA04C}" type="datetimeFigureOut">
               <a:rPr lang="es-MX" smtClean="0"/>
-              <a:t>04/10/2020</a:t>
+              <a:t>05/10/2020</a:t>
             </a:fld>
             <a:endParaRPr lang="es-MX" dirty="0"/>
           </a:p>
@@ -2578,7 +2493,7 @@
           <a:p>
             <a:fld id="{47016A6E-E1CA-4694-BCEE-11D49EEFA04C}" type="datetimeFigureOut">
               <a:rPr lang="es-MX" smtClean="0"/>
-              <a:t>04/10/2020</a:t>
+              <a:t>05/10/2020</a:t>
             </a:fld>
             <a:endParaRPr lang="es-MX" dirty="0"/>
           </a:p>
@@ -2673,7 +2588,7 @@
           <a:p>
             <a:fld id="{47016A6E-E1CA-4694-BCEE-11D49EEFA04C}" type="datetimeFigureOut">
               <a:rPr lang="es-MX" smtClean="0"/>
-              <a:t>04/10/2020</a:t>
+              <a:t>05/10/2020</a:t>
             </a:fld>
             <a:endParaRPr lang="es-MX" dirty="0"/>
           </a:p>
@@ -2950,7 +2865,7 @@
           <a:p>
             <a:fld id="{47016A6E-E1CA-4694-BCEE-11D49EEFA04C}" type="datetimeFigureOut">
               <a:rPr lang="es-MX" smtClean="0"/>
-              <a:t>04/10/2020</a:t>
+              <a:t>05/10/2020</a:t>
             </a:fld>
             <a:endParaRPr lang="es-MX" dirty="0"/>
           </a:p>
@@ -3203,7 +3118,7 @@
           <a:p>
             <a:fld id="{47016A6E-E1CA-4694-BCEE-11D49EEFA04C}" type="datetimeFigureOut">
               <a:rPr lang="es-MX" smtClean="0"/>
-              <a:t>04/10/2020</a:t>
+              <a:t>05/10/2020</a:t>
             </a:fld>
             <a:endParaRPr lang="es-MX" dirty="0"/>
           </a:p>
@@ -3416,7 +3331,7 @@
           <a:p>
             <a:fld id="{47016A6E-E1CA-4694-BCEE-11D49EEFA04C}" type="datetimeFigureOut">
               <a:rPr lang="es-MX" smtClean="0"/>
-              <a:t>04/10/2020</a:t>
+              <a:t>05/10/2020</a:t>
             </a:fld>
             <a:endParaRPr lang="es-MX" dirty="0"/>
           </a:p>
@@ -4022,818 +3937,6 @@
         </p:nvSpPr>
         <p:spPr>
           <a:xfrm>
-            <a:off x="1070992" y="-27384"/>
-            <a:ext cx="7317432" cy="1143000"/>
-          </a:xfrm>
-        </p:spPr>
-        <p:txBody>
-          <a:bodyPr/>
-          <a:lstStyle/>
-          <a:p>
-            <a:pPr algn="ctr" eaLnBrk="1" hangingPunct="1">
-              <a:defRPr/>
-            </a:pPr>
-            <a:r>
-              <a:rPr lang="es-ES_tradnl" b="1" dirty="0">
-                <a:solidFill>
-                  <a:schemeClr val="accent4">
-                    <a:lumMod val="50000"/>
-                  </a:schemeClr>
-                </a:solidFill>
-                <a:effectLst>
-                  <a:outerShdw blurRad="38100" dist="38100" dir="2700000" algn="tl">
-                    <a:srgbClr val="C0C0C0"/>
-                  </a:outerShdw>
-                </a:effectLst>
-                <a:latin typeface="Dom Casual" charset="0"/>
-              </a:rPr>
-              <a:t>Funciones y métodos</a:t>
-            </a:r>
-          </a:p>
-        </p:txBody>
-      </p:sp>
-      <p:graphicFrame>
-        <p:nvGraphicFramePr>
-          <p:cNvPr id="6" name="Tabla 5">
-            <a:extLst>
-              <a:ext uri="{FF2B5EF4-FFF2-40B4-BE49-F238E27FC236}">
-                <a16:creationId xmlns:a16="http://schemas.microsoft.com/office/drawing/2014/main" id="{BE426977-61B5-479E-97A7-3FE465BE2807}"/>
-              </a:ext>
-            </a:extLst>
-          </p:cNvPr>
-          <p:cNvGraphicFramePr>
-            <a:graphicFrameLocks noGrp="1"/>
-          </p:cNvGraphicFramePr>
-          <p:nvPr>
-            <p:extLst>
-              <p:ext uri="{D42A27DB-BD31-4B8C-83A1-F6EECF244321}">
-                <p14:modId xmlns:p14="http://schemas.microsoft.com/office/powerpoint/2010/main" val="4017609071"/>
-              </p:ext>
-            </p:extLst>
-          </p:nvPr>
-        </p:nvGraphicFramePr>
-        <p:xfrm>
-          <a:off x="869157" y="1268760"/>
-          <a:ext cx="7721101" cy="5122398"/>
-        </p:xfrm>
-        <a:graphic>
-          <a:graphicData uri="http://schemas.openxmlformats.org/drawingml/2006/table">
-            <a:tbl>
-              <a:tblPr firstRow="1" firstCol="1" bandRow="1">
-                <a:tableStyleId>{5C22544A-7EE6-4342-B048-85BDC9FD1C3A}</a:tableStyleId>
-              </a:tblPr>
-              <a:tblGrid>
-                <a:gridCol w="2530973">
-                  <a:extLst>
-                    <a:ext uri="{9D8B030D-6E8A-4147-A177-3AD203B41FA5}">
-                      <a16:colId xmlns:a16="http://schemas.microsoft.com/office/drawing/2014/main" val="1876588526"/>
-                    </a:ext>
-                  </a:extLst>
-                </a:gridCol>
-                <a:gridCol w="1562650">
-                  <a:extLst>
-                    <a:ext uri="{9D8B030D-6E8A-4147-A177-3AD203B41FA5}">
-                      <a16:colId xmlns:a16="http://schemas.microsoft.com/office/drawing/2014/main" val="4057113337"/>
-                    </a:ext>
-                  </a:extLst>
-                </a:gridCol>
-                <a:gridCol w="3627478">
-                  <a:extLst>
-                    <a:ext uri="{9D8B030D-6E8A-4147-A177-3AD203B41FA5}">
-                      <a16:colId xmlns:a16="http://schemas.microsoft.com/office/drawing/2014/main" val="829240010"/>
-                    </a:ext>
-                  </a:extLst>
-                </a:gridCol>
-              </a:tblGrid>
-              <a:tr h="275923">
-                <a:tc>
-                  <a:txBody>
-                    <a:bodyPr/>
-                    <a:lstStyle/>
-                    <a:p>
-                      <a:pPr algn="ctr">
-                        <a:lnSpc>
-                          <a:spcPct val="107000"/>
-                        </a:lnSpc>
-                        <a:spcAft>
-                          <a:spcPts val="0"/>
-                        </a:spcAft>
-                      </a:pPr>
-                      <a:r>
-                        <a:rPr lang="es-MX" sz="1600" dirty="0">
-                          <a:effectLst/>
-                          <a:latin typeface="+mn-lt"/>
-                        </a:rPr>
-                        <a:t>Explicación</a:t>
-                      </a:r>
-                      <a:endParaRPr lang="es-MX" sz="1600" dirty="0">
-                        <a:effectLst/>
-                        <a:latin typeface="+mn-lt"/>
-                        <a:ea typeface="Calibri" panose="020F0502020204030204" pitchFamily="34" charset="0"/>
-                        <a:cs typeface="Times New Roman" panose="02020603050405020304" pitchFamily="18" charset="0"/>
-                      </a:endParaRPr>
-                    </a:p>
-                  </a:txBody>
-                  <a:tcPr marL="28008" marR="28008" marT="0" marB="0">
-                    <a:solidFill>
-                      <a:schemeClr val="accent4">
-                        <a:lumMod val="50000"/>
-                      </a:schemeClr>
-                    </a:solidFill>
-                  </a:tcPr>
-                </a:tc>
-                <a:tc>
-                  <a:txBody>
-                    <a:bodyPr/>
-                    <a:lstStyle/>
-                    <a:p>
-                      <a:pPr algn="ctr">
-                        <a:lnSpc>
-                          <a:spcPct val="107000"/>
-                        </a:lnSpc>
-                        <a:spcAft>
-                          <a:spcPts val="0"/>
-                        </a:spcAft>
-                      </a:pPr>
-                      <a:r>
-                        <a:rPr lang="es-MX" sz="1600" dirty="0">
-                          <a:effectLst/>
-                          <a:latin typeface="+mn-lt"/>
-                        </a:rPr>
-                        <a:t>Método</a:t>
-                      </a:r>
-                      <a:endParaRPr lang="es-MX" sz="1600" dirty="0">
-                        <a:effectLst/>
-                        <a:latin typeface="+mn-lt"/>
-                        <a:ea typeface="Calibri" panose="020F0502020204030204" pitchFamily="34" charset="0"/>
-                        <a:cs typeface="Times New Roman" panose="02020603050405020304" pitchFamily="18" charset="0"/>
-                      </a:endParaRPr>
-                    </a:p>
-                  </a:txBody>
-                  <a:tcPr marL="28008" marR="28008" marT="0" marB="0">
-                    <a:solidFill>
-                      <a:schemeClr val="accent4">
-                        <a:lumMod val="50000"/>
-                      </a:schemeClr>
-                    </a:solidFill>
-                  </a:tcPr>
-                </a:tc>
-                <a:tc>
-                  <a:txBody>
-                    <a:bodyPr/>
-                    <a:lstStyle/>
-                    <a:p>
-                      <a:pPr algn="ctr">
-                        <a:lnSpc>
-                          <a:spcPct val="107000"/>
-                        </a:lnSpc>
-                        <a:spcAft>
-                          <a:spcPts val="0"/>
-                        </a:spcAft>
-                      </a:pPr>
-                      <a:r>
-                        <a:rPr lang="es-MX" sz="1600" dirty="0">
-                          <a:effectLst/>
-                          <a:latin typeface="+mn-lt"/>
-                        </a:rPr>
-                        <a:t>Ejemplo</a:t>
-                      </a:r>
-                      <a:endParaRPr lang="es-MX" sz="1600" dirty="0">
-                        <a:effectLst/>
-                        <a:latin typeface="+mn-lt"/>
-                        <a:ea typeface="Calibri" panose="020F0502020204030204" pitchFamily="34" charset="0"/>
-                        <a:cs typeface="Times New Roman" panose="02020603050405020304" pitchFamily="18" charset="0"/>
-                      </a:endParaRPr>
-                    </a:p>
-                  </a:txBody>
-                  <a:tcPr marL="28008" marR="28008" marT="0" marB="0">
-                    <a:solidFill>
-                      <a:schemeClr val="accent4">
-                        <a:lumMod val="50000"/>
-                      </a:schemeClr>
-                    </a:solidFill>
-                  </a:tcPr>
-                </a:tc>
-                <a:extLst>
-                  <a:ext uri="{0D108BD9-81ED-4DB2-BD59-A6C34878D82A}">
-                    <a16:rowId xmlns:a16="http://schemas.microsoft.com/office/drawing/2014/main" val="180739552"/>
-                  </a:ext>
-                </a:extLst>
-              </a:tr>
-              <a:tr h="1934624">
-                <a:tc>
-                  <a:txBody>
-                    <a:bodyPr/>
-                    <a:lstStyle/>
-                    <a:p>
-                      <a:pPr algn="ctr">
-                        <a:lnSpc>
-                          <a:spcPct val="107000"/>
-                        </a:lnSpc>
-                        <a:spcAft>
-                          <a:spcPts val="0"/>
-                        </a:spcAft>
-                      </a:pPr>
-                      <a:r>
-                        <a:rPr lang="es-MX" sz="1600" b="0" dirty="0">
-                          <a:effectLst/>
-                          <a:latin typeface="+mn-lt"/>
-                        </a:rPr>
-                        <a:t>Regresa una cadena que contiene la cadena original pero sin los espacios en blanco que están a la derecha </a:t>
-                      </a:r>
-                      <a:r>
-                        <a:rPr lang="es-MX" sz="1600" b="0">
-                          <a:effectLst/>
-                          <a:latin typeface="+mn-lt"/>
-                        </a:rPr>
-                        <a:t>y a la izquierda.</a:t>
-                      </a:r>
-                      <a:endParaRPr lang="es-MX" sz="1600" b="0" dirty="0">
-                        <a:effectLst/>
-                        <a:latin typeface="+mn-lt"/>
-                        <a:ea typeface="Calibri" panose="020F0502020204030204" pitchFamily="34" charset="0"/>
-                        <a:cs typeface="Times New Roman" panose="02020603050405020304" pitchFamily="18" charset="0"/>
-                      </a:endParaRPr>
-                    </a:p>
-                  </a:txBody>
-                  <a:tcPr marL="28008" marR="28008" marT="0" marB="0" anchor="ctr">
-                    <a:solidFill>
-                      <a:schemeClr val="accent4">
-                        <a:lumMod val="50000"/>
-                      </a:schemeClr>
-                    </a:solidFill>
-                  </a:tcPr>
-                </a:tc>
-                <a:tc>
-                  <a:txBody>
-                    <a:bodyPr/>
-                    <a:lstStyle/>
-                    <a:p>
-                      <a:pPr algn="ctr">
-                        <a:lnSpc>
-                          <a:spcPct val="107000"/>
-                        </a:lnSpc>
-                        <a:spcAft>
-                          <a:spcPts val="0"/>
-                        </a:spcAft>
-                      </a:pPr>
-                      <a:r>
-                        <a:rPr lang="es-MX" sz="1800" b="1" dirty="0" err="1">
-                          <a:effectLst/>
-                          <a:latin typeface="+mn-lt"/>
-                        </a:rPr>
-                        <a:t>cadena.strip</a:t>
-                      </a:r>
-                      <a:r>
-                        <a:rPr lang="es-MX" sz="1800" b="1" dirty="0">
-                          <a:effectLst/>
-                          <a:latin typeface="+mn-lt"/>
-                        </a:rPr>
-                        <a:t>()</a:t>
-                      </a:r>
-                      <a:endParaRPr lang="es-MX" sz="1800" b="1" dirty="0">
-                        <a:effectLst/>
-                        <a:latin typeface="+mn-lt"/>
-                        <a:ea typeface="Calibri" panose="020F0502020204030204" pitchFamily="34" charset="0"/>
-                        <a:cs typeface="Times New Roman" panose="02020603050405020304" pitchFamily="18" charset="0"/>
-                      </a:endParaRPr>
-                    </a:p>
-                  </a:txBody>
-                  <a:tcPr marL="28008" marR="28008" marT="0" marB="0" anchor="ctr">
-                    <a:solidFill>
-                      <a:schemeClr val="accent3">
-                        <a:lumMod val="20000"/>
-                        <a:lumOff val="80000"/>
-                      </a:schemeClr>
-                    </a:solidFill>
-                  </a:tcPr>
-                </a:tc>
-                <a:tc>
-                  <a:txBody>
-                    <a:bodyPr/>
-                    <a:lstStyle/>
-                    <a:p>
-                      <a:pPr algn="l">
-                        <a:lnSpc>
-                          <a:spcPct val="107000"/>
-                        </a:lnSpc>
-                        <a:spcAft>
-                          <a:spcPts val="0"/>
-                        </a:spcAft>
-                      </a:pPr>
-                      <a:r>
-                        <a:rPr lang="es-MX" sz="1800" b="1" dirty="0">
-                          <a:effectLst/>
-                          <a:latin typeface="+mn-lt"/>
-                        </a:rPr>
-                        <a:t>cadena="    Hola mundo   "</a:t>
-                      </a:r>
-                    </a:p>
-                    <a:p>
-                      <a:pPr algn="l">
-                        <a:lnSpc>
-                          <a:spcPct val="107000"/>
-                        </a:lnSpc>
-                        <a:spcAft>
-                          <a:spcPts val="0"/>
-                        </a:spcAft>
-                      </a:pPr>
-                      <a:r>
-                        <a:rPr lang="es-MX" sz="1800" b="1" dirty="0" err="1">
-                          <a:effectLst/>
-                          <a:latin typeface="+mn-lt"/>
-                        </a:rPr>
-                        <a:t>print</a:t>
-                      </a:r>
-                      <a:r>
-                        <a:rPr lang="es-MX" sz="1800" b="1" dirty="0">
-                          <a:effectLst/>
-                          <a:latin typeface="+mn-lt"/>
-                        </a:rPr>
-                        <a:t>(cadena)</a:t>
-                      </a:r>
-                    </a:p>
-                    <a:p>
-                      <a:pPr algn="l">
-                        <a:lnSpc>
-                          <a:spcPct val="107000"/>
-                        </a:lnSpc>
-                        <a:spcAft>
-                          <a:spcPts val="0"/>
-                        </a:spcAft>
-                      </a:pPr>
-                      <a:r>
-                        <a:rPr lang="es-MX" sz="1800" b="1" dirty="0" err="1">
-                          <a:effectLst/>
-                          <a:latin typeface="+mn-lt"/>
-                        </a:rPr>
-                        <a:t>print</a:t>
-                      </a:r>
-                      <a:r>
-                        <a:rPr lang="es-MX" sz="1800" b="1" dirty="0">
-                          <a:effectLst/>
-                          <a:latin typeface="+mn-lt"/>
-                        </a:rPr>
-                        <a:t>(</a:t>
-                      </a:r>
-                      <a:r>
-                        <a:rPr lang="es-MX" sz="1800" b="1" dirty="0" err="1">
-                          <a:effectLst/>
-                          <a:latin typeface="+mn-lt"/>
-                        </a:rPr>
-                        <a:t>cadena.strip</a:t>
-                      </a:r>
-                      <a:r>
-                        <a:rPr lang="es-MX" sz="1800" b="1" dirty="0">
-                          <a:effectLst/>
-                          <a:latin typeface="+mn-lt"/>
-                        </a:rPr>
-                        <a:t>())</a:t>
-                      </a:r>
-                    </a:p>
-                    <a:p>
-                      <a:pPr algn="l">
-                        <a:lnSpc>
-                          <a:spcPct val="107000"/>
-                        </a:lnSpc>
-                        <a:spcAft>
-                          <a:spcPts val="0"/>
-                        </a:spcAft>
-                      </a:pPr>
-                      <a:r>
-                        <a:rPr lang="es-MX" sz="1800" b="0" dirty="0">
-                          <a:effectLst/>
-                          <a:latin typeface="+mn-lt"/>
-                          <a:ea typeface="Calibri" panose="020F0502020204030204" pitchFamily="34" charset="0"/>
-                          <a:cs typeface="Times New Roman" panose="02020603050405020304" pitchFamily="18" charset="0"/>
-                        </a:rPr>
-                        <a:t>Imprime:</a:t>
-                      </a:r>
-                    </a:p>
-                    <a:p>
-                      <a:pPr algn="l">
-                        <a:lnSpc>
-                          <a:spcPct val="107000"/>
-                        </a:lnSpc>
-                        <a:spcAft>
-                          <a:spcPts val="0"/>
-                        </a:spcAft>
-                      </a:pPr>
-                      <a:r>
-                        <a:rPr lang="es-MX" sz="1800" b="1" dirty="0">
-                          <a:effectLst/>
-                          <a:latin typeface="+mn-lt"/>
-                        </a:rPr>
-                        <a:t>    </a:t>
-                      </a:r>
-                      <a:r>
-                        <a:rPr lang="es-MX" sz="1800" b="0" dirty="0">
-                          <a:effectLst/>
-                          <a:latin typeface="+mn-lt"/>
-                        </a:rPr>
-                        <a:t>Hola mundo</a:t>
-                      </a:r>
-                      <a:endParaRPr lang="es-MX" sz="1800" b="0" dirty="0">
-                        <a:effectLst/>
-                        <a:latin typeface="+mn-lt"/>
-                        <a:ea typeface="Calibri" panose="020F0502020204030204" pitchFamily="34" charset="0"/>
-                        <a:cs typeface="Times New Roman" panose="02020603050405020304" pitchFamily="18" charset="0"/>
-                      </a:endParaRPr>
-                    </a:p>
-                    <a:p>
-                      <a:pPr algn="l">
-                        <a:lnSpc>
-                          <a:spcPct val="107000"/>
-                        </a:lnSpc>
-                        <a:spcAft>
-                          <a:spcPts val="0"/>
-                        </a:spcAft>
-                      </a:pPr>
-                      <a:r>
-                        <a:rPr lang="es-MX" sz="1800" b="0" dirty="0">
-                          <a:effectLst/>
-                          <a:latin typeface="+mn-lt"/>
-                        </a:rPr>
-                        <a:t>Hola mundo</a:t>
-                      </a:r>
-                      <a:endParaRPr lang="es-MX" sz="1800" b="0" dirty="0">
-                        <a:effectLst/>
-                        <a:latin typeface="+mn-lt"/>
-                        <a:ea typeface="Calibri" panose="020F0502020204030204" pitchFamily="34" charset="0"/>
-                        <a:cs typeface="Times New Roman" panose="02020603050405020304" pitchFamily="18" charset="0"/>
-                      </a:endParaRPr>
-                    </a:p>
-                  </a:txBody>
-                  <a:tcPr marL="28008" marR="28008" marT="0" marB="0" anchor="ctr">
-                    <a:solidFill>
-                      <a:schemeClr val="accent3">
-                        <a:lumMod val="20000"/>
-                        <a:lumOff val="80000"/>
-                      </a:schemeClr>
-                    </a:solidFill>
-                  </a:tcPr>
-                </a:tc>
-                <a:extLst>
-                  <a:ext uri="{0D108BD9-81ED-4DB2-BD59-A6C34878D82A}">
-                    <a16:rowId xmlns:a16="http://schemas.microsoft.com/office/drawing/2014/main" val="18612594"/>
-                  </a:ext>
-                </a:extLst>
-              </a:tr>
-              <a:tr h="1293757">
-                <a:tc>
-                  <a:txBody>
-                    <a:bodyPr/>
-                    <a:lstStyle/>
-                    <a:p>
-                      <a:pPr algn="ctr">
-                        <a:lnSpc>
-                          <a:spcPct val="107000"/>
-                        </a:lnSpc>
-                        <a:spcAft>
-                          <a:spcPts val="0"/>
-                        </a:spcAft>
-                      </a:pPr>
-                      <a:r>
-                        <a:rPr lang="es-MX" sz="1600" b="0" kern="1200" dirty="0">
-                          <a:solidFill>
-                            <a:schemeClr val="lt1"/>
-                          </a:solidFill>
-                          <a:effectLst/>
-                          <a:latin typeface="+mn-lt"/>
-                          <a:ea typeface="+mn-ea"/>
-                          <a:cs typeface="+mn-cs"/>
-                        </a:rPr>
-                        <a:t>Igual a </a:t>
-                      </a:r>
-                      <a:r>
-                        <a:rPr lang="es-MX" sz="1600" b="1" kern="1200" dirty="0" err="1">
-                          <a:solidFill>
-                            <a:schemeClr val="lt1"/>
-                          </a:solidFill>
-                          <a:effectLst/>
-                          <a:latin typeface="+mn-lt"/>
-                          <a:ea typeface="+mn-ea"/>
-                          <a:cs typeface="+mn-cs"/>
-                        </a:rPr>
-                        <a:t>strip</a:t>
-                      </a:r>
-                      <a:r>
-                        <a:rPr lang="es-MX" sz="1600" b="1" kern="1200" dirty="0">
-                          <a:solidFill>
-                            <a:schemeClr val="lt1"/>
-                          </a:solidFill>
-                          <a:effectLst/>
-                          <a:latin typeface="+mn-lt"/>
-                          <a:ea typeface="+mn-ea"/>
-                          <a:cs typeface="+mn-cs"/>
-                        </a:rPr>
-                        <a:t> </a:t>
-                      </a:r>
-                      <a:r>
-                        <a:rPr lang="es-MX" sz="1600" b="0" kern="1200" dirty="0">
-                          <a:solidFill>
-                            <a:schemeClr val="lt1"/>
-                          </a:solidFill>
-                          <a:effectLst/>
-                          <a:latin typeface="+mn-lt"/>
-                          <a:ea typeface="+mn-ea"/>
-                          <a:cs typeface="+mn-cs"/>
-                        </a:rPr>
-                        <a:t>pero solo elimina los espacios a la izquierda.</a:t>
-                      </a:r>
-                    </a:p>
-                  </a:txBody>
-                  <a:tcPr marL="68580" marR="68580" marT="0" marB="0" anchor="ctr">
-                    <a:solidFill>
-                      <a:schemeClr val="accent4">
-                        <a:lumMod val="50000"/>
-                      </a:schemeClr>
-                    </a:solidFill>
-                  </a:tcPr>
-                </a:tc>
-                <a:tc>
-                  <a:txBody>
-                    <a:bodyPr/>
-                    <a:lstStyle/>
-                    <a:p>
-                      <a:pPr algn="ctr">
-                        <a:lnSpc>
-                          <a:spcPct val="107000"/>
-                        </a:lnSpc>
-                        <a:spcAft>
-                          <a:spcPts val="0"/>
-                        </a:spcAft>
-                      </a:pPr>
-                      <a:r>
-                        <a:rPr lang="es-MX" sz="1800" b="1" kern="1200" dirty="0" err="1">
-                          <a:solidFill>
-                            <a:schemeClr val="dk1"/>
-                          </a:solidFill>
-                          <a:effectLst/>
-                          <a:latin typeface="+mn-lt"/>
-                          <a:ea typeface="+mn-ea"/>
-                          <a:cs typeface="+mn-cs"/>
-                        </a:rPr>
-                        <a:t>lstrip</a:t>
-                      </a:r>
-                      <a:endParaRPr lang="es-MX" sz="1800" b="1" kern="1200" dirty="0">
-                        <a:solidFill>
-                          <a:schemeClr val="dk1"/>
-                        </a:solidFill>
-                        <a:effectLst/>
-                        <a:latin typeface="+mn-lt"/>
-                        <a:ea typeface="+mn-ea"/>
-                        <a:cs typeface="+mn-cs"/>
-                      </a:endParaRPr>
-                    </a:p>
-                  </a:txBody>
-                  <a:tcPr marL="68580" marR="68580" marT="0" marB="0" anchor="ctr">
-                    <a:solidFill>
-                      <a:schemeClr val="accent3">
-                        <a:lumMod val="20000"/>
-                        <a:lumOff val="80000"/>
-                      </a:schemeClr>
-                    </a:solidFill>
-                  </a:tcPr>
-                </a:tc>
-                <a:tc>
-                  <a:txBody>
-                    <a:bodyPr/>
-                    <a:lstStyle/>
-                    <a:p>
-                      <a:pPr marL="0" marR="0" lvl="0" indent="0" algn="l" defTabSz="914400" rtl="0" eaLnBrk="1" fontAlgn="auto" latinLnBrk="0" hangingPunct="1">
-                        <a:lnSpc>
-                          <a:spcPct val="107000"/>
-                        </a:lnSpc>
-                        <a:spcBef>
-                          <a:spcPts val="0"/>
-                        </a:spcBef>
-                        <a:spcAft>
-                          <a:spcPts val="0"/>
-                        </a:spcAft>
-                        <a:buClrTx/>
-                        <a:buSzTx/>
-                        <a:buFontTx/>
-                        <a:buNone/>
-                        <a:tabLst/>
-                        <a:defRPr/>
-                      </a:pPr>
-                      <a:endParaRPr lang="es-MX" sz="1800" b="1" kern="1200" dirty="0">
-                        <a:solidFill>
-                          <a:schemeClr val="dk1"/>
-                        </a:solidFill>
-                        <a:effectLst/>
-                        <a:latin typeface="+mn-lt"/>
-                        <a:ea typeface="+mn-ea"/>
-                        <a:cs typeface="+mn-cs"/>
-                      </a:endParaRPr>
-                    </a:p>
-                  </a:txBody>
-                  <a:tcPr marL="68580" marR="68580" marT="0" marB="0" anchor="ctr" anchorCtr="1">
-                    <a:solidFill>
-                      <a:schemeClr val="accent3">
-                        <a:lumMod val="20000"/>
-                        <a:lumOff val="80000"/>
-                      </a:schemeClr>
-                    </a:solidFill>
-                  </a:tcPr>
-                </a:tc>
-                <a:extLst>
-                  <a:ext uri="{0D108BD9-81ED-4DB2-BD59-A6C34878D82A}">
-                    <a16:rowId xmlns:a16="http://schemas.microsoft.com/office/drawing/2014/main" val="3486814094"/>
-                  </a:ext>
-                </a:extLst>
-              </a:tr>
-              <a:tr h="1618094">
-                <a:tc>
-                  <a:txBody>
-                    <a:bodyPr/>
-                    <a:lstStyle/>
-                    <a:p>
-                      <a:pPr algn="ctr">
-                        <a:lnSpc>
-                          <a:spcPct val="107000"/>
-                        </a:lnSpc>
-                        <a:spcAft>
-                          <a:spcPts val="0"/>
-                        </a:spcAft>
-                      </a:pPr>
-                      <a:r>
-                        <a:rPr lang="es-MX" sz="1600" b="0" kern="1200" dirty="0">
-                          <a:solidFill>
-                            <a:schemeClr val="lt1"/>
-                          </a:solidFill>
-                          <a:effectLst/>
-                          <a:latin typeface="+mn-lt"/>
-                          <a:ea typeface="+mn-ea"/>
-                          <a:cs typeface="+mn-cs"/>
-                        </a:rPr>
-                        <a:t>Igual a </a:t>
-                      </a:r>
-                      <a:r>
-                        <a:rPr lang="es-MX" sz="1600" b="1" kern="1200" dirty="0" err="1">
-                          <a:solidFill>
-                            <a:schemeClr val="lt1"/>
-                          </a:solidFill>
-                          <a:effectLst/>
-                          <a:latin typeface="+mn-lt"/>
-                          <a:ea typeface="+mn-ea"/>
-                          <a:cs typeface="+mn-cs"/>
-                        </a:rPr>
-                        <a:t>strip</a:t>
-                      </a:r>
-                      <a:r>
-                        <a:rPr lang="es-MX" sz="1600" b="0" kern="1200" dirty="0">
-                          <a:solidFill>
-                            <a:schemeClr val="lt1"/>
-                          </a:solidFill>
-                          <a:effectLst/>
-                          <a:latin typeface="+mn-lt"/>
-                          <a:ea typeface="+mn-ea"/>
-                          <a:cs typeface="+mn-cs"/>
-                        </a:rPr>
-                        <a:t> pero solo elimina los espacios a la derecha.</a:t>
-                      </a:r>
-                    </a:p>
-                  </a:txBody>
-                  <a:tcPr marL="68580" marR="68580" marT="0" marB="0" anchor="ctr">
-                    <a:solidFill>
-                      <a:schemeClr val="accent4">
-                        <a:lumMod val="50000"/>
-                      </a:schemeClr>
-                    </a:solidFill>
-                  </a:tcPr>
-                </a:tc>
-                <a:tc>
-                  <a:txBody>
-                    <a:bodyPr/>
-                    <a:lstStyle/>
-                    <a:p>
-                      <a:pPr algn="ctr">
-                        <a:lnSpc>
-                          <a:spcPct val="107000"/>
-                        </a:lnSpc>
-                        <a:spcAft>
-                          <a:spcPts val="0"/>
-                        </a:spcAft>
-                      </a:pPr>
-                      <a:r>
-                        <a:rPr lang="es-MX" sz="1800" b="1" kern="1200" dirty="0" err="1">
-                          <a:solidFill>
-                            <a:schemeClr val="dk1"/>
-                          </a:solidFill>
-                          <a:effectLst/>
-                          <a:latin typeface="+mn-lt"/>
-                          <a:ea typeface="+mn-ea"/>
-                          <a:cs typeface="+mn-cs"/>
-                        </a:rPr>
-                        <a:t>rstrip</a:t>
-                      </a:r>
-                      <a:endParaRPr lang="es-MX" sz="1800" b="1" kern="1200" dirty="0">
-                        <a:solidFill>
-                          <a:schemeClr val="dk1"/>
-                        </a:solidFill>
-                        <a:effectLst/>
-                        <a:latin typeface="+mn-lt"/>
-                        <a:ea typeface="+mn-ea"/>
-                        <a:cs typeface="+mn-cs"/>
-                      </a:endParaRPr>
-                    </a:p>
-                  </a:txBody>
-                  <a:tcPr marL="68580" marR="68580" marT="0" marB="0" anchor="ctr">
-                    <a:solidFill>
-                      <a:schemeClr val="accent3">
-                        <a:lumMod val="20000"/>
-                        <a:lumOff val="80000"/>
-                      </a:schemeClr>
-                    </a:solidFill>
-                  </a:tcPr>
-                </a:tc>
-                <a:tc>
-                  <a:txBody>
-                    <a:bodyPr/>
-                    <a:lstStyle/>
-                    <a:p>
-                      <a:pPr>
-                        <a:lnSpc>
-                          <a:spcPct val="107000"/>
-                        </a:lnSpc>
-                        <a:spcAft>
-                          <a:spcPts val="0"/>
-                        </a:spcAft>
-                      </a:pPr>
-                      <a:endParaRPr lang="es-MX" sz="1800" b="1" kern="1200" dirty="0">
-                        <a:solidFill>
-                          <a:schemeClr val="dk1"/>
-                        </a:solidFill>
-                        <a:effectLst/>
-                        <a:latin typeface="+mn-lt"/>
-                        <a:ea typeface="+mn-ea"/>
-                        <a:cs typeface="+mn-cs"/>
-                      </a:endParaRPr>
-                    </a:p>
-                  </a:txBody>
-                  <a:tcPr marL="68580" marR="68580" marT="0" marB="0" anchor="ctr" anchorCtr="1">
-                    <a:solidFill>
-                      <a:schemeClr val="accent3">
-                        <a:lumMod val="20000"/>
-                        <a:lumOff val="80000"/>
-                      </a:schemeClr>
-                    </a:solidFill>
-                  </a:tcPr>
-                </a:tc>
-                <a:extLst>
-                  <a:ext uri="{0D108BD9-81ED-4DB2-BD59-A6C34878D82A}">
-                    <a16:rowId xmlns:a16="http://schemas.microsoft.com/office/drawing/2014/main" val="454055704"/>
-                  </a:ext>
-                </a:extLst>
-              </a:tr>
-            </a:tbl>
-          </a:graphicData>
-        </a:graphic>
-      </p:graphicFrame>
-    </p:spTree>
-    <p:extLst>
-      <p:ext uri="{BB962C8B-B14F-4D97-AF65-F5344CB8AC3E}">
-        <p14:creationId xmlns:p14="http://schemas.microsoft.com/office/powerpoint/2010/main" val="1030813155"/>
-      </p:ext>
-    </p:extLst>
-  </p:cSld>
-  <p:clrMapOvr>
-    <a:masterClrMapping/>
-  </p:clrMapOvr>
-</p:sld>
-</file>
-
-<file path=ppt/slides/slide11.xml><?xml version="1.0" encoding="utf-8"?>
-<p:sld xmlns:a="http://schemas.openxmlformats.org/drawingml/2006/main" xmlns:r="http://schemas.openxmlformats.org/officeDocument/2006/relationships" xmlns:p="http://schemas.openxmlformats.org/presentationml/2006/main">
-  <p:cSld>
-    <p:spTree>
-      <p:nvGrpSpPr>
-        <p:cNvPr id="1" name=""/>
-        <p:cNvGrpSpPr/>
-        <p:nvPr/>
-      </p:nvGrpSpPr>
-      <p:grpSpPr>
-        <a:xfrm>
-          <a:off x="0" y="0"/>
-          <a:ext cx="0" cy="0"/>
-          <a:chOff x="0" y="0"/>
-          <a:chExt cx="0" cy="0"/>
-        </a:xfrm>
-      </p:grpSpPr>
-      <p:sp>
-        <p:nvSpPr>
-          <p:cNvPr id="470018" name="Rectangle 2"/>
-          <p:cNvSpPr>
-            <a:spLocks noGrp="1" noChangeArrowheads="1"/>
-          </p:cNvSpPr>
-          <p:nvPr>
-            <p:ph type="title"/>
-          </p:nvPr>
-        </p:nvSpPr>
-        <p:spPr>
-          <a:xfrm>
             <a:off x="1070992" y="-90264"/>
             <a:ext cx="7317432" cy="1143000"/>
           </a:xfrm>
@@ -5903,7 +5006,7 @@
 </p:sld>
 </file>
 
-<file path=ppt/slides/slide12.xml><?xml version="1.0" encoding="utf-8"?>
+<file path=ppt/slides/slide11.xml><?xml version="1.0" encoding="utf-8"?>
 <p:sld xmlns:a="http://schemas.openxmlformats.org/drawingml/2006/main" xmlns:r="http://schemas.openxmlformats.org/officeDocument/2006/relationships" xmlns:p="http://schemas.openxmlformats.org/presentationml/2006/main">
   <p:cSld>
     <p:spTree>
@@ -6970,7 +6073,7 @@
 </p:sld>
 </file>
 
-<file path=ppt/slides/slide13.xml><?xml version="1.0" encoding="utf-8"?>
+<file path=ppt/slides/slide12.xml><?xml version="1.0" encoding="utf-8"?>
 <p:sld xmlns:a="http://schemas.openxmlformats.org/drawingml/2006/main" xmlns:r="http://schemas.openxmlformats.org/officeDocument/2006/relationships" xmlns:p="http://schemas.openxmlformats.org/presentationml/2006/main">
   <p:cSld>
     <p:spTree>
@@ -8040,7 +7143,7 @@
 </p:sld>
 </file>
 
-<file path=ppt/slides/slide14.xml><?xml version="1.0" encoding="utf-8"?>
+<file path=ppt/slides/slide13.xml><?xml version="1.0" encoding="utf-8"?>
 <p:sld xmlns:a="http://schemas.openxmlformats.org/drawingml/2006/main" xmlns:r="http://schemas.openxmlformats.org/officeDocument/2006/relationships" xmlns:p="http://schemas.openxmlformats.org/presentationml/2006/main">
   <p:cSld>
     <p:spTree>
@@ -9067,7 +8170,7 @@
 </p:sld>
 </file>
 
-<file path=ppt/slides/slide15.xml><?xml version="1.0" encoding="utf-8"?>
+<file path=ppt/slides/slide14.xml><?xml version="1.0" encoding="utf-8"?>
 <p:sld xmlns:a="http://schemas.openxmlformats.org/drawingml/2006/main" xmlns:r="http://schemas.openxmlformats.org/officeDocument/2006/relationships" xmlns:p="http://schemas.openxmlformats.org/presentationml/2006/main">
   <p:cSld>
     <p:spTree>
@@ -9937,7 +9040,7 @@
 </p:sld>
 </file>
 
-<file path=ppt/slides/slide16.xml><?xml version="1.0" encoding="utf-8"?>
+<file path=ppt/slides/slide15.xml><?xml version="1.0" encoding="utf-8"?>
 <p:sld xmlns:a="http://schemas.openxmlformats.org/drawingml/2006/main" xmlns:r="http://schemas.openxmlformats.org/officeDocument/2006/relationships" xmlns:p="http://schemas.openxmlformats.org/presentationml/2006/main">
   <p:cSld>
     <p:spTree>
@@ -11062,7 +10165,7 @@
 </p:sld>
 </file>
 
-<file path=ppt/slides/slide17.xml><?xml version="1.0" encoding="utf-8"?>
+<file path=ppt/slides/slide16.xml><?xml version="1.0" encoding="utf-8"?>
 <p:sld xmlns:a="http://schemas.openxmlformats.org/drawingml/2006/main" xmlns:r="http://schemas.openxmlformats.org/officeDocument/2006/relationships" xmlns:p="http://schemas.openxmlformats.org/presentationml/2006/main">
   <p:cSld>
     <p:spTree>
@@ -14289,7 +13392,7 @@
                 <a:latin typeface="Arial" pitchFamily="34" charset="0"/>
                 <a:cs typeface="Arial" pitchFamily="34" charset="0"/>
               </a:rPr>
-              <a:t>cuantos_caracteres</a:t>
+              <a:t>imprime_caracteres</a:t>
             </a:r>
             <a:r>
               <a:rPr lang="es-ES_tradnl" sz="2200" b="1" dirty="0">
@@ -14313,7 +13416,7 @@
                 <a:latin typeface="Arial" pitchFamily="34" charset="0"/>
                 <a:cs typeface="Arial" pitchFamily="34" charset="0"/>
               </a:rPr>
-              <a:t> que recibe una cadena de caracteres y regresa el número de caracteres almacenados en la cadena.</a:t>
+              <a:t> que recibe una cadena de caracteres e imprime los caracteres almacenados en la cadena.</a:t>
             </a:r>
             <a:endParaRPr lang="es-ES_tradnl" sz="2000" dirty="0">
               <a:solidFill>
@@ -14635,8 +13738,41 @@
                 </a:effectLst>
                 <a:latin typeface="Arial" pitchFamily="34" charset="0"/>
               </a:rPr>
-              <a:t>Función: cuantosCaracteres</a:t>
-            </a:r>
+              <a:t>Función: </a:t>
+            </a:r>
+            <a:r>
+              <a:rPr lang="es-ES_tradnl" sz="3200" b="1" dirty="0" err="1">
+                <a:solidFill>
+                  <a:schemeClr val="accent4">
+                    <a:lumMod val="50000"/>
+                  </a:schemeClr>
+                </a:solidFill>
+                <a:effectLst>
+                  <a:outerShdw blurRad="38100" dist="38100" dir="2700000" algn="tl">
+                    <a:srgbClr val="000000">
+                      <a:alpha val="43137"/>
+                    </a:srgbClr>
+                  </a:outerShdw>
+                </a:effectLst>
+                <a:latin typeface="Arial" pitchFamily="34" charset="0"/>
+              </a:rPr>
+              <a:t>imprime_caracteres</a:t>
+            </a:r>
+            <a:endParaRPr lang="es-ES_tradnl" sz="3200" b="1" dirty="0">
+              <a:solidFill>
+                <a:schemeClr val="accent4">
+                  <a:lumMod val="50000"/>
+                </a:schemeClr>
+              </a:solidFill>
+              <a:effectLst>
+                <a:outerShdw blurRad="38100" dist="38100" dir="2700000" algn="tl">
+                  <a:srgbClr val="000000">
+                    <a:alpha val="43137"/>
+                  </a:srgbClr>
+                </a:outerShdw>
+              </a:effectLst>
+              <a:latin typeface="Arial" pitchFamily="34" charset="0"/>
+            </a:endParaRPr>
           </a:p>
         </p:txBody>
       </p:sp>
@@ -14731,7 +13867,7 @@
         <p:spPr bwMode="auto">
           <a:xfrm>
             <a:off x="1187624" y="1484784"/>
-            <a:ext cx="7056784" cy="4671215"/>
+            <a:ext cx="7056784" cy="3901774"/>
           </a:xfrm>
           <a:prstGeom prst="rect">
             <a:avLst/>
@@ -14899,7 +14035,7 @@
                 </a:solidFill>
                 <a:latin typeface="Arial" pitchFamily="34" charset="0"/>
               </a:rPr>
-              <a:t>cuantos_caracteres</a:t>
+              <a:t>imprime_caracteres</a:t>
             </a:r>
             <a:r>
               <a:rPr lang="es-ES_tradnl" sz="2000" b="1" dirty="0">
@@ -15009,48 +14145,26 @@
               <a:rPr lang="es-ES_tradnl" sz="2000" dirty="0" err="1">
                 <a:latin typeface="Arial" pitchFamily="34" charset="0"/>
               </a:rPr>
-              <a:t>cont</a:t>
+              <a:t>print</a:t>
             </a:r>
             <a:r>
               <a:rPr lang="es-ES_tradnl" sz="2000" dirty="0">
                 <a:latin typeface="Arial" pitchFamily="34" charset="0"/>
               </a:rPr>
-              <a:t> = cont+1</a:t>
-            </a:r>
-          </a:p>
-          <a:p>
-            <a:pPr>
-              <a:lnSpc>
-                <a:spcPts val="3000"/>
-              </a:lnSpc>
-            </a:pPr>
+              <a:t>("%c" % cadena[i], </a:t>
+            </a:r>
+            <a:r>
+              <a:rPr lang="es-ES_tradnl" sz="2000" dirty="0" err="1">
+                <a:latin typeface="Arial" pitchFamily="34" charset="0"/>
+              </a:rPr>
+              <a:t>end</a:t>
+            </a:r>
             <a:r>
               <a:rPr lang="es-ES_tradnl" sz="2000" dirty="0">
                 <a:latin typeface="Arial" pitchFamily="34" charset="0"/>
               </a:rPr>
-              <a:t>    </a:t>
-            </a:r>
-            <a:r>
-              <a:rPr lang="es-ES_tradnl" sz="2000" dirty="0" err="1">
-                <a:latin typeface="Arial" pitchFamily="34" charset="0"/>
-              </a:rPr>
-              <a:t>return</a:t>
-            </a:r>
-            <a:r>
-              <a:rPr lang="es-ES_tradnl" sz="2000" dirty="0">
-                <a:latin typeface="Arial" pitchFamily="34" charset="0"/>
-              </a:rPr>
-              <a:t> </a:t>
-            </a:r>
-            <a:r>
-              <a:rPr lang="es-ES_tradnl" sz="2000" dirty="0" err="1">
-                <a:latin typeface="Arial" pitchFamily="34" charset="0"/>
-              </a:rPr>
-              <a:t>cont</a:t>
-            </a:r>
-            <a:endParaRPr lang="es-ES_tradnl" sz="2000" dirty="0">
-              <a:latin typeface="Arial" pitchFamily="34" charset="0"/>
-            </a:endParaRPr>
+              <a:t>="")</a:t>
+            </a:r>
           </a:p>
           <a:p>
             <a:pPr>
@@ -15141,12 +14255,6 @@
               </a:lnSpc>
             </a:pPr>
             <a:r>
-              <a:rPr lang="es-ES_tradnl" sz="2000" dirty="0">
-                <a:latin typeface="Arial" pitchFamily="34" charset="0"/>
-              </a:rPr>
-              <a:t>res = </a:t>
-            </a:r>
-            <a:r>
               <a:rPr lang="es-ES_tradnl" sz="2000" b="1" dirty="0" err="1">
                 <a:solidFill>
                   <a:schemeClr val="accent6">
@@ -15155,7 +14263,7 @@
                 </a:solidFill>
                 <a:latin typeface="Arial" pitchFamily="34" charset="0"/>
               </a:rPr>
-              <a:t>cuantos_caracteres</a:t>
+              <a:t>imprime_caracteres</a:t>
             </a:r>
             <a:r>
               <a:rPr lang="es-ES_tradnl" sz="2000" b="1" dirty="0">
@@ -15167,25 +14275,6 @@
                 <a:latin typeface="Arial" pitchFamily="34" charset="0"/>
               </a:rPr>
               <a:t>(frase)</a:t>
-            </a:r>
-          </a:p>
-          <a:p>
-            <a:pPr lvl="1">
-              <a:lnSpc>
-                <a:spcPts val="3000"/>
-              </a:lnSpc>
-            </a:pPr>
-            <a:r>
-              <a:rPr lang="es-ES_tradnl" sz="2000" dirty="0" err="1">
-                <a:latin typeface="Arial" pitchFamily="34" charset="0"/>
-              </a:rPr>
-              <a:t>print</a:t>
-            </a:r>
-            <a:r>
-              <a:rPr lang="es-ES_tradnl" sz="2000" dirty="0">
-                <a:latin typeface="Arial" pitchFamily="34" charset="0"/>
-              </a:rPr>
-              <a:t>("La frase tiene", res, "caracteres")</a:t>
             </a:r>
           </a:p>
           <a:p>
@@ -16058,987 +15147,6 @@
       </p:grpSpPr>
       <p:sp>
         <p:nvSpPr>
-          <p:cNvPr id="486402" name="Rectangle 2"/>
-          <p:cNvSpPr>
-            <a:spLocks noGrp="1" noChangeArrowheads="1"/>
-          </p:cNvSpPr>
-          <p:nvPr>
-            <p:ph type="title"/>
-          </p:nvPr>
-        </p:nvSpPr>
-        <p:spPr>
-          <a:xfrm>
-            <a:off x="739096" y="37745"/>
-            <a:ext cx="7740650" cy="792163"/>
-          </a:xfrm>
-        </p:spPr>
-        <p:txBody>
-          <a:bodyPr>
-            <a:noAutofit/>
-          </a:bodyPr>
-          <a:lstStyle/>
-          <a:p>
-            <a:pPr eaLnBrk="1" hangingPunct="1">
-              <a:lnSpc>
-                <a:spcPct val="115000"/>
-              </a:lnSpc>
-              <a:defRPr/>
-            </a:pPr>
-            <a:r>
-              <a:rPr lang="es-ES_tradnl" sz="3200" b="1" dirty="0">
-                <a:solidFill>
-                  <a:schemeClr val="accent4">
-                    <a:lumMod val="50000"/>
-                  </a:schemeClr>
-                </a:solidFill>
-                <a:effectLst>
-                  <a:outerShdw blurRad="38100" dist="38100" dir="2700000" algn="tl">
-                    <a:srgbClr val="000000">
-                      <a:alpha val="43137"/>
-                    </a:srgbClr>
-                  </a:outerShdw>
-                </a:effectLst>
-                <a:latin typeface="Arial" pitchFamily="34" charset="0"/>
-              </a:rPr>
-              <a:t>Función: </a:t>
-            </a:r>
-            <a:r>
-              <a:rPr lang="es-ES_tradnl" sz="3200" b="1" dirty="0" err="1">
-                <a:solidFill>
-                  <a:schemeClr val="accent4">
-                    <a:lumMod val="50000"/>
-                  </a:schemeClr>
-                </a:solidFill>
-                <a:effectLst>
-                  <a:outerShdw blurRad="38100" dist="38100" dir="2700000" algn="tl">
-                    <a:srgbClr val="000000">
-                      <a:alpha val="43137"/>
-                    </a:srgbClr>
-                  </a:outerShdw>
-                </a:effectLst>
-                <a:latin typeface="Arial" pitchFamily="34" charset="0"/>
-              </a:rPr>
-              <a:t>cuantasRepeticiones</a:t>
-            </a:r>
-            <a:endParaRPr lang="es-ES_tradnl" sz="3200" b="1" dirty="0">
-              <a:solidFill>
-                <a:schemeClr val="accent4">
-                  <a:lumMod val="50000"/>
-                </a:schemeClr>
-              </a:solidFill>
-              <a:effectLst>
-                <a:outerShdw blurRad="38100" dist="38100" dir="2700000" algn="tl">
-                  <a:srgbClr val="000000">
-                    <a:alpha val="43137"/>
-                  </a:srgbClr>
-                </a:outerShdw>
-              </a:effectLst>
-              <a:latin typeface="Arial" pitchFamily="34" charset="0"/>
-            </a:endParaRPr>
-          </a:p>
-        </p:txBody>
-      </p:sp>
-      <p:sp>
-        <p:nvSpPr>
-          <p:cNvPr id="8" name="Rectangle 2"/>
-          <p:cNvSpPr>
-            <a:spLocks noChangeArrowheads="1"/>
-          </p:cNvSpPr>
-          <p:nvPr/>
-        </p:nvSpPr>
-        <p:spPr bwMode="auto">
-          <a:xfrm>
-            <a:off x="6839744" y="3345184"/>
-            <a:ext cx="2304256" cy="1006301"/>
-          </a:xfrm>
-          <a:prstGeom prst="rect">
-            <a:avLst/>
-          </a:prstGeom>
-          <a:noFill/>
-          <a:ln>
-            <a:noFill/>
-          </a:ln>
-          <a:effectLst/>
-          <a:extLst>
-            <a:ext uri="{909E8E84-426E-40DD-AFC4-6F175D3DCCD1}">
-              <a14:hiddenFill xmlns:a14="http://schemas.microsoft.com/office/drawing/2010/main">
-                <a:solidFill>
-                  <a:schemeClr val="accent1"/>
-                </a:solidFill>
-              </a14:hiddenFill>
-            </a:ext>
-            <a:ext uri="{91240B29-F687-4F45-9708-019B960494DF}">
-              <a14:hiddenLine xmlns:a14="http://schemas.microsoft.com/office/drawing/2010/main" w="9525">
-                <a:solidFill>
-                  <a:schemeClr val="tx1"/>
-                </a:solidFill>
-                <a:miter lim="800000"/>
-                <a:headEnd/>
-                <a:tailEnd/>
-              </a14:hiddenLine>
-            </a:ext>
-            <a:ext uri="{AF507438-7753-43E0-B8FC-AC1667EBCBE1}">
-              <a14:hiddenEffects xmlns:a14="http://schemas.microsoft.com/office/drawing/2010/main">
-                <a:effectLst>
-                  <a:outerShdw dist="35921" dir="2700000" algn="ctr" rotWithShape="0">
-                    <a:schemeClr val="bg2"/>
-                  </a:outerShdw>
-                </a:effectLst>
-              </a14:hiddenEffects>
-            </a:ext>
-          </a:extLst>
-        </p:spPr>
-        <p:txBody>
-          <a:bodyPr lIns="92075" tIns="46038" rIns="92075" bIns="46038" anchor="ctr"/>
-          <a:lstStyle/>
-          <a:p>
-            <a:pPr algn="ctr" eaLnBrk="0" hangingPunct="0">
-              <a:defRPr/>
-            </a:pPr>
-            <a:r>
-              <a:rPr lang="es-ES_tradnl" sz="3600" b="1" dirty="0">
-                <a:solidFill>
-                  <a:srgbClr val="0070C0"/>
-                </a:solidFill>
-                <a:effectLst>
-                  <a:outerShdw blurRad="38100" dist="38100" dir="2700000" algn="tl">
-                    <a:srgbClr val="C0C0C0"/>
-                  </a:outerShdw>
-                </a:effectLst>
-                <a:latin typeface="Dom Casual" charset="0"/>
-              </a:rPr>
-              <a:t>Solución</a:t>
-            </a:r>
-          </a:p>
-        </p:txBody>
-      </p:sp>
-      <p:sp>
-        <p:nvSpPr>
-          <p:cNvPr id="9" name="Text Box 5">
-            <a:extLst>
-              <a:ext uri="{FF2B5EF4-FFF2-40B4-BE49-F238E27FC236}">
-                <a16:creationId xmlns:a16="http://schemas.microsoft.com/office/drawing/2014/main" id="{79819363-3D2A-4E66-9784-3BBD8D9B4F48}"/>
-              </a:ext>
-            </a:extLst>
-          </p:cNvPr>
-          <p:cNvSpPr txBox="1">
-            <a:spLocks noChangeArrowheads="1"/>
-          </p:cNvSpPr>
-          <p:nvPr/>
-        </p:nvSpPr>
-        <p:spPr bwMode="auto">
-          <a:xfrm>
-            <a:off x="1259632" y="1052736"/>
-            <a:ext cx="7366636" cy="5440657"/>
-          </a:xfrm>
-          <a:prstGeom prst="rect">
-            <a:avLst/>
-          </a:prstGeom>
-          <a:noFill/>
-          <a:ln>
-            <a:noFill/>
-          </a:ln>
-          <a:effectLst/>
-          <a:extLst>
-            <a:ext uri="{909E8E84-426E-40DD-AFC4-6F175D3DCCD1}">
-              <a14:hiddenFill xmlns:a14="http://schemas.microsoft.com/office/drawing/2010/main">
-                <a:solidFill>
-                  <a:schemeClr val="accent1"/>
-                </a:solidFill>
-              </a14:hiddenFill>
-            </a:ext>
-            <a:ext uri="{91240B29-F687-4F45-9708-019B960494DF}">
-              <a14:hiddenLine xmlns:a14="http://schemas.microsoft.com/office/drawing/2010/main" w="12700">
-                <a:solidFill>
-                  <a:schemeClr val="tx1"/>
-                </a:solidFill>
-                <a:miter lim="800000"/>
-                <a:headEnd type="none" w="sm" len="sm"/>
-                <a:tailEnd type="none" w="sm" len="sm"/>
-              </a14:hiddenLine>
-            </a:ext>
-            <a:ext uri="{AF507438-7753-43E0-B8FC-AC1667EBCBE1}">
-              <a14:hiddenEffects xmlns:a14="http://schemas.microsoft.com/office/drawing/2010/main">
-                <a:effectLst>
-                  <a:outerShdw dist="35921" dir="2700000" algn="ctr" rotWithShape="0">
-                    <a:schemeClr val="bg2"/>
-                  </a:outerShdw>
-                </a:effectLst>
-              </a14:hiddenEffects>
-            </a:ext>
-          </a:extLst>
-        </p:spPr>
-        <p:txBody>
-          <a:bodyPr wrap="square">
-            <a:spAutoFit/>
-          </a:bodyPr>
-          <a:lstStyle>
-            <a:lvl1pPr defTabSz="762000" eaLnBrk="0" hangingPunct="0">
-              <a:defRPr sz="2400">
-                <a:solidFill>
-                  <a:schemeClr val="tx1"/>
-                </a:solidFill>
-                <a:latin typeface="Times New Roman" pitchFamily="18" charset="0"/>
-              </a:defRPr>
-            </a:lvl1pPr>
-            <a:lvl2pPr marL="742950" indent="-285750" defTabSz="762000" eaLnBrk="0" hangingPunct="0">
-              <a:defRPr sz="2400">
-                <a:solidFill>
-                  <a:schemeClr val="tx1"/>
-                </a:solidFill>
-                <a:latin typeface="Times New Roman" pitchFamily="18" charset="0"/>
-              </a:defRPr>
-            </a:lvl2pPr>
-            <a:lvl3pPr marL="1143000" indent="-228600" defTabSz="762000" eaLnBrk="0" hangingPunct="0">
-              <a:defRPr sz="2400">
-                <a:solidFill>
-                  <a:schemeClr val="tx1"/>
-                </a:solidFill>
-                <a:latin typeface="Times New Roman" pitchFamily="18" charset="0"/>
-              </a:defRPr>
-            </a:lvl3pPr>
-            <a:lvl4pPr marL="1600200" indent="-228600" defTabSz="762000" eaLnBrk="0" hangingPunct="0">
-              <a:defRPr sz="2400">
-                <a:solidFill>
-                  <a:schemeClr val="tx1"/>
-                </a:solidFill>
-                <a:latin typeface="Times New Roman" pitchFamily="18" charset="0"/>
-              </a:defRPr>
-            </a:lvl4pPr>
-            <a:lvl5pPr marL="2057400" indent="-228600" defTabSz="762000" eaLnBrk="0" hangingPunct="0">
-              <a:defRPr sz="2400">
-                <a:solidFill>
-                  <a:schemeClr val="tx1"/>
-                </a:solidFill>
-                <a:latin typeface="Times New Roman" pitchFamily="18" charset="0"/>
-              </a:defRPr>
-            </a:lvl5pPr>
-            <a:lvl6pPr marL="2514600" indent="-228600" defTabSz="762000" eaLnBrk="0" fontAlgn="base" hangingPunct="0">
-              <a:spcBef>
-                <a:spcPct val="0"/>
-              </a:spcBef>
-              <a:spcAft>
-                <a:spcPct val="0"/>
-              </a:spcAft>
-              <a:defRPr sz="2400">
-                <a:solidFill>
-                  <a:schemeClr val="tx1"/>
-                </a:solidFill>
-                <a:latin typeface="Times New Roman" pitchFamily="18" charset="0"/>
-              </a:defRPr>
-            </a:lvl6pPr>
-            <a:lvl7pPr marL="2971800" indent="-228600" defTabSz="762000" eaLnBrk="0" fontAlgn="base" hangingPunct="0">
-              <a:spcBef>
-                <a:spcPct val="0"/>
-              </a:spcBef>
-              <a:spcAft>
-                <a:spcPct val="0"/>
-              </a:spcAft>
-              <a:defRPr sz="2400">
-                <a:solidFill>
-                  <a:schemeClr val="tx1"/>
-                </a:solidFill>
-                <a:latin typeface="Times New Roman" pitchFamily="18" charset="0"/>
-              </a:defRPr>
-            </a:lvl7pPr>
-            <a:lvl8pPr marL="3429000" indent="-228600" defTabSz="762000" eaLnBrk="0" fontAlgn="base" hangingPunct="0">
-              <a:spcBef>
-                <a:spcPct val="0"/>
-              </a:spcBef>
-              <a:spcAft>
-                <a:spcPct val="0"/>
-              </a:spcAft>
-              <a:defRPr sz="2400">
-                <a:solidFill>
-                  <a:schemeClr val="tx1"/>
-                </a:solidFill>
-                <a:latin typeface="Times New Roman" pitchFamily="18" charset="0"/>
-              </a:defRPr>
-            </a:lvl8pPr>
-            <a:lvl9pPr marL="3886200" indent="-228600" defTabSz="762000" eaLnBrk="0" fontAlgn="base" hangingPunct="0">
-              <a:spcBef>
-                <a:spcPct val="0"/>
-              </a:spcBef>
-              <a:spcAft>
-                <a:spcPct val="0"/>
-              </a:spcAft>
-              <a:defRPr sz="2400">
-                <a:solidFill>
-                  <a:schemeClr val="tx1"/>
-                </a:solidFill>
-                <a:latin typeface="Times New Roman" pitchFamily="18" charset="0"/>
-              </a:defRPr>
-            </a:lvl9pPr>
-          </a:lstStyle>
-          <a:p>
-            <a:pPr>
-              <a:lnSpc>
-                <a:spcPts val="3000"/>
-              </a:lnSpc>
-            </a:pPr>
-            <a:r>
-              <a:rPr lang="es-ES_tradnl" sz="2000" dirty="0" err="1">
-                <a:latin typeface="Arial" pitchFamily="34" charset="0"/>
-              </a:rPr>
-              <a:t>def</a:t>
-            </a:r>
-            <a:r>
-              <a:rPr lang="es-ES_tradnl" sz="2000" dirty="0">
-                <a:latin typeface="Arial" pitchFamily="34" charset="0"/>
-              </a:rPr>
-              <a:t> </a:t>
-            </a:r>
-            <a:r>
-              <a:rPr lang="es-ES_tradnl" sz="2000" b="1" dirty="0" err="1">
-                <a:solidFill>
-                  <a:schemeClr val="accent6">
-                    <a:lumMod val="75000"/>
-                  </a:schemeClr>
-                </a:solidFill>
-                <a:latin typeface="Arial" pitchFamily="34" charset="0"/>
-              </a:rPr>
-              <a:t>cuantas_repeticiones</a:t>
-            </a:r>
-            <a:r>
-              <a:rPr lang="es-ES_tradnl" sz="2000" b="1" dirty="0">
-                <a:solidFill>
-                  <a:schemeClr val="accent6">
-                    <a:lumMod val="75000"/>
-                  </a:schemeClr>
-                </a:solidFill>
-                <a:latin typeface="Arial" pitchFamily="34" charset="0"/>
-              </a:rPr>
-              <a:t>(cadena, letra)</a:t>
-            </a:r>
-            <a:r>
-              <a:rPr lang="es-ES_tradnl" sz="2000" dirty="0">
-                <a:latin typeface="Arial" pitchFamily="34" charset="0"/>
-              </a:rPr>
-              <a:t>:</a:t>
-            </a:r>
-          </a:p>
-          <a:p>
-            <a:pPr>
-              <a:lnSpc>
-                <a:spcPts val="3000"/>
-              </a:lnSpc>
-            </a:pPr>
-            <a:r>
-              <a:rPr lang="es-ES_tradnl" sz="2000" dirty="0">
-                <a:latin typeface="Arial" pitchFamily="34" charset="0"/>
-              </a:rPr>
-              <a:t>    </a:t>
-            </a:r>
-            <a:r>
-              <a:rPr lang="es-ES_tradnl" sz="2000" dirty="0" err="1">
-                <a:latin typeface="Arial" pitchFamily="34" charset="0"/>
-              </a:rPr>
-              <a:t>cont</a:t>
-            </a:r>
-            <a:r>
-              <a:rPr lang="es-ES_tradnl" sz="2000" dirty="0">
-                <a:latin typeface="Arial" pitchFamily="34" charset="0"/>
-              </a:rPr>
-              <a:t> = 0</a:t>
-            </a:r>
-          </a:p>
-          <a:p>
-            <a:pPr>
-              <a:lnSpc>
-                <a:spcPts val="3000"/>
-              </a:lnSpc>
-            </a:pPr>
-            <a:r>
-              <a:rPr lang="es-ES_tradnl" sz="2000" dirty="0">
-                <a:latin typeface="Arial" pitchFamily="34" charset="0"/>
-              </a:rPr>
-              <a:t>    </a:t>
-            </a:r>
-            <a:r>
-              <a:rPr lang="es-ES_tradnl" sz="2000" dirty="0" err="1">
-                <a:latin typeface="Arial" pitchFamily="34" charset="0"/>
-              </a:rPr>
-              <a:t>for</a:t>
-            </a:r>
-            <a:r>
-              <a:rPr lang="es-ES_tradnl" sz="2000" dirty="0">
-                <a:latin typeface="Arial" pitchFamily="34" charset="0"/>
-              </a:rPr>
-              <a:t> i in </a:t>
-            </a:r>
-            <a:r>
-              <a:rPr lang="es-ES_tradnl" sz="2000" dirty="0" err="1">
-                <a:latin typeface="Arial" pitchFamily="34" charset="0"/>
-              </a:rPr>
-              <a:t>range</a:t>
-            </a:r>
-            <a:r>
-              <a:rPr lang="es-ES_tradnl" sz="2000" dirty="0">
-                <a:latin typeface="Arial" pitchFamily="34" charset="0"/>
-              </a:rPr>
-              <a:t>(0, </a:t>
-            </a:r>
-            <a:r>
-              <a:rPr lang="es-ES_tradnl" sz="2000" dirty="0" err="1">
-                <a:latin typeface="Arial" pitchFamily="34" charset="0"/>
-              </a:rPr>
-              <a:t>len</a:t>
-            </a:r>
-            <a:r>
-              <a:rPr lang="es-ES_tradnl" sz="2000" dirty="0">
-                <a:latin typeface="Arial" pitchFamily="34" charset="0"/>
-              </a:rPr>
-              <a:t>(cadena)):</a:t>
-            </a:r>
-          </a:p>
-          <a:p>
-            <a:pPr>
-              <a:lnSpc>
-                <a:spcPts val="3000"/>
-              </a:lnSpc>
-            </a:pPr>
-            <a:r>
-              <a:rPr lang="es-ES_tradnl" sz="2000" dirty="0">
-                <a:latin typeface="Arial" pitchFamily="34" charset="0"/>
-              </a:rPr>
-              <a:t>        </a:t>
-            </a:r>
-            <a:r>
-              <a:rPr lang="es-ES_tradnl" sz="2000" dirty="0" err="1">
-                <a:latin typeface="Arial" pitchFamily="34" charset="0"/>
-              </a:rPr>
-              <a:t>if</a:t>
-            </a:r>
-            <a:r>
-              <a:rPr lang="es-ES_tradnl" sz="2000" dirty="0">
-                <a:latin typeface="Arial" pitchFamily="34" charset="0"/>
-              </a:rPr>
-              <a:t> (</a:t>
-            </a:r>
-            <a:r>
-              <a:rPr lang="es-ES_tradnl" sz="2000" dirty="0" err="1">
-                <a:latin typeface="Arial" pitchFamily="34" charset="0"/>
-              </a:rPr>
-              <a:t>letra.lower</a:t>
-            </a:r>
-            <a:r>
-              <a:rPr lang="es-ES_tradnl" sz="2000" dirty="0">
-                <a:latin typeface="Arial" pitchFamily="34" charset="0"/>
-              </a:rPr>
-              <a:t>() == cadena[i].</a:t>
-            </a:r>
-            <a:r>
-              <a:rPr lang="es-ES_tradnl" sz="2000" dirty="0" err="1">
-                <a:latin typeface="Arial" pitchFamily="34" charset="0"/>
-              </a:rPr>
-              <a:t>lower</a:t>
-            </a:r>
-            <a:r>
-              <a:rPr lang="es-ES_tradnl" sz="2000" dirty="0">
-                <a:latin typeface="Arial" pitchFamily="34" charset="0"/>
-              </a:rPr>
-              <a:t>()):       </a:t>
-            </a:r>
-          </a:p>
-          <a:p>
-            <a:pPr>
-              <a:lnSpc>
-                <a:spcPts val="3000"/>
-              </a:lnSpc>
-            </a:pPr>
-            <a:r>
-              <a:rPr lang="es-ES_tradnl" sz="2000" dirty="0">
-                <a:latin typeface="Arial" pitchFamily="34" charset="0"/>
-              </a:rPr>
-              <a:t>            </a:t>
-            </a:r>
-            <a:r>
-              <a:rPr lang="es-ES_tradnl" sz="2000" dirty="0" err="1">
-                <a:latin typeface="Arial" pitchFamily="34" charset="0"/>
-              </a:rPr>
-              <a:t>cont</a:t>
-            </a:r>
-            <a:r>
-              <a:rPr lang="es-ES_tradnl" sz="2000" dirty="0">
-                <a:latin typeface="Arial" pitchFamily="34" charset="0"/>
-              </a:rPr>
-              <a:t> = cont+1</a:t>
-            </a:r>
-          </a:p>
-          <a:p>
-            <a:pPr>
-              <a:lnSpc>
-                <a:spcPts val="3000"/>
-              </a:lnSpc>
-            </a:pPr>
-            <a:r>
-              <a:rPr lang="es-ES_tradnl" sz="2000" dirty="0">
-                <a:latin typeface="Arial" pitchFamily="34" charset="0"/>
-              </a:rPr>
-              <a:t>    </a:t>
-            </a:r>
-            <a:r>
-              <a:rPr lang="es-ES_tradnl" sz="2000" dirty="0" err="1">
-                <a:latin typeface="Arial" pitchFamily="34" charset="0"/>
-              </a:rPr>
-              <a:t>return</a:t>
-            </a:r>
-            <a:r>
-              <a:rPr lang="es-ES_tradnl" sz="2000" dirty="0">
-                <a:latin typeface="Arial" pitchFamily="34" charset="0"/>
-              </a:rPr>
-              <a:t> </a:t>
-            </a:r>
-            <a:r>
-              <a:rPr lang="es-ES_tradnl" sz="2000" dirty="0" err="1">
-                <a:latin typeface="Arial" pitchFamily="34" charset="0"/>
-              </a:rPr>
-              <a:t>cont</a:t>
-            </a:r>
-            <a:endParaRPr lang="es-ES_tradnl" sz="2000" dirty="0">
-              <a:latin typeface="Arial" pitchFamily="34" charset="0"/>
-            </a:endParaRPr>
-          </a:p>
-          <a:p>
-            <a:pPr>
-              <a:lnSpc>
-                <a:spcPts val="3000"/>
-              </a:lnSpc>
-            </a:pPr>
-            <a:endParaRPr lang="es-ES_tradnl" sz="2000" dirty="0">
-              <a:latin typeface="Arial" pitchFamily="34" charset="0"/>
-            </a:endParaRPr>
-          </a:p>
-          <a:p>
-            <a:pPr>
-              <a:lnSpc>
-                <a:spcPts val="3000"/>
-              </a:lnSpc>
-            </a:pPr>
-            <a:r>
-              <a:rPr lang="es-ES_tradnl" sz="2000" dirty="0" err="1">
-                <a:latin typeface="Arial" pitchFamily="34" charset="0"/>
-              </a:rPr>
-              <a:t>def</a:t>
-            </a:r>
-            <a:r>
-              <a:rPr lang="es-ES_tradnl" sz="2000" dirty="0">
-                <a:latin typeface="Arial" pitchFamily="34" charset="0"/>
-              </a:rPr>
-              <a:t> </a:t>
-            </a:r>
-            <a:r>
-              <a:rPr lang="es-ES_tradnl" sz="2000" b="1" dirty="0" err="1">
-                <a:solidFill>
-                  <a:schemeClr val="accent6">
-                    <a:lumMod val="75000"/>
-                  </a:schemeClr>
-                </a:solidFill>
-                <a:latin typeface="Arial" pitchFamily="34" charset="0"/>
-              </a:rPr>
-              <a:t>main</a:t>
-            </a:r>
-            <a:r>
-              <a:rPr lang="es-ES_tradnl" sz="2000" b="1" dirty="0">
-                <a:solidFill>
-                  <a:schemeClr val="accent6">
-                    <a:lumMod val="75000"/>
-                  </a:schemeClr>
-                </a:solidFill>
-                <a:latin typeface="Arial" pitchFamily="34" charset="0"/>
-              </a:rPr>
-              <a:t>()</a:t>
-            </a:r>
-            <a:r>
-              <a:rPr lang="es-ES_tradnl" sz="2000" dirty="0">
-                <a:latin typeface="Arial" pitchFamily="34" charset="0"/>
-              </a:rPr>
-              <a:t>:</a:t>
-            </a:r>
-          </a:p>
-          <a:p>
-            <a:pPr lvl="1">
-              <a:lnSpc>
-                <a:spcPts val="3000"/>
-              </a:lnSpc>
-            </a:pPr>
-            <a:r>
-              <a:rPr lang="es-ES_tradnl" sz="2000" dirty="0">
-                <a:latin typeface="Arial" pitchFamily="34" charset="0"/>
-              </a:rPr>
-              <a:t>frase = </a:t>
-            </a:r>
-            <a:r>
-              <a:rPr lang="es-ES_tradnl" sz="2000" dirty="0" err="1">
-                <a:latin typeface="Arial" pitchFamily="34" charset="0"/>
-              </a:rPr>
-              <a:t>str</a:t>
-            </a:r>
-            <a:r>
-              <a:rPr lang="es-ES_tradnl" sz="2000" dirty="0">
-                <a:latin typeface="Arial" pitchFamily="34" charset="0"/>
-              </a:rPr>
-              <a:t>(input("Introduce una frase: "))</a:t>
-            </a:r>
-          </a:p>
-          <a:p>
-            <a:pPr lvl="1">
-              <a:lnSpc>
-                <a:spcPts val="3000"/>
-              </a:lnSpc>
-            </a:pPr>
-            <a:r>
-              <a:rPr lang="es-ES_tradnl" sz="2000" dirty="0">
-                <a:latin typeface="Arial" pitchFamily="34" charset="0"/>
-              </a:rPr>
-              <a:t>letra = </a:t>
-            </a:r>
-            <a:r>
-              <a:rPr lang="es-ES_tradnl" sz="2000" dirty="0" err="1">
-                <a:latin typeface="Arial" pitchFamily="34" charset="0"/>
-              </a:rPr>
-              <a:t>str</a:t>
-            </a:r>
-            <a:r>
-              <a:rPr lang="es-ES_tradnl" sz="2000" dirty="0">
-                <a:latin typeface="Arial" pitchFamily="34" charset="0"/>
-              </a:rPr>
-              <a:t>(input("Introduce una letra: "))</a:t>
-            </a:r>
-          </a:p>
-          <a:p>
-            <a:pPr lvl="1">
-              <a:lnSpc>
-                <a:spcPts val="3000"/>
-              </a:lnSpc>
-            </a:pPr>
-            <a:r>
-              <a:rPr lang="es-ES_tradnl" sz="2000" dirty="0">
-                <a:latin typeface="Arial" pitchFamily="34" charset="0"/>
-              </a:rPr>
-              <a:t>res = </a:t>
-            </a:r>
-            <a:r>
-              <a:rPr lang="es-ES_tradnl" sz="2000" b="1" dirty="0" err="1">
-                <a:solidFill>
-                  <a:schemeClr val="accent6">
-                    <a:lumMod val="75000"/>
-                  </a:schemeClr>
-                </a:solidFill>
-                <a:latin typeface="Arial" pitchFamily="34" charset="0"/>
-              </a:rPr>
-              <a:t>cuantas_repeticiones</a:t>
-            </a:r>
-            <a:r>
-              <a:rPr lang="es-ES_tradnl" sz="2000" b="1" dirty="0">
-                <a:solidFill>
-                  <a:schemeClr val="accent6">
-                    <a:lumMod val="75000"/>
-                  </a:schemeClr>
-                </a:solidFill>
-                <a:latin typeface="Arial" pitchFamily="34" charset="0"/>
-              </a:rPr>
-              <a:t>(frase, letra)</a:t>
-            </a:r>
-          </a:p>
-          <a:p>
-            <a:pPr lvl="1">
-              <a:lnSpc>
-                <a:spcPts val="3000"/>
-              </a:lnSpc>
-            </a:pPr>
-            <a:r>
-              <a:rPr lang="es-ES_tradnl" sz="2000" dirty="0" err="1">
-                <a:latin typeface="Arial" pitchFamily="34" charset="0"/>
-              </a:rPr>
-              <a:t>print</a:t>
-            </a:r>
-            <a:r>
-              <a:rPr lang="es-ES_tradnl" sz="2000" dirty="0">
-                <a:latin typeface="Arial" pitchFamily="34" charset="0"/>
-              </a:rPr>
-              <a:t>("La frase tiene", res, "caracteres", letra)</a:t>
-            </a:r>
-          </a:p>
-          <a:p>
-            <a:pPr>
-              <a:lnSpc>
-                <a:spcPts val="3000"/>
-              </a:lnSpc>
-            </a:pPr>
-            <a:endParaRPr lang="es-ES_tradnl" sz="2000" dirty="0">
-              <a:latin typeface="Arial" pitchFamily="34" charset="0"/>
-            </a:endParaRPr>
-          </a:p>
-          <a:p>
-            <a:pPr>
-              <a:lnSpc>
-                <a:spcPts val="3000"/>
-              </a:lnSpc>
-            </a:pPr>
-            <a:r>
-              <a:rPr lang="es-ES_tradnl" sz="2000" b="1" dirty="0" err="1">
-                <a:solidFill>
-                  <a:schemeClr val="accent6">
-                    <a:lumMod val="75000"/>
-                  </a:schemeClr>
-                </a:solidFill>
-                <a:latin typeface="Arial" pitchFamily="34" charset="0"/>
-              </a:rPr>
-              <a:t>main</a:t>
-            </a:r>
-            <a:r>
-              <a:rPr lang="es-ES_tradnl" sz="2000" b="1" dirty="0">
-                <a:solidFill>
-                  <a:schemeClr val="accent6">
-                    <a:lumMod val="75000"/>
-                  </a:schemeClr>
-                </a:solidFill>
-                <a:latin typeface="Arial" pitchFamily="34" charset="0"/>
-              </a:rPr>
-              <a:t>()</a:t>
-            </a:r>
-          </a:p>
-        </p:txBody>
-      </p:sp>
-      <p:pic>
-        <p:nvPicPr>
-          <p:cNvPr id="10" name="1 Imagen">
-            <a:extLst>
-              <a:ext uri="{FF2B5EF4-FFF2-40B4-BE49-F238E27FC236}">
-                <a16:creationId xmlns:a16="http://schemas.microsoft.com/office/drawing/2014/main" id="{466747AE-757D-4226-A2C5-479D5A15C8E8}"/>
-              </a:ext>
-            </a:extLst>
-          </p:cNvPr>
-          <p:cNvPicPr>
-            <a:picLocks noChangeAspect="1"/>
-          </p:cNvPicPr>
-          <p:nvPr/>
-        </p:nvPicPr>
-        <p:blipFill>
-          <a:blip r:embed="rId3">
-            <a:extLst>
-              <a:ext uri="{28A0092B-C50C-407E-A947-70E740481C1C}">
-                <a14:useLocalDpi xmlns:a14="http://schemas.microsoft.com/office/drawing/2010/main" val="0"/>
-              </a:ext>
-            </a:extLst>
-          </a:blip>
-          <a:stretch>
-            <a:fillRect/>
-          </a:stretch>
-        </p:blipFill>
-        <p:spPr>
-          <a:xfrm>
-            <a:off x="7075940" y="1901746"/>
-            <a:ext cx="1728192" cy="1603861"/>
-          </a:xfrm>
-          <a:prstGeom prst="rect">
-            <a:avLst/>
-          </a:prstGeom>
-        </p:spPr>
-      </p:pic>
-    </p:spTree>
-    <p:extLst>
-      <p:ext uri="{BB962C8B-B14F-4D97-AF65-F5344CB8AC3E}">
-        <p14:creationId xmlns:p14="http://schemas.microsoft.com/office/powerpoint/2010/main" val="2498697087"/>
-      </p:ext>
-    </p:extLst>
-  </p:cSld>
-  <p:clrMapOvr>
-    <a:masterClrMapping/>
-  </p:clrMapOvr>
-  <p:timing>
-    <p:tnLst>
-      <p:par>
-        <p:cTn id="1" dur="indefinite" restart="never" nodeType="tmRoot">
-          <p:childTnLst>
-            <p:seq concurrent="1" nextAc="seek">
-              <p:cTn id="2" dur="indefinite" nodeType="mainSeq">
-                <p:childTnLst>
-                  <p:par>
-                    <p:cTn id="3" fill="hold">
-                      <p:stCondLst>
-                        <p:cond delay="indefinite"/>
-                      </p:stCondLst>
-                      <p:childTnLst>
-                        <p:par>
-                          <p:cTn id="4" fill="hold">
-                            <p:stCondLst>
-                              <p:cond delay="0"/>
-                            </p:stCondLst>
-                            <p:childTnLst>
-                              <p:par>
-                                <p:cTn id="5" presetID="15" presetClass="entr" presetSubtype="0" fill="hold" grpId="0" nodeType="clickEffect">
-                                  <p:stCondLst>
-                                    <p:cond delay="0"/>
-                                  </p:stCondLst>
-                                  <p:childTnLst>
-                                    <p:set>
-                                      <p:cBhvr>
-                                        <p:cTn id="6" dur="1" fill="hold">
-                                          <p:stCondLst>
-                                            <p:cond delay="0"/>
-                                          </p:stCondLst>
-                                        </p:cTn>
-                                        <p:tgtEl>
-                                          <p:spTgt spid="9"/>
-                                        </p:tgtEl>
-                                        <p:attrNameLst>
-                                          <p:attrName>style.visibility</p:attrName>
-                                        </p:attrNameLst>
-                                      </p:cBhvr>
-                                      <p:to>
-                                        <p:strVal val="visible"/>
-                                      </p:to>
-                                    </p:set>
-                                    <p:anim calcmode="lin" valueType="num">
-                                      <p:cBhvr>
-                                        <p:cTn id="7" dur="1000" fill="hold"/>
-                                        <p:tgtEl>
-                                          <p:spTgt spid="9"/>
-                                        </p:tgtEl>
-                                        <p:attrNameLst>
-                                          <p:attrName>ppt_w</p:attrName>
-                                        </p:attrNameLst>
-                                      </p:cBhvr>
-                                      <p:tavLst>
-                                        <p:tav tm="0">
-                                          <p:val>
-                                            <p:fltVal val="0"/>
-                                          </p:val>
-                                        </p:tav>
-                                        <p:tav tm="100000">
-                                          <p:val>
-                                            <p:strVal val="#ppt_w"/>
-                                          </p:val>
-                                        </p:tav>
-                                      </p:tavLst>
-                                    </p:anim>
-                                    <p:anim calcmode="lin" valueType="num">
-                                      <p:cBhvr>
-                                        <p:cTn id="8" dur="1000" fill="hold"/>
-                                        <p:tgtEl>
-                                          <p:spTgt spid="9"/>
-                                        </p:tgtEl>
-                                        <p:attrNameLst>
-                                          <p:attrName>ppt_h</p:attrName>
-                                        </p:attrNameLst>
-                                      </p:cBhvr>
-                                      <p:tavLst>
-                                        <p:tav tm="0">
-                                          <p:val>
-                                            <p:fltVal val="0"/>
-                                          </p:val>
-                                        </p:tav>
-                                        <p:tav tm="100000">
-                                          <p:val>
-                                            <p:strVal val="#ppt_h"/>
-                                          </p:val>
-                                        </p:tav>
-                                      </p:tavLst>
-                                    </p:anim>
-                                    <p:anim calcmode="lin" valueType="num">
-                                      <p:cBhvr>
-                                        <p:cTn id="9" dur="1000" fill="hold"/>
-                                        <p:tgtEl>
-                                          <p:spTgt spid="9"/>
-                                        </p:tgtEl>
-                                        <p:attrNameLst>
-                                          <p:attrName>ppt_x</p:attrName>
-                                        </p:attrNameLst>
-                                      </p:cBhvr>
-                                      <p:tavLst>
-                                        <p:tav tm="0" fmla="#ppt_x+(cos(-2*pi*(1-$))*-#ppt_x-sin(-2*pi*(1-$))*(1-#ppt_y))*(1-$)">
-                                          <p:val>
-                                            <p:fltVal val="0"/>
-                                          </p:val>
-                                        </p:tav>
-                                        <p:tav tm="100000">
-                                          <p:val>
-                                            <p:fltVal val="1"/>
-                                          </p:val>
-                                        </p:tav>
-                                      </p:tavLst>
-                                    </p:anim>
-                                    <p:anim calcmode="lin" valueType="num">
-                                      <p:cBhvr>
-                                        <p:cTn id="10" dur="1000" fill="hold"/>
-                                        <p:tgtEl>
-                                          <p:spTgt spid="9"/>
-                                        </p:tgtEl>
-                                        <p:attrNameLst>
-                                          <p:attrName>ppt_y</p:attrName>
-                                        </p:attrNameLst>
-                                      </p:cBhvr>
-                                      <p:tavLst>
-                                        <p:tav tm="0" fmla="#ppt_y+(sin(-2*pi*(1-$))*-#ppt_x+cos(-2*pi*(1-$))*(1-#ppt_y))*(1-$)">
-                                          <p:val>
-                                            <p:fltVal val="0"/>
-                                          </p:val>
-                                        </p:tav>
-                                        <p:tav tm="100000">
-                                          <p:val>
-                                            <p:fltVal val="1"/>
-                                          </p:val>
-                                        </p:tav>
-                                      </p:tavLst>
-                                    </p:anim>
-                                  </p:childTnLst>
-                                </p:cTn>
-                              </p:par>
-                            </p:childTnLst>
-                          </p:cTn>
-                        </p:par>
-                      </p:childTnLst>
-                    </p:cTn>
-                  </p:par>
-                </p:childTnLst>
-              </p:cTn>
-              <p:prevCondLst>
-                <p:cond evt="onPrev" delay="0">
-                  <p:tgtEl>
-                    <p:sldTgt/>
-                  </p:tgtEl>
-                </p:cond>
-              </p:prevCondLst>
-              <p:nextCondLst>
-                <p:cond evt="onNext" delay="0">
-                  <p:tgtEl>
-                    <p:sldTgt/>
-                  </p:tgtEl>
-                </p:cond>
-              </p:nextCondLst>
-            </p:seq>
-          </p:childTnLst>
-        </p:cTn>
-      </p:par>
-    </p:tnLst>
-    <p:bldLst>
-      <p:bldP spid="9" grpId="0" autoUpdateAnimBg="0"/>
-    </p:bldLst>
-  </p:timing>
-</p:sld>
-</file>
-
-<file path=ppt/slides/slide9.xml><?xml version="1.0" encoding="utf-8"?>
-<p:sld xmlns:a="http://schemas.openxmlformats.org/drawingml/2006/main" xmlns:r="http://schemas.openxmlformats.org/officeDocument/2006/relationships" xmlns:p="http://schemas.openxmlformats.org/presentationml/2006/main">
-  <p:cSld>
-    <p:spTree>
-      <p:nvGrpSpPr>
-        <p:cNvPr id="1" name=""/>
-        <p:cNvGrpSpPr/>
-        <p:nvPr/>
-      </p:nvGrpSpPr>
-      <p:grpSpPr>
-        <a:xfrm>
-          <a:off x="0" y="0"/>
-          <a:ext cx="0" cy="0"/>
-          <a:chOff x="0" y="0"/>
-          <a:chExt cx="0" cy="0"/>
-        </a:xfrm>
-      </p:grpSpPr>
-      <p:sp>
-        <p:nvSpPr>
           <p:cNvPr id="470018" name="Rectangle 2"/>
           <p:cNvSpPr>
             <a:spLocks noGrp="1" noChangeArrowheads="1"/>
@@ -18207,6 +16315,818 @@
     <p:extLst>
       <p:ext uri="{BB962C8B-B14F-4D97-AF65-F5344CB8AC3E}">
         <p14:creationId xmlns:p14="http://schemas.microsoft.com/office/powerpoint/2010/main" val="3554799045"/>
+      </p:ext>
+    </p:extLst>
+  </p:cSld>
+  <p:clrMapOvr>
+    <a:masterClrMapping/>
+  </p:clrMapOvr>
+</p:sld>
+</file>
+
+<file path=ppt/slides/slide9.xml><?xml version="1.0" encoding="utf-8"?>
+<p:sld xmlns:a="http://schemas.openxmlformats.org/drawingml/2006/main" xmlns:r="http://schemas.openxmlformats.org/officeDocument/2006/relationships" xmlns:p="http://schemas.openxmlformats.org/presentationml/2006/main">
+  <p:cSld>
+    <p:spTree>
+      <p:nvGrpSpPr>
+        <p:cNvPr id="1" name=""/>
+        <p:cNvGrpSpPr/>
+        <p:nvPr/>
+      </p:nvGrpSpPr>
+      <p:grpSpPr>
+        <a:xfrm>
+          <a:off x="0" y="0"/>
+          <a:ext cx="0" cy="0"/>
+          <a:chOff x="0" y="0"/>
+          <a:chExt cx="0" cy="0"/>
+        </a:xfrm>
+      </p:grpSpPr>
+      <p:sp>
+        <p:nvSpPr>
+          <p:cNvPr id="470018" name="Rectangle 2"/>
+          <p:cNvSpPr>
+            <a:spLocks noGrp="1" noChangeArrowheads="1"/>
+          </p:cNvSpPr>
+          <p:nvPr>
+            <p:ph type="title"/>
+          </p:nvPr>
+        </p:nvSpPr>
+        <p:spPr>
+          <a:xfrm>
+            <a:off x="1070992" y="-27384"/>
+            <a:ext cx="7317432" cy="1143000"/>
+          </a:xfrm>
+        </p:spPr>
+        <p:txBody>
+          <a:bodyPr/>
+          <a:lstStyle/>
+          <a:p>
+            <a:pPr algn="ctr" eaLnBrk="1" hangingPunct="1">
+              <a:defRPr/>
+            </a:pPr>
+            <a:r>
+              <a:rPr lang="es-ES_tradnl" b="1" dirty="0">
+                <a:solidFill>
+                  <a:schemeClr val="accent4">
+                    <a:lumMod val="50000"/>
+                  </a:schemeClr>
+                </a:solidFill>
+                <a:effectLst>
+                  <a:outerShdw blurRad="38100" dist="38100" dir="2700000" algn="tl">
+                    <a:srgbClr val="C0C0C0"/>
+                  </a:outerShdw>
+                </a:effectLst>
+                <a:latin typeface="Dom Casual" charset="0"/>
+              </a:rPr>
+              <a:t>Funciones y métodos</a:t>
+            </a:r>
+          </a:p>
+        </p:txBody>
+      </p:sp>
+      <p:graphicFrame>
+        <p:nvGraphicFramePr>
+          <p:cNvPr id="6" name="Tabla 5">
+            <a:extLst>
+              <a:ext uri="{FF2B5EF4-FFF2-40B4-BE49-F238E27FC236}">
+                <a16:creationId xmlns:a16="http://schemas.microsoft.com/office/drawing/2014/main" id="{BE426977-61B5-479E-97A7-3FE465BE2807}"/>
+              </a:ext>
+            </a:extLst>
+          </p:cNvPr>
+          <p:cNvGraphicFramePr>
+            <a:graphicFrameLocks noGrp="1"/>
+          </p:cNvGraphicFramePr>
+          <p:nvPr>
+            <p:extLst>
+              <p:ext uri="{D42A27DB-BD31-4B8C-83A1-F6EECF244321}">
+                <p14:modId xmlns:p14="http://schemas.microsoft.com/office/powerpoint/2010/main" val="4017609071"/>
+              </p:ext>
+            </p:extLst>
+          </p:nvPr>
+        </p:nvGraphicFramePr>
+        <p:xfrm>
+          <a:off x="869157" y="1268760"/>
+          <a:ext cx="7721101" cy="5122398"/>
+        </p:xfrm>
+        <a:graphic>
+          <a:graphicData uri="http://schemas.openxmlformats.org/drawingml/2006/table">
+            <a:tbl>
+              <a:tblPr firstRow="1" firstCol="1" bandRow="1">
+                <a:tableStyleId>{5C22544A-7EE6-4342-B048-85BDC9FD1C3A}</a:tableStyleId>
+              </a:tblPr>
+              <a:tblGrid>
+                <a:gridCol w="2530973">
+                  <a:extLst>
+                    <a:ext uri="{9D8B030D-6E8A-4147-A177-3AD203B41FA5}">
+                      <a16:colId xmlns:a16="http://schemas.microsoft.com/office/drawing/2014/main" val="1876588526"/>
+                    </a:ext>
+                  </a:extLst>
+                </a:gridCol>
+                <a:gridCol w="1562650">
+                  <a:extLst>
+                    <a:ext uri="{9D8B030D-6E8A-4147-A177-3AD203B41FA5}">
+                      <a16:colId xmlns:a16="http://schemas.microsoft.com/office/drawing/2014/main" val="4057113337"/>
+                    </a:ext>
+                  </a:extLst>
+                </a:gridCol>
+                <a:gridCol w="3627478">
+                  <a:extLst>
+                    <a:ext uri="{9D8B030D-6E8A-4147-A177-3AD203B41FA5}">
+                      <a16:colId xmlns:a16="http://schemas.microsoft.com/office/drawing/2014/main" val="829240010"/>
+                    </a:ext>
+                  </a:extLst>
+                </a:gridCol>
+              </a:tblGrid>
+              <a:tr h="275923">
+                <a:tc>
+                  <a:txBody>
+                    <a:bodyPr/>
+                    <a:lstStyle/>
+                    <a:p>
+                      <a:pPr algn="ctr">
+                        <a:lnSpc>
+                          <a:spcPct val="107000"/>
+                        </a:lnSpc>
+                        <a:spcAft>
+                          <a:spcPts val="0"/>
+                        </a:spcAft>
+                      </a:pPr>
+                      <a:r>
+                        <a:rPr lang="es-MX" sz="1600" dirty="0">
+                          <a:effectLst/>
+                          <a:latin typeface="+mn-lt"/>
+                        </a:rPr>
+                        <a:t>Explicación</a:t>
+                      </a:r>
+                      <a:endParaRPr lang="es-MX" sz="1600" dirty="0">
+                        <a:effectLst/>
+                        <a:latin typeface="+mn-lt"/>
+                        <a:ea typeface="Calibri" panose="020F0502020204030204" pitchFamily="34" charset="0"/>
+                        <a:cs typeface="Times New Roman" panose="02020603050405020304" pitchFamily="18" charset="0"/>
+                      </a:endParaRPr>
+                    </a:p>
+                  </a:txBody>
+                  <a:tcPr marL="28008" marR="28008" marT="0" marB="0">
+                    <a:solidFill>
+                      <a:schemeClr val="accent4">
+                        <a:lumMod val="50000"/>
+                      </a:schemeClr>
+                    </a:solidFill>
+                  </a:tcPr>
+                </a:tc>
+                <a:tc>
+                  <a:txBody>
+                    <a:bodyPr/>
+                    <a:lstStyle/>
+                    <a:p>
+                      <a:pPr algn="ctr">
+                        <a:lnSpc>
+                          <a:spcPct val="107000"/>
+                        </a:lnSpc>
+                        <a:spcAft>
+                          <a:spcPts val="0"/>
+                        </a:spcAft>
+                      </a:pPr>
+                      <a:r>
+                        <a:rPr lang="es-MX" sz="1600" dirty="0">
+                          <a:effectLst/>
+                          <a:latin typeface="+mn-lt"/>
+                        </a:rPr>
+                        <a:t>Método</a:t>
+                      </a:r>
+                      <a:endParaRPr lang="es-MX" sz="1600" dirty="0">
+                        <a:effectLst/>
+                        <a:latin typeface="+mn-lt"/>
+                        <a:ea typeface="Calibri" panose="020F0502020204030204" pitchFamily="34" charset="0"/>
+                        <a:cs typeface="Times New Roman" panose="02020603050405020304" pitchFamily="18" charset="0"/>
+                      </a:endParaRPr>
+                    </a:p>
+                  </a:txBody>
+                  <a:tcPr marL="28008" marR="28008" marT="0" marB="0">
+                    <a:solidFill>
+                      <a:schemeClr val="accent4">
+                        <a:lumMod val="50000"/>
+                      </a:schemeClr>
+                    </a:solidFill>
+                  </a:tcPr>
+                </a:tc>
+                <a:tc>
+                  <a:txBody>
+                    <a:bodyPr/>
+                    <a:lstStyle/>
+                    <a:p>
+                      <a:pPr algn="ctr">
+                        <a:lnSpc>
+                          <a:spcPct val="107000"/>
+                        </a:lnSpc>
+                        <a:spcAft>
+                          <a:spcPts val="0"/>
+                        </a:spcAft>
+                      </a:pPr>
+                      <a:r>
+                        <a:rPr lang="es-MX" sz="1600" dirty="0">
+                          <a:effectLst/>
+                          <a:latin typeface="+mn-lt"/>
+                        </a:rPr>
+                        <a:t>Ejemplo</a:t>
+                      </a:r>
+                      <a:endParaRPr lang="es-MX" sz="1600" dirty="0">
+                        <a:effectLst/>
+                        <a:latin typeface="+mn-lt"/>
+                        <a:ea typeface="Calibri" panose="020F0502020204030204" pitchFamily="34" charset="0"/>
+                        <a:cs typeface="Times New Roman" panose="02020603050405020304" pitchFamily="18" charset="0"/>
+                      </a:endParaRPr>
+                    </a:p>
+                  </a:txBody>
+                  <a:tcPr marL="28008" marR="28008" marT="0" marB="0">
+                    <a:solidFill>
+                      <a:schemeClr val="accent4">
+                        <a:lumMod val="50000"/>
+                      </a:schemeClr>
+                    </a:solidFill>
+                  </a:tcPr>
+                </a:tc>
+                <a:extLst>
+                  <a:ext uri="{0D108BD9-81ED-4DB2-BD59-A6C34878D82A}">
+                    <a16:rowId xmlns:a16="http://schemas.microsoft.com/office/drawing/2014/main" val="180739552"/>
+                  </a:ext>
+                </a:extLst>
+              </a:tr>
+              <a:tr h="1934624">
+                <a:tc>
+                  <a:txBody>
+                    <a:bodyPr/>
+                    <a:lstStyle/>
+                    <a:p>
+                      <a:pPr algn="ctr">
+                        <a:lnSpc>
+                          <a:spcPct val="107000"/>
+                        </a:lnSpc>
+                        <a:spcAft>
+                          <a:spcPts val="0"/>
+                        </a:spcAft>
+                      </a:pPr>
+                      <a:r>
+                        <a:rPr lang="es-MX" sz="1600" b="0" dirty="0">
+                          <a:effectLst/>
+                          <a:latin typeface="+mn-lt"/>
+                        </a:rPr>
+                        <a:t>Regresa una cadena que contiene la cadena original pero sin los espacios en blanco que están a la derecha </a:t>
+                      </a:r>
+                      <a:r>
+                        <a:rPr lang="es-MX" sz="1600" b="0">
+                          <a:effectLst/>
+                          <a:latin typeface="+mn-lt"/>
+                        </a:rPr>
+                        <a:t>y a la izquierda.</a:t>
+                      </a:r>
+                      <a:endParaRPr lang="es-MX" sz="1600" b="0" dirty="0">
+                        <a:effectLst/>
+                        <a:latin typeface="+mn-lt"/>
+                        <a:ea typeface="Calibri" panose="020F0502020204030204" pitchFamily="34" charset="0"/>
+                        <a:cs typeface="Times New Roman" panose="02020603050405020304" pitchFamily="18" charset="0"/>
+                      </a:endParaRPr>
+                    </a:p>
+                  </a:txBody>
+                  <a:tcPr marL="28008" marR="28008" marT="0" marB="0" anchor="ctr">
+                    <a:solidFill>
+                      <a:schemeClr val="accent4">
+                        <a:lumMod val="50000"/>
+                      </a:schemeClr>
+                    </a:solidFill>
+                  </a:tcPr>
+                </a:tc>
+                <a:tc>
+                  <a:txBody>
+                    <a:bodyPr/>
+                    <a:lstStyle/>
+                    <a:p>
+                      <a:pPr algn="ctr">
+                        <a:lnSpc>
+                          <a:spcPct val="107000"/>
+                        </a:lnSpc>
+                        <a:spcAft>
+                          <a:spcPts val="0"/>
+                        </a:spcAft>
+                      </a:pPr>
+                      <a:r>
+                        <a:rPr lang="es-MX" sz="1800" b="1" dirty="0" err="1">
+                          <a:effectLst/>
+                          <a:latin typeface="+mn-lt"/>
+                        </a:rPr>
+                        <a:t>cadena.strip</a:t>
+                      </a:r>
+                      <a:r>
+                        <a:rPr lang="es-MX" sz="1800" b="1" dirty="0">
+                          <a:effectLst/>
+                          <a:latin typeface="+mn-lt"/>
+                        </a:rPr>
+                        <a:t>()</a:t>
+                      </a:r>
+                      <a:endParaRPr lang="es-MX" sz="1800" b="1" dirty="0">
+                        <a:effectLst/>
+                        <a:latin typeface="+mn-lt"/>
+                        <a:ea typeface="Calibri" panose="020F0502020204030204" pitchFamily="34" charset="0"/>
+                        <a:cs typeface="Times New Roman" panose="02020603050405020304" pitchFamily="18" charset="0"/>
+                      </a:endParaRPr>
+                    </a:p>
+                  </a:txBody>
+                  <a:tcPr marL="28008" marR="28008" marT="0" marB="0" anchor="ctr">
+                    <a:solidFill>
+                      <a:schemeClr val="accent3">
+                        <a:lumMod val="20000"/>
+                        <a:lumOff val="80000"/>
+                      </a:schemeClr>
+                    </a:solidFill>
+                  </a:tcPr>
+                </a:tc>
+                <a:tc>
+                  <a:txBody>
+                    <a:bodyPr/>
+                    <a:lstStyle/>
+                    <a:p>
+                      <a:pPr algn="l">
+                        <a:lnSpc>
+                          <a:spcPct val="107000"/>
+                        </a:lnSpc>
+                        <a:spcAft>
+                          <a:spcPts val="0"/>
+                        </a:spcAft>
+                      </a:pPr>
+                      <a:r>
+                        <a:rPr lang="es-MX" sz="1800" b="1" dirty="0">
+                          <a:effectLst/>
+                          <a:latin typeface="+mn-lt"/>
+                        </a:rPr>
+                        <a:t>cadena="    Hola mundo   "</a:t>
+                      </a:r>
+                    </a:p>
+                    <a:p>
+                      <a:pPr algn="l">
+                        <a:lnSpc>
+                          <a:spcPct val="107000"/>
+                        </a:lnSpc>
+                        <a:spcAft>
+                          <a:spcPts val="0"/>
+                        </a:spcAft>
+                      </a:pPr>
+                      <a:r>
+                        <a:rPr lang="es-MX" sz="1800" b="1" dirty="0" err="1">
+                          <a:effectLst/>
+                          <a:latin typeface="+mn-lt"/>
+                        </a:rPr>
+                        <a:t>print</a:t>
+                      </a:r>
+                      <a:r>
+                        <a:rPr lang="es-MX" sz="1800" b="1" dirty="0">
+                          <a:effectLst/>
+                          <a:latin typeface="+mn-lt"/>
+                        </a:rPr>
+                        <a:t>(cadena)</a:t>
+                      </a:r>
+                    </a:p>
+                    <a:p>
+                      <a:pPr algn="l">
+                        <a:lnSpc>
+                          <a:spcPct val="107000"/>
+                        </a:lnSpc>
+                        <a:spcAft>
+                          <a:spcPts val="0"/>
+                        </a:spcAft>
+                      </a:pPr>
+                      <a:r>
+                        <a:rPr lang="es-MX" sz="1800" b="1" dirty="0" err="1">
+                          <a:effectLst/>
+                          <a:latin typeface="+mn-lt"/>
+                        </a:rPr>
+                        <a:t>print</a:t>
+                      </a:r>
+                      <a:r>
+                        <a:rPr lang="es-MX" sz="1800" b="1" dirty="0">
+                          <a:effectLst/>
+                          <a:latin typeface="+mn-lt"/>
+                        </a:rPr>
+                        <a:t>(</a:t>
+                      </a:r>
+                      <a:r>
+                        <a:rPr lang="es-MX" sz="1800" b="1" dirty="0" err="1">
+                          <a:effectLst/>
+                          <a:latin typeface="+mn-lt"/>
+                        </a:rPr>
+                        <a:t>cadena.strip</a:t>
+                      </a:r>
+                      <a:r>
+                        <a:rPr lang="es-MX" sz="1800" b="1" dirty="0">
+                          <a:effectLst/>
+                          <a:latin typeface="+mn-lt"/>
+                        </a:rPr>
+                        <a:t>())</a:t>
+                      </a:r>
+                    </a:p>
+                    <a:p>
+                      <a:pPr algn="l">
+                        <a:lnSpc>
+                          <a:spcPct val="107000"/>
+                        </a:lnSpc>
+                        <a:spcAft>
+                          <a:spcPts val="0"/>
+                        </a:spcAft>
+                      </a:pPr>
+                      <a:r>
+                        <a:rPr lang="es-MX" sz="1800" b="0" dirty="0">
+                          <a:effectLst/>
+                          <a:latin typeface="+mn-lt"/>
+                          <a:ea typeface="Calibri" panose="020F0502020204030204" pitchFamily="34" charset="0"/>
+                          <a:cs typeface="Times New Roman" panose="02020603050405020304" pitchFamily="18" charset="0"/>
+                        </a:rPr>
+                        <a:t>Imprime:</a:t>
+                      </a:r>
+                    </a:p>
+                    <a:p>
+                      <a:pPr algn="l">
+                        <a:lnSpc>
+                          <a:spcPct val="107000"/>
+                        </a:lnSpc>
+                        <a:spcAft>
+                          <a:spcPts val="0"/>
+                        </a:spcAft>
+                      </a:pPr>
+                      <a:r>
+                        <a:rPr lang="es-MX" sz="1800" b="1" dirty="0">
+                          <a:effectLst/>
+                          <a:latin typeface="+mn-lt"/>
+                        </a:rPr>
+                        <a:t>    </a:t>
+                      </a:r>
+                      <a:r>
+                        <a:rPr lang="es-MX" sz="1800" b="0" dirty="0">
+                          <a:effectLst/>
+                          <a:latin typeface="+mn-lt"/>
+                        </a:rPr>
+                        <a:t>Hola mundo</a:t>
+                      </a:r>
+                      <a:endParaRPr lang="es-MX" sz="1800" b="0" dirty="0">
+                        <a:effectLst/>
+                        <a:latin typeface="+mn-lt"/>
+                        <a:ea typeface="Calibri" panose="020F0502020204030204" pitchFamily="34" charset="0"/>
+                        <a:cs typeface="Times New Roman" panose="02020603050405020304" pitchFamily="18" charset="0"/>
+                      </a:endParaRPr>
+                    </a:p>
+                    <a:p>
+                      <a:pPr algn="l">
+                        <a:lnSpc>
+                          <a:spcPct val="107000"/>
+                        </a:lnSpc>
+                        <a:spcAft>
+                          <a:spcPts val="0"/>
+                        </a:spcAft>
+                      </a:pPr>
+                      <a:r>
+                        <a:rPr lang="es-MX" sz="1800" b="0" dirty="0">
+                          <a:effectLst/>
+                          <a:latin typeface="+mn-lt"/>
+                        </a:rPr>
+                        <a:t>Hola mundo</a:t>
+                      </a:r>
+                      <a:endParaRPr lang="es-MX" sz="1800" b="0" dirty="0">
+                        <a:effectLst/>
+                        <a:latin typeface="+mn-lt"/>
+                        <a:ea typeface="Calibri" panose="020F0502020204030204" pitchFamily="34" charset="0"/>
+                        <a:cs typeface="Times New Roman" panose="02020603050405020304" pitchFamily="18" charset="0"/>
+                      </a:endParaRPr>
+                    </a:p>
+                  </a:txBody>
+                  <a:tcPr marL="28008" marR="28008" marT="0" marB="0" anchor="ctr">
+                    <a:solidFill>
+                      <a:schemeClr val="accent3">
+                        <a:lumMod val="20000"/>
+                        <a:lumOff val="80000"/>
+                      </a:schemeClr>
+                    </a:solidFill>
+                  </a:tcPr>
+                </a:tc>
+                <a:extLst>
+                  <a:ext uri="{0D108BD9-81ED-4DB2-BD59-A6C34878D82A}">
+                    <a16:rowId xmlns:a16="http://schemas.microsoft.com/office/drawing/2014/main" val="18612594"/>
+                  </a:ext>
+                </a:extLst>
+              </a:tr>
+              <a:tr h="1293757">
+                <a:tc>
+                  <a:txBody>
+                    <a:bodyPr/>
+                    <a:lstStyle/>
+                    <a:p>
+                      <a:pPr algn="ctr">
+                        <a:lnSpc>
+                          <a:spcPct val="107000"/>
+                        </a:lnSpc>
+                        <a:spcAft>
+                          <a:spcPts val="0"/>
+                        </a:spcAft>
+                      </a:pPr>
+                      <a:r>
+                        <a:rPr lang="es-MX" sz="1600" b="0" kern="1200" dirty="0">
+                          <a:solidFill>
+                            <a:schemeClr val="lt1"/>
+                          </a:solidFill>
+                          <a:effectLst/>
+                          <a:latin typeface="+mn-lt"/>
+                          <a:ea typeface="+mn-ea"/>
+                          <a:cs typeface="+mn-cs"/>
+                        </a:rPr>
+                        <a:t>Igual a </a:t>
+                      </a:r>
+                      <a:r>
+                        <a:rPr lang="es-MX" sz="1600" b="1" kern="1200" dirty="0" err="1">
+                          <a:solidFill>
+                            <a:schemeClr val="lt1"/>
+                          </a:solidFill>
+                          <a:effectLst/>
+                          <a:latin typeface="+mn-lt"/>
+                          <a:ea typeface="+mn-ea"/>
+                          <a:cs typeface="+mn-cs"/>
+                        </a:rPr>
+                        <a:t>strip</a:t>
+                      </a:r>
+                      <a:r>
+                        <a:rPr lang="es-MX" sz="1600" b="1" kern="1200" dirty="0">
+                          <a:solidFill>
+                            <a:schemeClr val="lt1"/>
+                          </a:solidFill>
+                          <a:effectLst/>
+                          <a:latin typeface="+mn-lt"/>
+                          <a:ea typeface="+mn-ea"/>
+                          <a:cs typeface="+mn-cs"/>
+                        </a:rPr>
+                        <a:t> </a:t>
+                      </a:r>
+                      <a:r>
+                        <a:rPr lang="es-MX" sz="1600" b="0" kern="1200" dirty="0">
+                          <a:solidFill>
+                            <a:schemeClr val="lt1"/>
+                          </a:solidFill>
+                          <a:effectLst/>
+                          <a:latin typeface="+mn-lt"/>
+                          <a:ea typeface="+mn-ea"/>
+                          <a:cs typeface="+mn-cs"/>
+                        </a:rPr>
+                        <a:t>pero solo elimina los espacios a la izquierda.</a:t>
+                      </a:r>
+                    </a:p>
+                  </a:txBody>
+                  <a:tcPr marL="68580" marR="68580" marT="0" marB="0" anchor="ctr">
+                    <a:solidFill>
+                      <a:schemeClr val="accent4">
+                        <a:lumMod val="50000"/>
+                      </a:schemeClr>
+                    </a:solidFill>
+                  </a:tcPr>
+                </a:tc>
+                <a:tc>
+                  <a:txBody>
+                    <a:bodyPr/>
+                    <a:lstStyle/>
+                    <a:p>
+                      <a:pPr algn="ctr">
+                        <a:lnSpc>
+                          <a:spcPct val="107000"/>
+                        </a:lnSpc>
+                        <a:spcAft>
+                          <a:spcPts val="0"/>
+                        </a:spcAft>
+                      </a:pPr>
+                      <a:r>
+                        <a:rPr lang="es-MX" sz="1800" b="1" kern="1200" dirty="0" err="1">
+                          <a:solidFill>
+                            <a:schemeClr val="dk1"/>
+                          </a:solidFill>
+                          <a:effectLst/>
+                          <a:latin typeface="+mn-lt"/>
+                          <a:ea typeface="+mn-ea"/>
+                          <a:cs typeface="+mn-cs"/>
+                        </a:rPr>
+                        <a:t>lstrip</a:t>
+                      </a:r>
+                      <a:endParaRPr lang="es-MX" sz="1800" b="1" kern="1200" dirty="0">
+                        <a:solidFill>
+                          <a:schemeClr val="dk1"/>
+                        </a:solidFill>
+                        <a:effectLst/>
+                        <a:latin typeface="+mn-lt"/>
+                        <a:ea typeface="+mn-ea"/>
+                        <a:cs typeface="+mn-cs"/>
+                      </a:endParaRPr>
+                    </a:p>
+                  </a:txBody>
+                  <a:tcPr marL="68580" marR="68580" marT="0" marB="0" anchor="ctr">
+                    <a:solidFill>
+                      <a:schemeClr val="accent3">
+                        <a:lumMod val="20000"/>
+                        <a:lumOff val="80000"/>
+                      </a:schemeClr>
+                    </a:solidFill>
+                  </a:tcPr>
+                </a:tc>
+                <a:tc>
+                  <a:txBody>
+                    <a:bodyPr/>
+                    <a:lstStyle/>
+                    <a:p>
+                      <a:pPr marL="0" marR="0" lvl="0" indent="0" algn="l" defTabSz="914400" rtl="0" eaLnBrk="1" fontAlgn="auto" latinLnBrk="0" hangingPunct="1">
+                        <a:lnSpc>
+                          <a:spcPct val="107000"/>
+                        </a:lnSpc>
+                        <a:spcBef>
+                          <a:spcPts val="0"/>
+                        </a:spcBef>
+                        <a:spcAft>
+                          <a:spcPts val="0"/>
+                        </a:spcAft>
+                        <a:buClrTx/>
+                        <a:buSzTx/>
+                        <a:buFontTx/>
+                        <a:buNone/>
+                        <a:tabLst/>
+                        <a:defRPr/>
+                      </a:pPr>
+                      <a:endParaRPr lang="es-MX" sz="1800" b="1" kern="1200" dirty="0">
+                        <a:solidFill>
+                          <a:schemeClr val="dk1"/>
+                        </a:solidFill>
+                        <a:effectLst/>
+                        <a:latin typeface="+mn-lt"/>
+                        <a:ea typeface="+mn-ea"/>
+                        <a:cs typeface="+mn-cs"/>
+                      </a:endParaRPr>
+                    </a:p>
+                  </a:txBody>
+                  <a:tcPr marL="68580" marR="68580" marT="0" marB="0" anchor="ctr" anchorCtr="1">
+                    <a:solidFill>
+                      <a:schemeClr val="accent3">
+                        <a:lumMod val="20000"/>
+                        <a:lumOff val="80000"/>
+                      </a:schemeClr>
+                    </a:solidFill>
+                  </a:tcPr>
+                </a:tc>
+                <a:extLst>
+                  <a:ext uri="{0D108BD9-81ED-4DB2-BD59-A6C34878D82A}">
+                    <a16:rowId xmlns:a16="http://schemas.microsoft.com/office/drawing/2014/main" val="3486814094"/>
+                  </a:ext>
+                </a:extLst>
+              </a:tr>
+              <a:tr h="1618094">
+                <a:tc>
+                  <a:txBody>
+                    <a:bodyPr/>
+                    <a:lstStyle/>
+                    <a:p>
+                      <a:pPr algn="ctr">
+                        <a:lnSpc>
+                          <a:spcPct val="107000"/>
+                        </a:lnSpc>
+                        <a:spcAft>
+                          <a:spcPts val="0"/>
+                        </a:spcAft>
+                      </a:pPr>
+                      <a:r>
+                        <a:rPr lang="es-MX" sz="1600" b="0" kern="1200" dirty="0">
+                          <a:solidFill>
+                            <a:schemeClr val="lt1"/>
+                          </a:solidFill>
+                          <a:effectLst/>
+                          <a:latin typeface="+mn-lt"/>
+                          <a:ea typeface="+mn-ea"/>
+                          <a:cs typeface="+mn-cs"/>
+                        </a:rPr>
+                        <a:t>Igual a </a:t>
+                      </a:r>
+                      <a:r>
+                        <a:rPr lang="es-MX" sz="1600" b="1" kern="1200" dirty="0" err="1">
+                          <a:solidFill>
+                            <a:schemeClr val="lt1"/>
+                          </a:solidFill>
+                          <a:effectLst/>
+                          <a:latin typeface="+mn-lt"/>
+                          <a:ea typeface="+mn-ea"/>
+                          <a:cs typeface="+mn-cs"/>
+                        </a:rPr>
+                        <a:t>strip</a:t>
+                      </a:r>
+                      <a:r>
+                        <a:rPr lang="es-MX" sz="1600" b="0" kern="1200" dirty="0">
+                          <a:solidFill>
+                            <a:schemeClr val="lt1"/>
+                          </a:solidFill>
+                          <a:effectLst/>
+                          <a:latin typeface="+mn-lt"/>
+                          <a:ea typeface="+mn-ea"/>
+                          <a:cs typeface="+mn-cs"/>
+                        </a:rPr>
+                        <a:t> pero solo elimina los espacios a la derecha.</a:t>
+                      </a:r>
+                    </a:p>
+                  </a:txBody>
+                  <a:tcPr marL="68580" marR="68580" marT="0" marB="0" anchor="ctr">
+                    <a:solidFill>
+                      <a:schemeClr val="accent4">
+                        <a:lumMod val="50000"/>
+                      </a:schemeClr>
+                    </a:solidFill>
+                  </a:tcPr>
+                </a:tc>
+                <a:tc>
+                  <a:txBody>
+                    <a:bodyPr/>
+                    <a:lstStyle/>
+                    <a:p>
+                      <a:pPr algn="ctr">
+                        <a:lnSpc>
+                          <a:spcPct val="107000"/>
+                        </a:lnSpc>
+                        <a:spcAft>
+                          <a:spcPts val="0"/>
+                        </a:spcAft>
+                      </a:pPr>
+                      <a:r>
+                        <a:rPr lang="es-MX" sz="1800" b="1" kern="1200" dirty="0" err="1">
+                          <a:solidFill>
+                            <a:schemeClr val="dk1"/>
+                          </a:solidFill>
+                          <a:effectLst/>
+                          <a:latin typeface="+mn-lt"/>
+                          <a:ea typeface="+mn-ea"/>
+                          <a:cs typeface="+mn-cs"/>
+                        </a:rPr>
+                        <a:t>rstrip</a:t>
+                      </a:r>
+                      <a:endParaRPr lang="es-MX" sz="1800" b="1" kern="1200" dirty="0">
+                        <a:solidFill>
+                          <a:schemeClr val="dk1"/>
+                        </a:solidFill>
+                        <a:effectLst/>
+                        <a:latin typeface="+mn-lt"/>
+                        <a:ea typeface="+mn-ea"/>
+                        <a:cs typeface="+mn-cs"/>
+                      </a:endParaRPr>
+                    </a:p>
+                  </a:txBody>
+                  <a:tcPr marL="68580" marR="68580" marT="0" marB="0" anchor="ctr">
+                    <a:solidFill>
+                      <a:schemeClr val="accent3">
+                        <a:lumMod val="20000"/>
+                        <a:lumOff val="80000"/>
+                      </a:schemeClr>
+                    </a:solidFill>
+                  </a:tcPr>
+                </a:tc>
+                <a:tc>
+                  <a:txBody>
+                    <a:bodyPr/>
+                    <a:lstStyle/>
+                    <a:p>
+                      <a:pPr>
+                        <a:lnSpc>
+                          <a:spcPct val="107000"/>
+                        </a:lnSpc>
+                        <a:spcAft>
+                          <a:spcPts val="0"/>
+                        </a:spcAft>
+                      </a:pPr>
+                      <a:endParaRPr lang="es-MX" sz="1800" b="1" kern="1200" dirty="0">
+                        <a:solidFill>
+                          <a:schemeClr val="dk1"/>
+                        </a:solidFill>
+                        <a:effectLst/>
+                        <a:latin typeface="+mn-lt"/>
+                        <a:ea typeface="+mn-ea"/>
+                        <a:cs typeface="+mn-cs"/>
+                      </a:endParaRPr>
+                    </a:p>
+                  </a:txBody>
+                  <a:tcPr marL="68580" marR="68580" marT="0" marB="0" anchor="ctr" anchorCtr="1">
+                    <a:solidFill>
+                      <a:schemeClr val="accent3">
+                        <a:lumMod val="20000"/>
+                        <a:lumOff val="80000"/>
+                      </a:schemeClr>
+                    </a:solidFill>
+                  </a:tcPr>
+                </a:tc>
+                <a:extLst>
+                  <a:ext uri="{0D108BD9-81ED-4DB2-BD59-A6C34878D82A}">
+                    <a16:rowId xmlns:a16="http://schemas.microsoft.com/office/drawing/2014/main" val="454055704"/>
+                  </a:ext>
+                </a:extLst>
+              </a:tr>
+            </a:tbl>
+          </a:graphicData>
+        </a:graphic>
+      </p:graphicFrame>
+    </p:spTree>
+    <p:extLst>
+      <p:ext uri="{BB962C8B-B14F-4D97-AF65-F5344CB8AC3E}">
+        <p14:creationId xmlns:p14="http://schemas.microsoft.com/office/powerpoint/2010/main" val="1030813155"/>
       </p:ext>
     </p:extLst>
   </p:cSld>

--- a/CalendarioAgo20L/presentaciones/11_Strings.pptx
+++ b/CalendarioAgo20L/presentaciones/11_Strings.pptx
@@ -19,10 +19,10 @@
     <p:sldId id="284" r:id="rId10"/>
     <p:sldId id="285" r:id="rId11"/>
     <p:sldId id="286" r:id="rId12"/>
-    <p:sldId id="287" r:id="rId13"/>
-    <p:sldId id="288" r:id="rId14"/>
-    <p:sldId id="289" r:id="rId15"/>
-    <p:sldId id="290" r:id="rId16"/>
+    <p:sldId id="289" r:id="rId13"/>
+    <p:sldId id="290" r:id="rId14"/>
+    <p:sldId id="287" r:id="rId15"/>
+    <p:sldId id="288" r:id="rId16"/>
     <p:sldId id="282" r:id="rId17"/>
   </p:sldIdLst>
   <p:sldSz cx="9144000" cy="6858000" type="screen4x3"/>
@@ -223,7 +223,7 @@
           <a:p>
             <a:fld id="{55C7BC42-2F9C-4966-894F-B6FA6F3C1DB8}" type="datetimeFigureOut">
               <a:rPr lang="es-MX" smtClean="0"/>
-              <a:t>05/10/2020</a:t>
+              <a:t>06/10/2020</a:t>
             </a:fld>
             <a:endParaRPr lang="es-MX" dirty="0"/>
           </a:p>
@@ -756,7 +756,7 @@
           <a:p>
             <a:fld id="{47016A6E-E1CA-4694-BCEE-11D49EEFA04C}" type="datetimeFigureOut">
               <a:rPr lang="es-MX" smtClean="0"/>
-              <a:t>05/10/2020</a:t>
+              <a:t>06/10/2020</a:t>
             </a:fld>
             <a:endParaRPr lang="es-MX" dirty="0"/>
           </a:p>
@@ -926,7 +926,7 @@
           <a:p>
             <a:fld id="{47016A6E-E1CA-4694-BCEE-11D49EEFA04C}" type="datetimeFigureOut">
               <a:rPr lang="es-MX" smtClean="0"/>
-              <a:t>05/10/2020</a:t>
+              <a:t>06/10/2020</a:t>
             </a:fld>
             <a:endParaRPr lang="es-MX" dirty="0"/>
           </a:p>
@@ -1106,7 +1106,7 @@
           <a:p>
             <a:fld id="{47016A6E-E1CA-4694-BCEE-11D49EEFA04C}" type="datetimeFigureOut">
               <a:rPr lang="es-MX" smtClean="0"/>
-              <a:t>05/10/2020</a:t>
+              <a:t>06/10/2020</a:t>
             </a:fld>
             <a:endParaRPr lang="es-MX" dirty="0"/>
           </a:p>
@@ -1259,7 +1259,7 @@
           <a:p>
             <a:fld id="{1D8BD707-D9CF-40AE-B4C6-C98DA3205C09}" type="datetimeFigureOut">
               <a:rPr lang="en-US" smtClean="0"/>
-              <a:t>10/5/2020</a:t>
+              <a:t>10/6/2020</a:t>
             </a:fld>
             <a:endParaRPr lang="en-US"/>
           </a:p>
@@ -1419,7 +1419,7 @@
           <a:p>
             <a:fld id="{47016A6E-E1CA-4694-BCEE-11D49EEFA04C}" type="datetimeFigureOut">
               <a:rPr lang="es-MX" smtClean="0"/>
-              <a:t>05/10/2020</a:t>
+              <a:t>06/10/2020</a:t>
             </a:fld>
             <a:endParaRPr lang="es-MX" dirty="0"/>
           </a:p>
@@ -1665,7 +1665,7 @@
           <a:p>
             <a:fld id="{47016A6E-E1CA-4694-BCEE-11D49EEFA04C}" type="datetimeFigureOut">
               <a:rPr lang="es-MX" smtClean="0"/>
-              <a:t>05/10/2020</a:t>
+              <a:t>06/10/2020</a:t>
             </a:fld>
             <a:endParaRPr lang="es-MX" dirty="0"/>
           </a:p>
@@ -1953,7 +1953,7 @@
           <a:p>
             <a:fld id="{47016A6E-E1CA-4694-BCEE-11D49EEFA04C}" type="datetimeFigureOut">
               <a:rPr lang="es-MX" smtClean="0"/>
-              <a:t>05/10/2020</a:t>
+              <a:t>06/10/2020</a:t>
             </a:fld>
             <a:endParaRPr lang="es-MX" dirty="0"/>
           </a:p>
@@ -2375,7 +2375,7 @@
           <a:p>
             <a:fld id="{47016A6E-E1CA-4694-BCEE-11D49EEFA04C}" type="datetimeFigureOut">
               <a:rPr lang="es-MX" smtClean="0"/>
-              <a:t>05/10/2020</a:t>
+              <a:t>06/10/2020</a:t>
             </a:fld>
             <a:endParaRPr lang="es-MX" dirty="0"/>
           </a:p>
@@ -2493,7 +2493,7 @@
           <a:p>
             <a:fld id="{47016A6E-E1CA-4694-BCEE-11D49EEFA04C}" type="datetimeFigureOut">
               <a:rPr lang="es-MX" smtClean="0"/>
-              <a:t>05/10/2020</a:t>
+              <a:t>06/10/2020</a:t>
             </a:fld>
             <a:endParaRPr lang="es-MX" dirty="0"/>
           </a:p>
@@ -2588,7 +2588,7 @@
           <a:p>
             <a:fld id="{47016A6E-E1CA-4694-BCEE-11D49EEFA04C}" type="datetimeFigureOut">
               <a:rPr lang="es-MX" smtClean="0"/>
-              <a:t>05/10/2020</a:t>
+              <a:t>06/10/2020</a:t>
             </a:fld>
             <a:endParaRPr lang="es-MX" dirty="0"/>
           </a:p>
@@ -2865,7 +2865,7 @@
           <a:p>
             <a:fld id="{47016A6E-E1CA-4694-BCEE-11D49EEFA04C}" type="datetimeFigureOut">
               <a:rPr lang="es-MX" smtClean="0"/>
-              <a:t>05/10/2020</a:t>
+              <a:t>06/10/2020</a:t>
             </a:fld>
             <a:endParaRPr lang="es-MX" dirty="0"/>
           </a:p>
@@ -3118,7 +3118,7 @@
           <a:p>
             <a:fld id="{47016A6E-E1CA-4694-BCEE-11D49EEFA04C}" type="datetimeFigureOut">
               <a:rPr lang="es-MX" smtClean="0"/>
-              <a:t>05/10/2020</a:t>
+              <a:t>06/10/2020</a:t>
             </a:fld>
             <a:endParaRPr lang="es-MX" dirty="0"/>
           </a:p>
@@ -3331,7 +3331,7 @@
           <a:p>
             <a:fld id="{47016A6E-E1CA-4694-BCEE-11D49EEFA04C}" type="datetimeFigureOut">
               <a:rPr lang="es-MX" smtClean="0"/>
-              <a:t>05/10/2020</a:t>
+              <a:t>06/10/2020</a:t>
             </a:fld>
             <a:endParaRPr lang="es-MX" dirty="0"/>
           </a:p>
@@ -6102,6 +6102,2001 @@
         </p:nvSpPr>
         <p:spPr>
           <a:xfrm>
+            <a:off x="1070992" y="-90264"/>
+            <a:ext cx="7317432" cy="1143000"/>
+          </a:xfrm>
+        </p:spPr>
+        <p:txBody>
+          <a:bodyPr>
+            <a:normAutofit/>
+          </a:bodyPr>
+          <a:lstStyle/>
+          <a:p>
+            <a:pPr algn="ctr" eaLnBrk="1" hangingPunct="1">
+              <a:defRPr/>
+            </a:pPr>
+            <a:r>
+              <a:rPr lang="es-ES_tradnl" b="1" dirty="0">
+                <a:solidFill>
+                  <a:schemeClr val="accent4">
+                    <a:lumMod val="50000"/>
+                  </a:schemeClr>
+                </a:solidFill>
+                <a:effectLst>
+                  <a:outerShdw blurRad="38100" dist="38100" dir="2700000" algn="tl">
+                    <a:srgbClr val="C0C0C0"/>
+                  </a:outerShdw>
+                </a:effectLst>
+                <a:latin typeface="Dom Casual" charset="0"/>
+              </a:rPr>
+              <a:t>Operaciones</a:t>
+            </a:r>
+          </a:p>
+        </p:txBody>
+      </p:sp>
+      <p:graphicFrame>
+        <p:nvGraphicFramePr>
+          <p:cNvPr id="4" name="Tabla 3">
+            <a:extLst>
+              <a:ext uri="{FF2B5EF4-FFF2-40B4-BE49-F238E27FC236}">
+                <a16:creationId xmlns:a16="http://schemas.microsoft.com/office/drawing/2014/main" id="{09170EA9-3CF7-42C2-BB25-E85207509359}"/>
+              </a:ext>
+            </a:extLst>
+          </p:cNvPr>
+          <p:cNvGraphicFramePr>
+            <a:graphicFrameLocks noGrp="1"/>
+          </p:cNvGraphicFramePr>
+          <p:nvPr>
+            <p:extLst>
+              <p:ext uri="{D42A27DB-BD31-4B8C-83A1-F6EECF244321}">
+                <p14:modId xmlns:p14="http://schemas.microsoft.com/office/powerpoint/2010/main" val="451185884"/>
+              </p:ext>
+            </p:extLst>
+          </p:nvPr>
+        </p:nvGraphicFramePr>
+        <p:xfrm>
+          <a:off x="167794" y="1196752"/>
+          <a:ext cx="8808411" cy="4824536"/>
+        </p:xfrm>
+        <a:graphic>
+          <a:graphicData uri="http://schemas.openxmlformats.org/drawingml/2006/table">
+            <a:tbl>
+              <a:tblPr firstRow="1" firstCol="1" bandRow="1">
+                <a:tableStyleId>{5C22544A-7EE6-4342-B048-85BDC9FD1C3A}</a:tableStyleId>
+              </a:tblPr>
+              <a:tblGrid>
+                <a:gridCol w="2984759">
+                  <a:extLst>
+                    <a:ext uri="{9D8B030D-6E8A-4147-A177-3AD203B41FA5}">
+                      <a16:colId xmlns:a16="http://schemas.microsoft.com/office/drawing/2014/main" val="1876588526"/>
+                    </a:ext>
+                  </a:extLst>
+                </a:gridCol>
+                <a:gridCol w="987399">
+                  <a:extLst>
+                    <a:ext uri="{9D8B030D-6E8A-4147-A177-3AD203B41FA5}">
+                      <a16:colId xmlns:a16="http://schemas.microsoft.com/office/drawing/2014/main" val="1169922202"/>
+                    </a:ext>
+                  </a:extLst>
+                </a:gridCol>
+                <a:gridCol w="4836253">
+                  <a:extLst>
+                    <a:ext uri="{9D8B030D-6E8A-4147-A177-3AD203B41FA5}">
+                      <a16:colId xmlns:a16="http://schemas.microsoft.com/office/drawing/2014/main" val="829240010"/>
+                    </a:ext>
+                  </a:extLst>
+                </a:gridCol>
+              </a:tblGrid>
+              <a:tr h="517305">
+                <a:tc>
+                  <a:txBody>
+                    <a:bodyPr/>
+                    <a:lstStyle/>
+                    <a:p>
+                      <a:pPr algn="ctr">
+                        <a:lnSpc>
+                          <a:spcPct val="107000"/>
+                        </a:lnSpc>
+                        <a:spcAft>
+                          <a:spcPts val="0"/>
+                        </a:spcAft>
+                      </a:pPr>
+                      <a:r>
+                        <a:rPr lang="es-MX" sz="1600" dirty="0">
+                          <a:effectLst/>
+                          <a:latin typeface="+mn-lt"/>
+                        </a:rPr>
+                        <a:t>Explicación</a:t>
+                      </a:r>
+                      <a:endParaRPr lang="es-MX" sz="1600" dirty="0">
+                        <a:effectLst/>
+                        <a:latin typeface="+mn-lt"/>
+                        <a:ea typeface="Calibri" panose="020F0502020204030204" pitchFamily="34" charset="0"/>
+                        <a:cs typeface="Times New Roman" panose="02020603050405020304" pitchFamily="18" charset="0"/>
+                      </a:endParaRPr>
+                    </a:p>
+                  </a:txBody>
+                  <a:tcPr marL="28008" marR="28008" marT="0" marB="0" anchor="ctr">
+                    <a:solidFill>
+                      <a:schemeClr val="accent4">
+                        <a:lumMod val="50000"/>
+                      </a:schemeClr>
+                    </a:solidFill>
+                  </a:tcPr>
+                </a:tc>
+                <a:tc>
+                  <a:txBody>
+                    <a:bodyPr/>
+                    <a:lstStyle/>
+                    <a:p>
+                      <a:pPr algn="ctr">
+                        <a:lnSpc>
+                          <a:spcPct val="107000"/>
+                        </a:lnSpc>
+                        <a:spcAft>
+                          <a:spcPts val="0"/>
+                        </a:spcAft>
+                      </a:pPr>
+                      <a:r>
+                        <a:rPr lang="es-MX" sz="1600" dirty="0">
+                          <a:effectLst/>
+                          <a:latin typeface="+mn-lt"/>
+                        </a:rPr>
+                        <a:t>Sintaxis</a:t>
+                      </a:r>
+                      <a:endParaRPr lang="es-MX" sz="1600" dirty="0">
+                        <a:effectLst/>
+                        <a:latin typeface="+mn-lt"/>
+                        <a:ea typeface="Calibri" panose="020F0502020204030204" pitchFamily="34" charset="0"/>
+                        <a:cs typeface="Times New Roman" panose="02020603050405020304" pitchFamily="18" charset="0"/>
+                      </a:endParaRPr>
+                    </a:p>
+                  </a:txBody>
+                  <a:tcPr marL="28008" marR="28008" marT="0" marB="0" anchor="ctr">
+                    <a:solidFill>
+                      <a:schemeClr val="accent4">
+                        <a:lumMod val="50000"/>
+                      </a:schemeClr>
+                    </a:solidFill>
+                  </a:tcPr>
+                </a:tc>
+                <a:tc>
+                  <a:txBody>
+                    <a:bodyPr/>
+                    <a:lstStyle/>
+                    <a:p>
+                      <a:pPr algn="ctr">
+                        <a:lnSpc>
+                          <a:spcPct val="107000"/>
+                        </a:lnSpc>
+                        <a:spcAft>
+                          <a:spcPts val="0"/>
+                        </a:spcAft>
+                      </a:pPr>
+                      <a:r>
+                        <a:rPr lang="es-MX" sz="1600" dirty="0">
+                          <a:effectLst/>
+                          <a:latin typeface="+mn-lt"/>
+                        </a:rPr>
+                        <a:t>Ejemplo</a:t>
+                      </a:r>
+                      <a:endParaRPr lang="es-MX" sz="1600" dirty="0">
+                        <a:effectLst/>
+                        <a:latin typeface="+mn-lt"/>
+                        <a:ea typeface="Calibri" panose="020F0502020204030204" pitchFamily="34" charset="0"/>
+                        <a:cs typeface="Times New Roman" panose="02020603050405020304" pitchFamily="18" charset="0"/>
+                      </a:endParaRPr>
+                    </a:p>
+                  </a:txBody>
+                  <a:tcPr marL="28008" marR="28008" marT="0" marB="0" anchor="ctr">
+                    <a:solidFill>
+                      <a:schemeClr val="accent4">
+                        <a:lumMod val="50000"/>
+                      </a:schemeClr>
+                    </a:solidFill>
+                  </a:tcPr>
+                </a:tc>
+                <a:extLst>
+                  <a:ext uri="{0D108BD9-81ED-4DB2-BD59-A6C34878D82A}">
+                    <a16:rowId xmlns:a16="http://schemas.microsoft.com/office/drawing/2014/main" val="180739552"/>
+                  </a:ext>
+                </a:extLst>
+              </a:tr>
+              <a:tr h="4307231">
+                <a:tc>
+                  <a:txBody>
+                    <a:bodyPr/>
+                    <a:lstStyle/>
+                    <a:p>
+                      <a:pPr marL="285750" indent="-285750" algn="l">
+                        <a:lnSpc>
+                          <a:spcPct val="107000"/>
+                        </a:lnSpc>
+                        <a:spcAft>
+                          <a:spcPts val="0"/>
+                        </a:spcAft>
+                        <a:buFont typeface="Arial" panose="020B0604020202020204" pitchFamily="34" charset="0"/>
+                        <a:buChar char="•"/>
+                      </a:pPr>
+                      <a:r>
+                        <a:rPr lang="es-MX" sz="1600" b="0" kern="1200" dirty="0">
+                          <a:solidFill>
+                            <a:schemeClr val="bg1"/>
+                          </a:solidFill>
+                          <a:effectLst/>
+                          <a:latin typeface="+mn-lt"/>
+                          <a:ea typeface="Times New Roman" panose="02020603050405020304" pitchFamily="18" charset="0"/>
+                          <a:cs typeface="Calibri" panose="020F0502020204030204" pitchFamily="34" charset="0"/>
+                        </a:rPr>
+                        <a:t>Imprime los N primeros caracteres de la cadena. </a:t>
+                      </a:r>
+                    </a:p>
+                    <a:p>
+                      <a:pPr algn="ctr">
+                        <a:lnSpc>
+                          <a:spcPct val="107000"/>
+                        </a:lnSpc>
+                        <a:spcAft>
+                          <a:spcPts val="0"/>
+                        </a:spcAft>
+                      </a:pPr>
+                      <a:endParaRPr lang="es-MX" sz="1600" b="0" kern="1200" dirty="0">
+                        <a:solidFill>
+                          <a:schemeClr val="bg1"/>
+                        </a:solidFill>
+                        <a:effectLst/>
+                        <a:latin typeface="+mn-lt"/>
+                        <a:ea typeface="Times New Roman" panose="02020603050405020304" pitchFamily="18" charset="0"/>
+                        <a:cs typeface="Calibri" panose="020F0502020204030204" pitchFamily="34" charset="0"/>
+                      </a:endParaRPr>
+                    </a:p>
+                    <a:p>
+                      <a:pPr algn="ctr">
+                        <a:lnSpc>
+                          <a:spcPct val="107000"/>
+                        </a:lnSpc>
+                        <a:spcAft>
+                          <a:spcPts val="0"/>
+                        </a:spcAft>
+                      </a:pPr>
+                      <a:endParaRPr lang="es-MX" sz="1600" b="0" kern="1200" dirty="0">
+                        <a:solidFill>
+                          <a:schemeClr val="bg1"/>
+                        </a:solidFill>
+                        <a:effectLst/>
+                        <a:latin typeface="+mn-lt"/>
+                        <a:ea typeface="Times New Roman" panose="02020603050405020304" pitchFamily="18" charset="0"/>
+                        <a:cs typeface="Calibri" panose="020F0502020204030204" pitchFamily="34" charset="0"/>
+                      </a:endParaRPr>
+                    </a:p>
+                    <a:p>
+                      <a:pPr marL="285750" indent="-285750" algn="l">
+                        <a:lnSpc>
+                          <a:spcPct val="107000"/>
+                        </a:lnSpc>
+                        <a:spcAft>
+                          <a:spcPts val="0"/>
+                        </a:spcAft>
+                        <a:buFont typeface="Arial" panose="020B0604020202020204" pitchFamily="34" charset="0"/>
+                        <a:buChar char="•"/>
+                      </a:pPr>
+                      <a:r>
+                        <a:rPr lang="es-MX" sz="1600" b="0" kern="1200" dirty="0">
+                          <a:solidFill>
+                            <a:schemeClr val="bg1"/>
+                          </a:solidFill>
+                          <a:effectLst/>
+                          <a:latin typeface="+mn-lt"/>
+                          <a:ea typeface="Times New Roman" panose="02020603050405020304" pitchFamily="18" charset="0"/>
+                          <a:cs typeface="Calibri" panose="020F0502020204030204" pitchFamily="34" charset="0"/>
+                        </a:rPr>
+                        <a:t>Si N está antes de los : , entonces imprime desde el </a:t>
+                      </a:r>
+                      <a:r>
+                        <a:rPr lang="es-MX" sz="1600" b="0" kern="1200" dirty="0" err="1">
+                          <a:solidFill>
+                            <a:schemeClr val="bg1"/>
+                          </a:solidFill>
+                          <a:effectLst/>
+                          <a:latin typeface="+mn-lt"/>
+                          <a:ea typeface="Times New Roman" panose="02020603050405020304" pitchFamily="18" charset="0"/>
+                          <a:cs typeface="Calibri" panose="020F0502020204030204" pitchFamily="34" charset="0"/>
+                        </a:rPr>
+                        <a:t>caracter</a:t>
+                      </a:r>
+                      <a:r>
+                        <a:rPr lang="es-MX" sz="1600" b="0" kern="1200" dirty="0">
+                          <a:solidFill>
+                            <a:schemeClr val="bg1"/>
+                          </a:solidFill>
+                          <a:effectLst/>
+                          <a:latin typeface="+mn-lt"/>
+                          <a:ea typeface="Times New Roman" panose="02020603050405020304" pitchFamily="18" charset="0"/>
+                          <a:cs typeface="Calibri" panose="020F0502020204030204" pitchFamily="34" charset="0"/>
+                        </a:rPr>
+                        <a:t> N al último.</a:t>
+                      </a:r>
+                    </a:p>
+                    <a:p>
+                      <a:pPr marL="0" indent="0" algn="l">
+                        <a:lnSpc>
+                          <a:spcPct val="107000"/>
+                        </a:lnSpc>
+                        <a:spcAft>
+                          <a:spcPts val="0"/>
+                        </a:spcAft>
+                        <a:buFont typeface="Arial" panose="020B0604020202020204" pitchFamily="34" charset="0"/>
+                        <a:buNone/>
+                      </a:pPr>
+                      <a:endParaRPr lang="es-MX" sz="1600" b="0" kern="1200" dirty="0">
+                        <a:solidFill>
+                          <a:schemeClr val="bg1"/>
+                        </a:solidFill>
+                        <a:effectLst/>
+                        <a:latin typeface="+mn-lt"/>
+                        <a:ea typeface="Times New Roman" panose="02020603050405020304" pitchFamily="18" charset="0"/>
+                        <a:cs typeface="Calibri" panose="020F0502020204030204" pitchFamily="34" charset="0"/>
+                      </a:endParaRPr>
+                    </a:p>
+                    <a:p>
+                      <a:pPr marL="0" indent="0" algn="l">
+                        <a:lnSpc>
+                          <a:spcPct val="107000"/>
+                        </a:lnSpc>
+                        <a:spcAft>
+                          <a:spcPts val="0"/>
+                        </a:spcAft>
+                        <a:buFont typeface="Arial" panose="020B0604020202020204" pitchFamily="34" charset="0"/>
+                        <a:buNone/>
+                      </a:pPr>
+                      <a:endParaRPr lang="es-MX" sz="1600" b="0" kern="1200" dirty="0">
+                        <a:solidFill>
+                          <a:schemeClr val="bg1"/>
+                        </a:solidFill>
+                        <a:effectLst/>
+                        <a:latin typeface="+mn-lt"/>
+                        <a:ea typeface="Times New Roman" panose="02020603050405020304" pitchFamily="18" charset="0"/>
+                        <a:cs typeface="Calibri" panose="020F0502020204030204" pitchFamily="34" charset="0"/>
+                      </a:endParaRPr>
+                    </a:p>
+                    <a:p>
+                      <a:pPr marL="285750" indent="-285750" algn="l">
+                        <a:lnSpc>
+                          <a:spcPct val="107000"/>
+                        </a:lnSpc>
+                        <a:spcAft>
+                          <a:spcPts val="0"/>
+                        </a:spcAft>
+                        <a:buFont typeface="Arial" panose="020B0604020202020204" pitchFamily="34" charset="0"/>
+                        <a:buChar char="•"/>
+                      </a:pPr>
+                      <a:r>
+                        <a:rPr lang="es-MX" sz="1600" b="0" kern="1200" dirty="0">
+                          <a:solidFill>
+                            <a:schemeClr val="bg1"/>
+                          </a:solidFill>
+                          <a:effectLst/>
+                          <a:latin typeface="+mn-lt"/>
+                          <a:ea typeface="Times New Roman" panose="02020603050405020304" pitchFamily="18" charset="0"/>
+                          <a:cs typeface="Calibri" panose="020F0502020204030204" pitchFamily="34" charset="0"/>
+                        </a:rPr>
+                        <a:t>Si N es negativo, toma desde el último carácter el valor de N caracteres</a:t>
+                      </a:r>
+                      <a:endParaRPr lang="es-MX" sz="1600" b="0" kern="1200" dirty="0">
+                        <a:solidFill>
+                          <a:schemeClr val="bg1"/>
+                        </a:solidFill>
+                        <a:effectLst/>
+                        <a:latin typeface="+mn-lt"/>
+                        <a:ea typeface="Calibri" panose="020F0502020204030204" pitchFamily="34" charset="0"/>
+                        <a:cs typeface="Calibri" panose="020F0502020204030204" pitchFamily="34" charset="0"/>
+                      </a:endParaRPr>
+                    </a:p>
+                  </a:txBody>
+                  <a:tcPr marL="68580" marR="68580" marT="0" marB="0" anchor="ctr">
+                    <a:solidFill>
+                      <a:schemeClr val="accent4">
+                        <a:lumMod val="50000"/>
+                      </a:schemeClr>
+                    </a:solidFill>
+                  </a:tcPr>
+                </a:tc>
+                <a:tc>
+                  <a:txBody>
+                    <a:bodyPr/>
+                    <a:lstStyle/>
+                    <a:p>
+                      <a:pPr marL="0" algn="ctr" defTabSz="914400" rtl="0" eaLnBrk="1" latinLnBrk="0" hangingPunct="1">
+                        <a:lnSpc>
+                          <a:spcPct val="107000"/>
+                        </a:lnSpc>
+                        <a:spcAft>
+                          <a:spcPts val="0"/>
+                        </a:spcAft>
+                      </a:pPr>
+                      <a:r>
+                        <a:rPr lang="es-MX" sz="1600" b="1" kern="1200" dirty="0">
+                          <a:solidFill>
+                            <a:srgbClr val="000000"/>
+                          </a:solidFill>
+                          <a:effectLst/>
+                          <a:latin typeface="+mn-lt"/>
+                          <a:ea typeface="Times New Roman" panose="02020603050405020304" pitchFamily="18" charset="0"/>
+                          <a:cs typeface="Calibri" panose="020F0502020204030204" pitchFamily="34" charset="0"/>
+                        </a:rPr>
+                        <a:t>[:N]</a:t>
+                      </a:r>
+                      <a:endParaRPr lang="es-MX" sz="1600" b="1" kern="1200" dirty="0">
+                        <a:solidFill>
+                          <a:srgbClr val="000000"/>
+                        </a:solidFill>
+                        <a:effectLst/>
+                        <a:latin typeface="+mn-lt"/>
+                        <a:ea typeface="Calibri" panose="020F0502020204030204" pitchFamily="34" charset="0"/>
+                        <a:cs typeface="Calibri" panose="020F0502020204030204" pitchFamily="34" charset="0"/>
+                      </a:endParaRPr>
+                    </a:p>
+                  </a:txBody>
+                  <a:tcPr marL="68580" marR="68580" marT="0" marB="0" anchor="ctr">
+                    <a:solidFill>
+                      <a:schemeClr val="accent3">
+                        <a:lumMod val="20000"/>
+                        <a:lumOff val="80000"/>
+                      </a:schemeClr>
+                    </a:solidFill>
+                  </a:tcPr>
+                </a:tc>
+                <a:tc>
+                  <a:txBody>
+                    <a:bodyPr/>
+                    <a:lstStyle/>
+                    <a:p>
+                      <a:pPr marL="0" algn="l" defTabSz="914400" rtl="0" eaLnBrk="1" latinLnBrk="0" hangingPunct="1">
+                        <a:lnSpc>
+                          <a:spcPct val="107000"/>
+                        </a:lnSpc>
+                        <a:spcAft>
+                          <a:spcPts val="0"/>
+                        </a:spcAft>
+                      </a:pPr>
+                      <a:r>
+                        <a:rPr lang="es-MX" sz="1600" b="1" kern="1200" dirty="0">
+                          <a:solidFill>
+                            <a:srgbClr val="000000"/>
+                          </a:solidFill>
+                          <a:effectLst/>
+                          <a:latin typeface="+mn-lt"/>
+                          <a:ea typeface="Calibri" panose="020F0502020204030204" pitchFamily="34" charset="0"/>
+                          <a:cs typeface="Calibri" panose="020F0502020204030204" pitchFamily="34" charset="0"/>
+                        </a:rPr>
+                        <a:t>cadena = "Hola mundo"</a:t>
+                      </a:r>
+                    </a:p>
+                    <a:p>
+                      <a:pPr marL="0" algn="l" defTabSz="914400" rtl="0" eaLnBrk="1" latinLnBrk="0" hangingPunct="1">
+                        <a:lnSpc>
+                          <a:spcPct val="107000"/>
+                        </a:lnSpc>
+                        <a:spcAft>
+                          <a:spcPts val="0"/>
+                        </a:spcAft>
+                      </a:pPr>
+                      <a:r>
+                        <a:rPr lang="es-MX" sz="1600" b="1" kern="1200" dirty="0" err="1">
+                          <a:solidFill>
+                            <a:srgbClr val="000000"/>
+                          </a:solidFill>
+                          <a:effectLst/>
+                          <a:latin typeface="+mn-lt"/>
+                          <a:ea typeface="Calibri" panose="020F0502020204030204" pitchFamily="34" charset="0"/>
+                          <a:cs typeface="Calibri" panose="020F0502020204030204" pitchFamily="34" charset="0"/>
+                        </a:rPr>
+                        <a:t>print</a:t>
+                      </a:r>
+                      <a:r>
+                        <a:rPr lang="es-MX" sz="1600" b="1" kern="1200" dirty="0">
+                          <a:solidFill>
+                            <a:srgbClr val="000000"/>
+                          </a:solidFill>
+                          <a:effectLst/>
+                          <a:latin typeface="+mn-lt"/>
+                          <a:ea typeface="Calibri" panose="020F0502020204030204" pitchFamily="34" charset="0"/>
+                          <a:cs typeface="Calibri" panose="020F0502020204030204" pitchFamily="34" charset="0"/>
+                        </a:rPr>
+                        <a:t>(cadena[:3])</a:t>
+                      </a:r>
+                    </a:p>
+                    <a:p>
+                      <a:pPr marL="0" algn="l" defTabSz="914400" rtl="0" eaLnBrk="1" latinLnBrk="0" hangingPunct="1">
+                        <a:lnSpc>
+                          <a:spcPct val="107000"/>
+                        </a:lnSpc>
+                        <a:spcAft>
+                          <a:spcPts val="0"/>
+                        </a:spcAft>
+                      </a:pPr>
+                      <a:r>
+                        <a:rPr lang="es-MX" sz="1600" b="0" kern="1200" dirty="0">
+                          <a:solidFill>
+                            <a:srgbClr val="000000"/>
+                          </a:solidFill>
+                          <a:effectLst/>
+                          <a:latin typeface="+mn-lt"/>
+                          <a:ea typeface="Times New Roman" panose="02020603050405020304" pitchFamily="18" charset="0"/>
+                          <a:cs typeface="Calibri" panose="020F0502020204030204" pitchFamily="34" charset="0"/>
+                        </a:rPr>
+                        <a:t>Imprime 3 caracteres de la cadena.</a:t>
+                      </a:r>
+                    </a:p>
+                    <a:p>
+                      <a:pPr marL="0" algn="l" defTabSz="914400" rtl="0" eaLnBrk="1" latinLnBrk="0" hangingPunct="1">
+                        <a:lnSpc>
+                          <a:spcPct val="107000"/>
+                        </a:lnSpc>
+                        <a:spcAft>
+                          <a:spcPts val="0"/>
+                        </a:spcAft>
+                      </a:pPr>
+                      <a:r>
+                        <a:rPr lang="es-MX" sz="1600" b="0" kern="1200" dirty="0" err="1">
+                          <a:solidFill>
+                            <a:srgbClr val="000000"/>
+                          </a:solidFill>
+                          <a:effectLst/>
+                          <a:latin typeface="+mn-lt"/>
+                          <a:ea typeface="Calibri" panose="020F0502020204030204" pitchFamily="34" charset="0"/>
+                          <a:cs typeface="Calibri" panose="020F0502020204030204" pitchFamily="34" charset="0"/>
+                        </a:rPr>
+                        <a:t>Hol</a:t>
+                      </a:r>
+                      <a:endParaRPr lang="es-MX" sz="1600" b="0" kern="1200" dirty="0">
+                        <a:solidFill>
+                          <a:srgbClr val="000000"/>
+                        </a:solidFill>
+                        <a:effectLst/>
+                        <a:latin typeface="+mn-lt"/>
+                        <a:ea typeface="Calibri" panose="020F0502020204030204" pitchFamily="34" charset="0"/>
+                        <a:cs typeface="Calibri" panose="020F0502020204030204" pitchFamily="34" charset="0"/>
+                      </a:endParaRPr>
+                    </a:p>
+                    <a:p>
+                      <a:pPr marL="0" algn="l" defTabSz="914400" rtl="0" eaLnBrk="1" latinLnBrk="0" hangingPunct="1">
+                        <a:lnSpc>
+                          <a:spcPct val="107000"/>
+                        </a:lnSpc>
+                        <a:spcAft>
+                          <a:spcPts val="0"/>
+                        </a:spcAft>
+                      </a:pPr>
+                      <a:r>
+                        <a:rPr lang="es-MX" sz="1600" b="1" kern="1200" dirty="0">
+                          <a:solidFill>
+                            <a:srgbClr val="000000"/>
+                          </a:solidFill>
+                          <a:effectLst/>
+                          <a:latin typeface="+mn-lt"/>
+                          <a:ea typeface="Times New Roman" panose="02020603050405020304" pitchFamily="18" charset="0"/>
+                          <a:cs typeface="Calibri" panose="020F0502020204030204" pitchFamily="34" charset="0"/>
+                        </a:rPr>
+                        <a:t> </a:t>
+                      </a:r>
+                      <a:endParaRPr lang="es-MX" sz="1600" b="1" kern="1200" dirty="0">
+                        <a:solidFill>
+                          <a:srgbClr val="000000"/>
+                        </a:solidFill>
+                        <a:effectLst/>
+                        <a:latin typeface="+mn-lt"/>
+                        <a:ea typeface="Calibri" panose="020F0502020204030204" pitchFamily="34" charset="0"/>
+                        <a:cs typeface="Calibri" panose="020F0502020204030204" pitchFamily="34" charset="0"/>
+                      </a:endParaRPr>
+                    </a:p>
+                    <a:p>
+                      <a:pPr marL="0" algn="l" defTabSz="914400" rtl="0" eaLnBrk="1" latinLnBrk="0" hangingPunct="1">
+                        <a:lnSpc>
+                          <a:spcPct val="107000"/>
+                        </a:lnSpc>
+                        <a:spcAft>
+                          <a:spcPts val="0"/>
+                        </a:spcAft>
+                      </a:pPr>
+                      <a:r>
+                        <a:rPr lang="es-MX" sz="1600" b="1" kern="1200" dirty="0" err="1">
+                          <a:solidFill>
+                            <a:srgbClr val="000000"/>
+                          </a:solidFill>
+                          <a:effectLst/>
+                          <a:latin typeface="+mn-lt"/>
+                          <a:ea typeface="Times New Roman" panose="02020603050405020304" pitchFamily="18" charset="0"/>
+                          <a:cs typeface="Calibri" panose="020F0502020204030204" pitchFamily="34" charset="0"/>
+                        </a:rPr>
+                        <a:t>print</a:t>
+                      </a:r>
+                      <a:r>
+                        <a:rPr lang="es-MX" sz="1600" b="1" kern="1200" dirty="0">
+                          <a:solidFill>
+                            <a:srgbClr val="000000"/>
+                          </a:solidFill>
+                          <a:effectLst/>
+                          <a:latin typeface="+mn-lt"/>
+                          <a:ea typeface="Times New Roman" panose="02020603050405020304" pitchFamily="18" charset="0"/>
+                          <a:cs typeface="Calibri" panose="020F0502020204030204" pitchFamily="34" charset="0"/>
+                        </a:rPr>
+                        <a:t>(cadena[3:])</a:t>
+                      </a:r>
+                      <a:endParaRPr lang="es-MX" sz="1600" b="0" kern="1200" dirty="0">
+                        <a:solidFill>
+                          <a:srgbClr val="000000"/>
+                        </a:solidFill>
+                        <a:effectLst/>
+                        <a:latin typeface="+mn-lt"/>
+                        <a:ea typeface="Calibri" panose="020F0502020204030204" pitchFamily="34" charset="0"/>
+                        <a:cs typeface="Calibri" panose="020F0502020204030204" pitchFamily="34" charset="0"/>
+                      </a:endParaRPr>
+                    </a:p>
+                    <a:p>
+                      <a:pPr marL="0" algn="l" defTabSz="914400" rtl="0" eaLnBrk="1" latinLnBrk="0" hangingPunct="1">
+                        <a:lnSpc>
+                          <a:spcPct val="107000"/>
+                        </a:lnSpc>
+                        <a:spcAft>
+                          <a:spcPts val="0"/>
+                        </a:spcAft>
+                      </a:pPr>
+                      <a:r>
+                        <a:rPr lang="es-MX" sz="1600" b="0" kern="1200" dirty="0">
+                          <a:solidFill>
+                            <a:srgbClr val="000000"/>
+                          </a:solidFill>
+                          <a:effectLst/>
+                          <a:latin typeface="+mn-lt"/>
+                          <a:ea typeface="Times New Roman" panose="02020603050405020304" pitchFamily="18" charset="0"/>
+                          <a:cs typeface="Calibri" panose="020F0502020204030204" pitchFamily="34" charset="0"/>
+                        </a:rPr>
+                        <a:t>Imprime desde la posición 3 y hasta el último </a:t>
+                      </a:r>
+                      <a:r>
+                        <a:rPr lang="es-MX" sz="1600" b="0" kern="1200" dirty="0" err="1">
+                          <a:solidFill>
+                            <a:srgbClr val="000000"/>
+                          </a:solidFill>
+                          <a:effectLst/>
+                          <a:latin typeface="+mn-lt"/>
+                          <a:ea typeface="Times New Roman" panose="02020603050405020304" pitchFamily="18" charset="0"/>
+                          <a:cs typeface="Calibri" panose="020F0502020204030204" pitchFamily="34" charset="0"/>
+                        </a:rPr>
+                        <a:t>caracter</a:t>
+                      </a:r>
+                      <a:r>
+                        <a:rPr lang="es-MX" sz="1600" b="0" kern="1200" dirty="0">
+                          <a:solidFill>
+                            <a:srgbClr val="000000"/>
+                          </a:solidFill>
+                          <a:effectLst/>
+                          <a:latin typeface="+mn-lt"/>
+                          <a:ea typeface="Times New Roman" panose="02020603050405020304" pitchFamily="18" charset="0"/>
+                          <a:cs typeface="Calibri" panose="020F0502020204030204" pitchFamily="34" charset="0"/>
+                        </a:rPr>
+                        <a:t>.</a:t>
+                      </a:r>
+                    </a:p>
+                    <a:p>
+                      <a:pPr marL="0" algn="l" defTabSz="914400" rtl="0" eaLnBrk="1" latinLnBrk="0" hangingPunct="1">
+                        <a:lnSpc>
+                          <a:spcPct val="107000"/>
+                        </a:lnSpc>
+                        <a:spcAft>
+                          <a:spcPts val="0"/>
+                        </a:spcAft>
+                      </a:pPr>
+                      <a:r>
+                        <a:rPr lang="es-MX" sz="1600" b="0" kern="1200" dirty="0">
+                          <a:solidFill>
+                            <a:srgbClr val="000000"/>
+                          </a:solidFill>
+                          <a:effectLst/>
+                          <a:latin typeface="+mn-lt"/>
+                          <a:ea typeface="Calibri" panose="020F0502020204030204" pitchFamily="34" charset="0"/>
+                          <a:cs typeface="Calibri" panose="020F0502020204030204" pitchFamily="34" charset="0"/>
+                        </a:rPr>
+                        <a:t>a mundo</a:t>
+                      </a:r>
+                    </a:p>
+                    <a:p>
+                      <a:pPr marL="0" algn="l" defTabSz="914400" rtl="0" eaLnBrk="1" latinLnBrk="0" hangingPunct="1">
+                        <a:lnSpc>
+                          <a:spcPct val="107000"/>
+                        </a:lnSpc>
+                        <a:spcAft>
+                          <a:spcPts val="0"/>
+                        </a:spcAft>
+                      </a:pPr>
+                      <a:r>
+                        <a:rPr lang="es-MX" sz="1600" b="1" kern="1200" dirty="0">
+                          <a:solidFill>
+                            <a:srgbClr val="000000"/>
+                          </a:solidFill>
+                          <a:effectLst/>
+                          <a:latin typeface="+mn-lt"/>
+                          <a:ea typeface="Times New Roman" panose="02020603050405020304" pitchFamily="18" charset="0"/>
+                          <a:cs typeface="Calibri" panose="020F0502020204030204" pitchFamily="34" charset="0"/>
+                        </a:rPr>
+                        <a:t> </a:t>
+                      </a:r>
+                      <a:endParaRPr lang="es-MX" sz="1600" b="1" kern="1200" dirty="0">
+                        <a:solidFill>
+                          <a:srgbClr val="000000"/>
+                        </a:solidFill>
+                        <a:effectLst/>
+                        <a:latin typeface="+mn-lt"/>
+                        <a:ea typeface="Calibri" panose="020F0502020204030204" pitchFamily="34" charset="0"/>
+                        <a:cs typeface="Calibri" panose="020F0502020204030204" pitchFamily="34" charset="0"/>
+                      </a:endParaRPr>
+                    </a:p>
+                    <a:p>
+                      <a:pPr marL="0" algn="l" defTabSz="914400" rtl="0" eaLnBrk="1" latinLnBrk="0" hangingPunct="1">
+                        <a:lnSpc>
+                          <a:spcPct val="107000"/>
+                        </a:lnSpc>
+                        <a:spcAft>
+                          <a:spcPts val="0"/>
+                        </a:spcAft>
+                      </a:pPr>
+                      <a:r>
+                        <a:rPr lang="es-MX" sz="1600" b="1" kern="1200" dirty="0" err="1">
+                          <a:solidFill>
+                            <a:srgbClr val="000000"/>
+                          </a:solidFill>
+                          <a:effectLst/>
+                          <a:latin typeface="+mn-lt"/>
+                          <a:ea typeface="Times New Roman" panose="02020603050405020304" pitchFamily="18" charset="0"/>
+                          <a:cs typeface="Calibri" panose="020F0502020204030204" pitchFamily="34" charset="0"/>
+                        </a:rPr>
+                        <a:t>print</a:t>
+                      </a:r>
+                      <a:r>
+                        <a:rPr lang="es-MX" sz="1600" b="1" kern="1200" dirty="0">
+                          <a:solidFill>
+                            <a:srgbClr val="000000"/>
+                          </a:solidFill>
+                          <a:effectLst/>
+                          <a:latin typeface="+mn-lt"/>
+                          <a:ea typeface="Times New Roman" panose="02020603050405020304" pitchFamily="18" charset="0"/>
+                          <a:cs typeface="Calibri" panose="020F0502020204030204" pitchFamily="34" charset="0"/>
+                        </a:rPr>
+                        <a:t>(cadena[-2:])</a:t>
+                      </a:r>
+                    </a:p>
+                    <a:p>
+                      <a:pPr marL="0" algn="l" defTabSz="914400" rtl="0" eaLnBrk="1" latinLnBrk="0" hangingPunct="1">
+                        <a:lnSpc>
+                          <a:spcPct val="107000"/>
+                        </a:lnSpc>
+                        <a:spcAft>
+                          <a:spcPts val="0"/>
+                        </a:spcAft>
+                      </a:pPr>
+                      <a:r>
+                        <a:rPr lang="es-MX" sz="1600" b="0" kern="1200" dirty="0">
+                          <a:solidFill>
+                            <a:srgbClr val="000000"/>
+                          </a:solidFill>
+                          <a:effectLst/>
+                          <a:latin typeface="+mn-lt"/>
+                          <a:ea typeface="Times New Roman" panose="02020603050405020304" pitchFamily="18" charset="0"/>
+                          <a:cs typeface="Calibri" panose="020F0502020204030204" pitchFamily="34" charset="0"/>
+                        </a:rPr>
+                        <a:t>Imprime o toma 2 antes del último</a:t>
+                      </a:r>
+                    </a:p>
+                    <a:p>
+                      <a:pPr marL="0" algn="l" defTabSz="914400" rtl="0" eaLnBrk="1" latinLnBrk="0" hangingPunct="1">
+                        <a:lnSpc>
+                          <a:spcPct val="107000"/>
+                        </a:lnSpc>
+                        <a:spcAft>
+                          <a:spcPts val="0"/>
+                        </a:spcAft>
+                      </a:pPr>
+                      <a:r>
+                        <a:rPr lang="es-MX" sz="1600" b="0" kern="1200" dirty="0">
+                          <a:solidFill>
+                            <a:srgbClr val="000000"/>
+                          </a:solidFill>
+                          <a:effectLst/>
+                          <a:latin typeface="+mn-lt"/>
+                          <a:ea typeface="Calibri" panose="020F0502020204030204" pitchFamily="34" charset="0"/>
+                          <a:cs typeface="Calibri" panose="020F0502020204030204" pitchFamily="34" charset="0"/>
+                        </a:rPr>
+                        <a:t>Do</a:t>
+                      </a:r>
+                    </a:p>
+                  </a:txBody>
+                  <a:tcPr marL="68580" marR="68580" marT="0" marB="0" anchor="ctr">
+                    <a:solidFill>
+                      <a:schemeClr val="accent3">
+                        <a:lumMod val="20000"/>
+                        <a:lumOff val="80000"/>
+                      </a:schemeClr>
+                    </a:solidFill>
+                  </a:tcPr>
+                </a:tc>
+                <a:extLst>
+                  <a:ext uri="{0D108BD9-81ED-4DB2-BD59-A6C34878D82A}">
+                    <a16:rowId xmlns:a16="http://schemas.microsoft.com/office/drawing/2014/main" val="3136739256"/>
+                  </a:ext>
+                </a:extLst>
+              </a:tr>
+            </a:tbl>
+          </a:graphicData>
+        </a:graphic>
+      </p:graphicFrame>
+    </p:spTree>
+    <p:extLst>
+      <p:ext uri="{BB962C8B-B14F-4D97-AF65-F5344CB8AC3E}">
+        <p14:creationId xmlns:p14="http://schemas.microsoft.com/office/powerpoint/2010/main" val="1683673930"/>
+      </p:ext>
+    </p:extLst>
+  </p:cSld>
+  <p:clrMapOvr>
+    <a:masterClrMapping/>
+  </p:clrMapOvr>
+</p:sld>
+</file>
+
+<file path=ppt/slides/slide13.xml><?xml version="1.0" encoding="utf-8"?>
+<p:sld xmlns:a="http://schemas.openxmlformats.org/drawingml/2006/main" xmlns:r="http://schemas.openxmlformats.org/officeDocument/2006/relationships" xmlns:p="http://schemas.openxmlformats.org/presentationml/2006/main">
+  <p:cSld>
+    <p:spTree>
+      <p:nvGrpSpPr>
+        <p:cNvPr id="1" name=""/>
+        <p:cNvGrpSpPr/>
+        <p:nvPr/>
+      </p:nvGrpSpPr>
+      <p:grpSpPr>
+        <a:xfrm>
+          <a:off x="0" y="0"/>
+          <a:ext cx="0" cy="0"/>
+          <a:chOff x="0" y="0"/>
+          <a:chExt cx="0" cy="0"/>
+        </a:xfrm>
+      </p:grpSpPr>
+      <p:sp>
+        <p:nvSpPr>
+          <p:cNvPr id="470018" name="Rectangle 2"/>
+          <p:cNvSpPr>
+            <a:spLocks noGrp="1" noChangeArrowheads="1"/>
+          </p:cNvSpPr>
+          <p:nvPr>
+            <p:ph type="title"/>
+          </p:nvPr>
+        </p:nvSpPr>
+        <p:spPr>
+          <a:xfrm>
+            <a:off x="1070992" y="-90264"/>
+            <a:ext cx="7317432" cy="1143000"/>
+          </a:xfrm>
+        </p:spPr>
+        <p:txBody>
+          <a:bodyPr>
+            <a:normAutofit/>
+          </a:bodyPr>
+          <a:lstStyle/>
+          <a:p>
+            <a:pPr algn="ctr" eaLnBrk="1" hangingPunct="1">
+              <a:defRPr/>
+            </a:pPr>
+            <a:r>
+              <a:rPr lang="es-ES_tradnl" b="1" dirty="0">
+                <a:solidFill>
+                  <a:schemeClr val="accent4">
+                    <a:lumMod val="50000"/>
+                  </a:schemeClr>
+                </a:solidFill>
+                <a:effectLst>
+                  <a:outerShdw blurRad="38100" dist="38100" dir="2700000" algn="tl">
+                    <a:srgbClr val="C0C0C0"/>
+                  </a:outerShdw>
+                </a:effectLst>
+                <a:latin typeface="Dom Casual" charset="0"/>
+              </a:rPr>
+              <a:t>Operaciones</a:t>
+            </a:r>
+          </a:p>
+        </p:txBody>
+      </p:sp>
+      <p:graphicFrame>
+        <p:nvGraphicFramePr>
+          <p:cNvPr id="4" name="Tabla 3">
+            <a:extLst>
+              <a:ext uri="{FF2B5EF4-FFF2-40B4-BE49-F238E27FC236}">
+                <a16:creationId xmlns:a16="http://schemas.microsoft.com/office/drawing/2014/main" id="{09170EA9-3CF7-42C2-BB25-E85207509359}"/>
+              </a:ext>
+            </a:extLst>
+          </p:cNvPr>
+          <p:cNvGraphicFramePr>
+            <a:graphicFrameLocks noGrp="1"/>
+          </p:cNvGraphicFramePr>
+          <p:nvPr/>
+        </p:nvGraphicFramePr>
+        <p:xfrm>
+          <a:off x="767636" y="1052737"/>
+          <a:ext cx="7836812" cy="5228783"/>
+        </p:xfrm>
+        <a:graphic>
+          <a:graphicData uri="http://schemas.openxmlformats.org/drawingml/2006/table">
+            <a:tbl>
+              <a:tblPr firstRow="1" firstCol="1" bandRow="1">
+                <a:tableStyleId>{5C22544A-7EE6-4342-B048-85BDC9FD1C3A}</a:tableStyleId>
+              </a:tblPr>
+              <a:tblGrid>
+                <a:gridCol w="2655529">
+                  <a:extLst>
+                    <a:ext uri="{9D8B030D-6E8A-4147-A177-3AD203B41FA5}">
+                      <a16:colId xmlns:a16="http://schemas.microsoft.com/office/drawing/2014/main" val="1876588526"/>
+                    </a:ext>
+                  </a:extLst>
+                </a:gridCol>
+                <a:gridCol w="1351665">
+                  <a:extLst>
+                    <a:ext uri="{9D8B030D-6E8A-4147-A177-3AD203B41FA5}">
+                      <a16:colId xmlns:a16="http://schemas.microsoft.com/office/drawing/2014/main" val="1169922202"/>
+                    </a:ext>
+                  </a:extLst>
+                </a:gridCol>
+                <a:gridCol w="3829618">
+                  <a:extLst>
+                    <a:ext uri="{9D8B030D-6E8A-4147-A177-3AD203B41FA5}">
+                      <a16:colId xmlns:a16="http://schemas.microsoft.com/office/drawing/2014/main" val="829240010"/>
+                    </a:ext>
+                  </a:extLst>
+                </a:gridCol>
+              </a:tblGrid>
+              <a:tr h="243729">
+                <a:tc>
+                  <a:txBody>
+                    <a:bodyPr/>
+                    <a:lstStyle/>
+                    <a:p>
+                      <a:pPr algn="ctr">
+                        <a:lnSpc>
+                          <a:spcPct val="107000"/>
+                        </a:lnSpc>
+                        <a:spcAft>
+                          <a:spcPts val="0"/>
+                        </a:spcAft>
+                      </a:pPr>
+                      <a:r>
+                        <a:rPr lang="es-MX" sz="1600" dirty="0">
+                          <a:effectLst/>
+                          <a:latin typeface="+mn-lt"/>
+                        </a:rPr>
+                        <a:t>Explicación</a:t>
+                      </a:r>
+                      <a:endParaRPr lang="es-MX" sz="1600" dirty="0">
+                        <a:effectLst/>
+                        <a:latin typeface="+mn-lt"/>
+                        <a:ea typeface="Calibri" panose="020F0502020204030204" pitchFamily="34" charset="0"/>
+                        <a:cs typeface="Times New Roman" panose="02020603050405020304" pitchFamily="18" charset="0"/>
+                      </a:endParaRPr>
+                    </a:p>
+                  </a:txBody>
+                  <a:tcPr marL="28008" marR="28008" marT="0" marB="0">
+                    <a:solidFill>
+                      <a:schemeClr val="accent4">
+                        <a:lumMod val="50000"/>
+                      </a:schemeClr>
+                    </a:solidFill>
+                  </a:tcPr>
+                </a:tc>
+                <a:tc>
+                  <a:txBody>
+                    <a:bodyPr/>
+                    <a:lstStyle/>
+                    <a:p>
+                      <a:pPr algn="ctr">
+                        <a:lnSpc>
+                          <a:spcPct val="107000"/>
+                        </a:lnSpc>
+                        <a:spcAft>
+                          <a:spcPts val="0"/>
+                        </a:spcAft>
+                      </a:pPr>
+                      <a:r>
+                        <a:rPr lang="es-MX" sz="1600" dirty="0">
+                          <a:effectLst/>
+                          <a:latin typeface="+mn-lt"/>
+                        </a:rPr>
+                        <a:t>Sintaxis</a:t>
+                      </a:r>
+                      <a:endParaRPr lang="es-MX" sz="1600" dirty="0">
+                        <a:effectLst/>
+                        <a:latin typeface="+mn-lt"/>
+                        <a:ea typeface="Calibri" panose="020F0502020204030204" pitchFamily="34" charset="0"/>
+                        <a:cs typeface="Times New Roman" panose="02020603050405020304" pitchFamily="18" charset="0"/>
+                      </a:endParaRPr>
+                    </a:p>
+                  </a:txBody>
+                  <a:tcPr marL="28008" marR="28008" marT="0" marB="0">
+                    <a:solidFill>
+                      <a:schemeClr val="accent4">
+                        <a:lumMod val="50000"/>
+                      </a:schemeClr>
+                    </a:solidFill>
+                  </a:tcPr>
+                </a:tc>
+                <a:tc>
+                  <a:txBody>
+                    <a:bodyPr/>
+                    <a:lstStyle/>
+                    <a:p>
+                      <a:pPr algn="ctr">
+                        <a:lnSpc>
+                          <a:spcPct val="107000"/>
+                        </a:lnSpc>
+                        <a:spcAft>
+                          <a:spcPts val="0"/>
+                        </a:spcAft>
+                      </a:pPr>
+                      <a:r>
+                        <a:rPr lang="es-MX" sz="1600" dirty="0">
+                          <a:effectLst/>
+                          <a:latin typeface="+mn-lt"/>
+                        </a:rPr>
+                        <a:t>Ejemplo</a:t>
+                      </a:r>
+                      <a:endParaRPr lang="es-MX" sz="1600" dirty="0">
+                        <a:effectLst/>
+                        <a:latin typeface="+mn-lt"/>
+                        <a:ea typeface="Calibri" panose="020F0502020204030204" pitchFamily="34" charset="0"/>
+                        <a:cs typeface="Times New Roman" panose="02020603050405020304" pitchFamily="18" charset="0"/>
+                      </a:endParaRPr>
+                    </a:p>
+                  </a:txBody>
+                  <a:tcPr marL="28008" marR="28008" marT="0" marB="0">
+                    <a:solidFill>
+                      <a:schemeClr val="accent4">
+                        <a:lumMod val="50000"/>
+                      </a:schemeClr>
+                    </a:solidFill>
+                  </a:tcPr>
+                </a:tc>
+                <a:extLst>
+                  <a:ext uri="{0D108BD9-81ED-4DB2-BD59-A6C34878D82A}">
+                    <a16:rowId xmlns:a16="http://schemas.microsoft.com/office/drawing/2014/main" val="180739552"/>
+                  </a:ext>
+                </a:extLst>
+              </a:tr>
+              <a:tr h="1299250">
+                <a:tc>
+                  <a:txBody>
+                    <a:bodyPr/>
+                    <a:lstStyle/>
+                    <a:p>
+                      <a:pPr algn="ctr">
+                        <a:lnSpc>
+                          <a:spcPct val="107000"/>
+                        </a:lnSpc>
+                        <a:spcAft>
+                          <a:spcPts val="0"/>
+                        </a:spcAft>
+                      </a:pPr>
+                      <a:r>
+                        <a:rPr lang="es-MX" sz="1600" b="0" dirty="0">
+                          <a:solidFill>
+                            <a:schemeClr val="bg1"/>
+                          </a:solidFill>
+                          <a:effectLst/>
+                          <a:latin typeface="+mn-lt"/>
+                          <a:ea typeface="Times New Roman" panose="02020603050405020304" pitchFamily="18" charset="0"/>
+                          <a:cs typeface="Calibri" panose="020F0502020204030204" pitchFamily="34" charset="0"/>
+                        </a:rPr>
+                        <a:t>Concatenar cadenas</a:t>
+                      </a:r>
+                      <a:endParaRPr lang="es-MX" sz="1600" b="0" dirty="0">
+                        <a:solidFill>
+                          <a:schemeClr val="bg1"/>
+                        </a:solidFill>
+                        <a:effectLst/>
+                        <a:latin typeface="+mn-lt"/>
+                        <a:ea typeface="Calibri" panose="020F0502020204030204" pitchFamily="34" charset="0"/>
+                        <a:cs typeface="Times New Roman" panose="02020603050405020304" pitchFamily="18" charset="0"/>
+                      </a:endParaRPr>
+                    </a:p>
+                  </a:txBody>
+                  <a:tcPr marL="68580" marR="68580" marT="0" marB="0" anchor="ctr">
+                    <a:solidFill>
+                      <a:schemeClr val="accent4">
+                        <a:lumMod val="50000"/>
+                      </a:schemeClr>
+                    </a:solidFill>
+                  </a:tcPr>
+                </a:tc>
+                <a:tc>
+                  <a:txBody>
+                    <a:bodyPr/>
+                    <a:lstStyle/>
+                    <a:p>
+                      <a:pPr algn="ctr">
+                        <a:lnSpc>
+                          <a:spcPct val="107000"/>
+                        </a:lnSpc>
+                        <a:spcAft>
+                          <a:spcPts val="0"/>
+                        </a:spcAft>
+                      </a:pPr>
+                      <a:r>
+                        <a:rPr lang="es-MX" sz="1600" b="1" dirty="0">
+                          <a:solidFill>
+                            <a:srgbClr val="000000"/>
+                          </a:solidFill>
+                          <a:effectLst/>
+                          <a:latin typeface="+mn-lt"/>
+                          <a:ea typeface="Times New Roman" panose="02020603050405020304" pitchFamily="18" charset="0"/>
+                          <a:cs typeface="Calibri" panose="020F0502020204030204" pitchFamily="34" charset="0"/>
+                        </a:rPr>
+                        <a:t>+</a:t>
+                      </a:r>
+                      <a:endParaRPr lang="es-MX" sz="1600" b="1" dirty="0">
+                        <a:effectLst/>
+                        <a:latin typeface="+mn-lt"/>
+                        <a:ea typeface="Calibri" panose="020F0502020204030204" pitchFamily="34" charset="0"/>
+                        <a:cs typeface="Times New Roman" panose="02020603050405020304" pitchFamily="18" charset="0"/>
+                      </a:endParaRPr>
+                    </a:p>
+                  </a:txBody>
+                  <a:tcPr marL="68580" marR="68580" marT="0" marB="0" anchor="ctr">
+                    <a:solidFill>
+                      <a:schemeClr val="accent3">
+                        <a:lumMod val="20000"/>
+                        <a:lumOff val="80000"/>
+                      </a:schemeClr>
+                    </a:solidFill>
+                  </a:tcPr>
+                </a:tc>
+                <a:tc>
+                  <a:txBody>
+                    <a:bodyPr/>
+                    <a:lstStyle/>
+                    <a:p>
+                      <a:pPr algn="l">
+                        <a:lnSpc>
+                          <a:spcPct val="107000"/>
+                        </a:lnSpc>
+                        <a:spcAft>
+                          <a:spcPts val="0"/>
+                        </a:spcAft>
+                      </a:pPr>
+                      <a:r>
+                        <a:rPr lang="es-MX" sz="1600" b="1" dirty="0">
+                          <a:solidFill>
+                            <a:srgbClr val="000000"/>
+                          </a:solidFill>
+                          <a:effectLst/>
+                          <a:latin typeface="+mn-lt"/>
+                          <a:ea typeface="Times New Roman" panose="02020603050405020304" pitchFamily="18" charset="0"/>
+                          <a:cs typeface="Calibri" panose="020F0502020204030204" pitchFamily="34" charset="0"/>
+                        </a:rPr>
+                        <a:t>cadena1 = 'Hola'</a:t>
+                      </a:r>
+                    </a:p>
+                    <a:p>
+                      <a:pPr algn="l">
+                        <a:lnSpc>
+                          <a:spcPct val="107000"/>
+                        </a:lnSpc>
+                        <a:spcAft>
+                          <a:spcPts val="0"/>
+                        </a:spcAft>
+                      </a:pPr>
+                      <a:r>
+                        <a:rPr lang="es-MX" sz="1600" b="1" dirty="0">
+                          <a:solidFill>
+                            <a:srgbClr val="000000"/>
+                          </a:solidFill>
+                          <a:effectLst/>
+                          <a:latin typeface="+mn-lt"/>
+                          <a:ea typeface="Times New Roman" panose="02020603050405020304" pitchFamily="18" charset="0"/>
+                          <a:cs typeface="Calibri" panose="020F0502020204030204" pitchFamily="34" charset="0"/>
+                        </a:rPr>
+                        <a:t>cadena2 = 'Mundo'</a:t>
+                      </a:r>
+                    </a:p>
+                    <a:p>
+                      <a:pPr algn="l">
+                        <a:lnSpc>
+                          <a:spcPct val="107000"/>
+                        </a:lnSpc>
+                        <a:spcAft>
+                          <a:spcPts val="0"/>
+                        </a:spcAft>
+                      </a:pPr>
+                      <a:r>
+                        <a:rPr lang="es-MX" sz="1600" b="1" dirty="0">
+                          <a:solidFill>
+                            <a:srgbClr val="000000"/>
+                          </a:solidFill>
+                          <a:effectLst/>
+                          <a:latin typeface="+mn-lt"/>
+                          <a:ea typeface="Times New Roman" panose="02020603050405020304" pitchFamily="18" charset="0"/>
+                          <a:cs typeface="Calibri" panose="020F0502020204030204" pitchFamily="34" charset="0"/>
+                        </a:rPr>
+                        <a:t>todo = cadena1 + cadena2</a:t>
+                      </a:r>
+                    </a:p>
+                    <a:p>
+                      <a:pPr algn="l">
+                        <a:lnSpc>
+                          <a:spcPct val="107000"/>
+                        </a:lnSpc>
+                        <a:spcAft>
+                          <a:spcPts val="0"/>
+                        </a:spcAft>
+                      </a:pPr>
+                      <a:r>
+                        <a:rPr lang="es-MX" sz="1600" b="1" dirty="0" err="1">
+                          <a:solidFill>
+                            <a:srgbClr val="000000"/>
+                          </a:solidFill>
+                          <a:effectLst/>
+                          <a:latin typeface="+mn-lt"/>
+                          <a:ea typeface="Times New Roman" panose="02020603050405020304" pitchFamily="18" charset="0"/>
+                          <a:cs typeface="Calibri" panose="020F0502020204030204" pitchFamily="34" charset="0"/>
+                        </a:rPr>
+                        <a:t>print</a:t>
+                      </a:r>
+                      <a:r>
+                        <a:rPr lang="es-MX" sz="1600" b="1" dirty="0">
+                          <a:solidFill>
+                            <a:srgbClr val="000000"/>
+                          </a:solidFill>
+                          <a:effectLst/>
+                          <a:latin typeface="+mn-lt"/>
+                          <a:ea typeface="Times New Roman" panose="02020603050405020304" pitchFamily="18" charset="0"/>
+                          <a:cs typeface="Calibri" panose="020F0502020204030204" pitchFamily="34" charset="0"/>
+                        </a:rPr>
+                        <a:t>(todo)</a:t>
+                      </a:r>
+                    </a:p>
+                    <a:p>
+                      <a:pPr algn="l">
+                        <a:lnSpc>
+                          <a:spcPct val="107000"/>
+                        </a:lnSpc>
+                        <a:spcAft>
+                          <a:spcPts val="0"/>
+                        </a:spcAft>
+                      </a:pPr>
+                      <a:r>
+                        <a:rPr lang="es-MX" sz="1600" dirty="0">
+                          <a:solidFill>
+                            <a:srgbClr val="000000"/>
+                          </a:solidFill>
+                          <a:effectLst/>
+                          <a:latin typeface="+mn-lt"/>
+                          <a:ea typeface="Calibri" panose="020F0502020204030204" pitchFamily="34" charset="0"/>
+                          <a:cs typeface="Calibri" panose="020F0502020204030204" pitchFamily="34" charset="0"/>
+                        </a:rPr>
+                        <a:t>Imprime</a:t>
+                      </a:r>
+                    </a:p>
+                    <a:p>
+                      <a:pPr algn="l">
+                        <a:lnSpc>
+                          <a:spcPct val="107000"/>
+                        </a:lnSpc>
+                        <a:spcAft>
+                          <a:spcPts val="0"/>
+                        </a:spcAft>
+                      </a:pPr>
+                      <a:r>
+                        <a:rPr lang="es-MX" sz="1600" dirty="0" err="1">
+                          <a:solidFill>
+                            <a:srgbClr val="000000"/>
+                          </a:solidFill>
+                          <a:effectLst/>
+                          <a:latin typeface="+mn-lt"/>
+                          <a:ea typeface="Calibri" panose="020F0502020204030204" pitchFamily="34" charset="0"/>
+                          <a:cs typeface="Calibri" panose="020F0502020204030204" pitchFamily="34" charset="0"/>
+                        </a:rPr>
+                        <a:t>HolaMundo</a:t>
+                      </a:r>
+                      <a:endParaRPr lang="es-MX" sz="1600" dirty="0">
+                        <a:effectLst/>
+                        <a:latin typeface="+mn-lt"/>
+                        <a:ea typeface="Calibri" panose="020F0502020204030204" pitchFamily="34" charset="0"/>
+                        <a:cs typeface="Times New Roman" panose="02020603050405020304" pitchFamily="18" charset="0"/>
+                      </a:endParaRPr>
+                    </a:p>
+                  </a:txBody>
+                  <a:tcPr marL="68580" marR="68580" marT="0" marB="0" anchor="ctr">
+                    <a:solidFill>
+                      <a:schemeClr val="accent3">
+                        <a:lumMod val="20000"/>
+                        <a:lumOff val="80000"/>
+                      </a:schemeClr>
+                    </a:solidFill>
+                  </a:tcPr>
+                </a:tc>
+                <a:extLst>
+                  <a:ext uri="{0D108BD9-81ED-4DB2-BD59-A6C34878D82A}">
+                    <a16:rowId xmlns:a16="http://schemas.microsoft.com/office/drawing/2014/main" val="18612594"/>
+                  </a:ext>
+                </a:extLst>
+              </a:tr>
+              <a:tr h="1142803">
+                <a:tc>
+                  <a:txBody>
+                    <a:bodyPr/>
+                    <a:lstStyle/>
+                    <a:p>
+                      <a:pPr algn="ctr">
+                        <a:lnSpc>
+                          <a:spcPct val="107000"/>
+                        </a:lnSpc>
+                        <a:spcAft>
+                          <a:spcPts val="0"/>
+                        </a:spcAft>
+                      </a:pPr>
+                      <a:r>
+                        <a:rPr lang="es-MX" sz="1600" b="0" dirty="0">
+                          <a:solidFill>
+                            <a:schemeClr val="bg1"/>
+                          </a:solidFill>
+                          <a:effectLst/>
+                          <a:latin typeface="+mn-lt"/>
+                          <a:ea typeface="Times New Roman" panose="02020603050405020304" pitchFamily="18" charset="0"/>
+                          <a:cs typeface="Calibri" panose="020F0502020204030204" pitchFamily="34" charset="0"/>
+                        </a:rPr>
+                        <a:t>Repite el </a:t>
+                      </a:r>
+                      <a:r>
+                        <a:rPr lang="es-MX" sz="1600" b="1" dirty="0">
+                          <a:solidFill>
+                            <a:schemeClr val="bg1"/>
+                          </a:solidFill>
+                          <a:effectLst/>
+                          <a:latin typeface="+mn-lt"/>
+                          <a:ea typeface="Times New Roman" panose="02020603050405020304" pitchFamily="18" charset="0"/>
+                          <a:cs typeface="Calibri" panose="020F0502020204030204" pitchFamily="34" charset="0"/>
+                        </a:rPr>
+                        <a:t>número</a:t>
+                      </a:r>
+                      <a:r>
+                        <a:rPr lang="es-MX" sz="1600" b="0" dirty="0">
+                          <a:solidFill>
+                            <a:schemeClr val="bg1"/>
+                          </a:solidFill>
+                          <a:effectLst/>
+                          <a:latin typeface="+mn-lt"/>
+                          <a:ea typeface="Times New Roman" panose="02020603050405020304" pitchFamily="18" charset="0"/>
+                          <a:cs typeface="Calibri" panose="020F0502020204030204" pitchFamily="34" charset="0"/>
+                        </a:rPr>
+                        <a:t> de veces indicado por el multiplicador el contenido de la cadena</a:t>
+                      </a:r>
+                      <a:endParaRPr lang="es-MX" sz="1600" b="0" dirty="0">
+                        <a:solidFill>
+                          <a:schemeClr val="bg1"/>
+                        </a:solidFill>
+                        <a:effectLst/>
+                        <a:latin typeface="+mn-lt"/>
+                        <a:ea typeface="Calibri" panose="020F0502020204030204" pitchFamily="34" charset="0"/>
+                        <a:cs typeface="Times New Roman" panose="02020603050405020304" pitchFamily="18" charset="0"/>
+                      </a:endParaRPr>
+                    </a:p>
+                  </a:txBody>
+                  <a:tcPr marL="68580" marR="68580" marT="0" marB="0" anchor="ctr">
+                    <a:solidFill>
+                      <a:schemeClr val="accent4">
+                        <a:lumMod val="50000"/>
+                      </a:schemeClr>
+                    </a:solidFill>
+                  </a:tcPr>
+                </a:tc>
+                <a:tc>
+                  <a:txBody>
+                    <a:bodyPr/>
+                    <a:lstStyle/>
+                    <a:p>
+                      <a:pPr algn="ctr">
+                        <a:lnSpc>
+                          <a:spcPct val="107000"/>
+                        </a:lnSpc>
+                        <a:spcAft>
+                          <a:spcPts val="0"/>
+                        </a:spcAft>
+                      </a:pPr>
+                      <a:r>
+                        <a:rPr lang="es-MX" sz="1600" b="1" dirty="0">
+                          <a:solidFill>
+                            <a:srgbClr val="000000"/>
+                          </a:solidFill>
+                          <a:effectLst/>
+                          <a:latin typeface="+mn-lt"/>
+                          <a:ea typeface="Times New Roman" panose="02020603050405020304" pitchFamily="18" charset="0"/>
+                          <a:cs typeface="Calibri" panose="020F0502020204030204" pitchFamily="34" charset="0"/>
+                        </a:rPr>
+                        <a:t>*</a:t>
+                      </a:r>
+                      <a:endParaRPr lang="es-MX" sz="1600" b="1" dirty="0">
+                        <a:effectLst/>
+                        <a:latin typeface="+mn-lt"/>
+                        <a:ea typeface="Calibri" panose="020F0502020204030204" pitchFamily="34" charset="0"/>
+                        <a:cs typeface="Times New Roman" panose="02020603050405020304" pitchFamily="18" charset="0"/>
+                      </a:endParaRPr>
+                    </a:p>
+                  </a:txBody>
+                  <a:tcPr marL="68580" marR="68580" marT="0" marB="0" anchor="ctr">
+                    <a:solidFill>
+                      <a:schemeClr val="accent3">
+                        <a:lumMod val="20000"/>
+                        <a:lumOff val="80000"/>
+                      </a:schemeClr>
+                    </a:solidFill>
+                  </a:tcPr>
+                </a:tc>
+                <a:tc>
+                  <a:txBody>
+                    <a:bodyPr/>
+                    <a:lstStyle/>
+                    <a:p>
+                      <a:pPr algn="l">
+                        <a:lnSpc>
+                          <a:spcPct val="107000"/>
+                        </a:lnSpc>
+                        <a:spcAft>
+                          <a:spcPts val="0"/>
+                        </a:spcAft>
+                      </a:pPr>
+                      <a:r>
+                        <a:rPr lang="es-MX" sz="1600" b="1" dirty="0" err="1">
+                          <a:solidFill>
+                            <a:srgbClr val="000000"/>
+                          </a:solidFill>
+                          <a:effectLst/>
+                          <a:latin typeface="+mn-lt"/>
+                          <a:ea typeface="Times New Roman" panose="02020603050405020304" pitchFamily="18" charset="0"/>
+                          <a:cs typeface="Calibri" panose="020F0502020204030204" pitchFamily="34" charset="0"/>
+                        </a:rPr>
+                        <a:t>print</a:t>
+                      </a:r>
+                      <a:r>
+                        <a:rPr lang="es-MX" sz="1600" b="1" dirty="0">
+                          <a:solidFill>
+                            <a:srgbClr val="000000"/>
+                          </a:solidFill>
+                          <a:effectLst/>
+                          <a:latin typeface="+mn-lt"/>
+                          <a:ea typeface="Times New Roman" panose="02020603050405020304" pitchFamily="18" charset="0"/>
+                          <a:cs typeface="Calibri" panose="020F0502020204030204" pitchFamily="34" charset="0"/>
+                        </a:rPr>
+                        <a:t>("Hola" * 3)</a:t>
+                      </a:r>
+                      <a:r>
+                        <a:rPr lang="es-MX" sz="1600" b="1" dirty="0">
+                          <a:effectLst/>
+                          <a:latin typeface="+mn-lt"/>
+                          <a:ea typeface="Times New Roman" panose="02020603050405020304" pitchFamily="18" charset="0"/>
+                          <a:cs typeface="Times New Roman" panose="02020603050405020304" pitchFamily="18" charset="0"/>
+                        </a:rPr>
+                        <a:t> </a:t>
+                      </a:r>
+                    </a:p>
+                    <a:p>
+                      <a:pPr algn="l">
+                        <a:lnSpc>
+                          <a:spcPct val="107000"/>
+                        </a:lnSpc>
+                        <a:spcAft>
+                          <a:spcPts val="0"/>
+                        </a:spcAft>
+                      </a:pPr>
+                      <a:endParaRPr lang="es-MX" sz="1600" b="1" dirty="0">
+                        <a:effectLst/>
+                        <a:latin typeface="+mn-lt"/>
+                        <a:ea typeface="Calibri" panose="020F0502020204030204" pitchFamily="34" charset="0"/>
+                        <a:cs typeface="Times New Roman" panose="02020603050405020304" pitchFamily="18" charset="0"/>
+                      </a:endParaRPr>
+                    </a:p>
+                    <a:p>
+                      <a:pPr algn="l">
+                        <a:lnSpc>
+                          <a:spcPct val="107000"/>
+                        </a:lnSpc>
+                        <a:spcAft>
+                          <a:spcPts val="0"/>
+                        </a:spcAft>
+                      </a:pPr>
+                      <a:r>
+                        <a:rPr lang="es-MX" sz="1600" dirty="0">
+                          <a:solidFill>
+                            <a:srgbClr val="000000"/>
+                          </a:solidFill>
+                          <a:effectLst/>
+                          <a:latin typeface="+mn-lt"/>
+                          <a:ea typeface="Times New Roman" panose="02020603050405020304" pitchFamily="18" charset="0"/>
+                          <a:cs typeface="Calibri" panose="020F0502020204030204" pitchFamily="34" charset="0"/>
+                        </a:rPr>
+                        <a:t>Imprime </a:t>
+                      </a:r>
+                    </a:p>
+                    <a:p>
+                      <a:pPr algn="l">
+                        <a:lnSpc>
+                          <a:spcPct val="107000"/>
+                        </a:lnSpc>
+                        <a:spcAft>
+                          <a:spcPts val="0"/>
+                        </a:spcAft>
+                      </a:pPr>
+                      <a:r>
+                        <a:rPr lang="es-MX" sz="1600" dirty="0" err="1">
+                          <a:solidFill>
+                            <a:srgbClr val="000000"/>
+                          </a:solidFill>
+                          <a:effectLst/>
+                          <a:latin typeface="+mn-lt"/>
+                          <a:ea typeface="Times New Roman" panose="02020603050405020304" pitchFamily="18" charset="0"/>
+                          <a:cs typeface="Calibri" panose="020F0502020204030204" pitchFamily="34" charset="0"/>
+                        </a:rPr>
+                        <a:t>HolaHolaHola</a:t>
+                      </a:r>
+                      <a:endParaRPr lang="es-MX" sz="1600" dirty="0">
+                        <a:effectLst/>
+                        <a:latin typeface="+mn-lt"/>
+                        <a:ea typeface="Calibri" panose="020F0502020204030204" pitchFamily="34" charset="0"/>
+                        <a:cs typeface="Times New Roman" panose="02020603050405020304" pitchFamily="18" charset="0"/>
+                      </a:endParaRPr>
+                    </a:p>
+                  </a:txBody>
+                  <a:tcPr marL="68580" marR="68580" marT="0" marB="0" anchor="ctr">
+                    <a:solidFill>
+                      <a:schemeClr val="accent3">
+                        <a:lumMod val="20000"/>
+                        <a:lumOff val="80000"/>
+                      </a:schemeClr>
+                    </a:solidFill>
+                  </a:tcPr>
+                </a:tc>
+                <a:extLst>
+                  <a:ext uri="{0D108BD9-81ED-4DB2-BD59-A6C34878D82A}">
+                    <a16:rowId xmlns:a16="http://schemas.microsoft.com/office/drawing/2014/main" val="3136739256"/>
+                  </a:ext>
+                </a:extLst>
+              </a:tr>
+              <a:tr h="2282770">
+                <a:tc>
+                  <a:txBody>
+                    <a:bodyPr/>
+                    <a:lstStyle/>
+                    <a:p>
+                      <a:pPr algn="ctr">
+                        <a:lnSpc>
+                          <a:spcPct val="107000"/>
+                        </a:lnSpc>
+                        <a:spcAft>
+                          <a:spcPts val="0"/>
+                        </a:spcAft>
+                      </a:pPr>
+                      <a:r>
+                        <a:rPr lang="es-MX" sz="1600" b="0" dirty="0">
+                          <a:solidFill>
+                            <a:schemeClr val="bg1"/>
+                          </a:solidFill>
+                          <a:effectLst/>
+                          <a:latin typeface="+mn-lt"/>
+                          <a:ea typeface="Times New Roman" panose="02020603050405020304" pitchFamily="18" charset="0"/>
+                          <a:cs typeface="Calibri" panose="020F0502020204030204" pitchFamily="34" charset="0"/>
+                        </a:rPr>
+                        <a:t>Verifica si un </a:t>
+                      </a:r>
+                      <a:r>
+                        <a:rPr lang="es-MX" sz="1600" b="1" dirty="0">
+                          <a:solidFill>
+                            <a:schemeClr val="bg1"/>
+                          </a:solidFill>
+                          <a:effectLst/>
+                          <a:latin typeface="+mn-lt"/>
+                          <a:ea typeface="Times New Roman" panose="02020603050405020304" pitchFamily="18" charset="0"/>
+                          <a:cs typeface="Calibri" panose="020F0502020204030204" pitchFamily="34" charset="0"/>
+                        </a:rPr>
+                        <a:t>carácter</a:t>
+                      </a:r>
+                      <a:r>
+                        <a:rPr lang="es-MX" sz="1600" b="0" dirty="0">
+                          <a:solidFill>
+                            <a:schemeClr val="bg1"/>
+                          </a:solidFill>
+                          <a:effectLst/>
+                          <a:latin typeface="+mn-lt"/>
+                          <a:ea typeface="Times New Roman" panose="02020603050405020304" pitchFamily="18" charset="0"/>
+                          <a:cs typeface="Calibri" panose="020F0502020204030204" pitchFamily="34" charset="0"/>
+                        </a:rPr>
+                        <a:t> u otra </a:t>
+                      </a:r>
+                      <a:r>
+                        <a:rPr lang="es-MX" sz="1600" b="1" dirty="0">
+                          <a:solidFill>
+                            <a:schemeClr val="bg1"/>
+                          </a:solidFill>
+                          <a:effectLst/>
+                          <a:latin typeface="+mn-lt"/>
+                          <a:ea typeface="Times New Roman" panose="02020603050405020304" pitchFamily="18" charset="0"/>
+                          <a:cs typeface="Calibri" panose="020F0502020204030204" pitchFamily="34" charset="0"/>
+                        </a:rPr>
+                        <a:t>cadena completa </a:t>
+                      </a:r>
+                      <a:r>
+                        <a:rPr lang="es-MX" sz="1600" b="0" dirty="0">
+                          <a:solidFill>
+                            <a:schemeClr val="bg1"/>
+                          </a:solidFill>
+                          <a:effectLst/>
+                          <a:latin typeface="+mn-lt"/>
+                          <a:ea typeface="Times New Roman" panose="02020603050405020304" pitchFamily="18" charset="0"/>
+                          <a:cs typeface="Calibri" panose="020F0502020204030204" pitchFamily="34" charset="0"/>
+                        </a:rPr>
+                        <a:t>es parte de la cadena indicada  </a:t>
+                      </a:r>
+                      <a:r>
+                        <a:rPr lang="es-MX" sz="1600" b="1" dirty="0">
+                          <a:solidFill>
+                            <a:schemeClr val="bg1"/>
+                          </a:solidFill>
+                          <a:effectLst/>
+                          <a:latin typeface="+mn-lt"/>
+                          <a:ea typeface="Times New Roman" panose="02020603050405020304" pitchFamily="18" charset="0"/>
+                          <a:cs typeface="Calibri" panose="020F0502020204030204" pitchFamily="34" charset="0"/>
+                        </a:rPr>
+                        <a:t>True</a:t>
+                      </a:r>
+                      <a:r>
+                        <a:rPr lang="es-MX" sz="1600" b="0" dirty="0">
+                          <a:solidFill>
+                            <a:schemeClr val="bg1"/>
+                          </a:solidFill>
+                          <a:effectLst/>
+                          <a:latin typeface="+mn-lt"/>
+                          <a:ea typeface="Times New Roman" panose="02020603050405020304" pitchFamily="18" charset="0"/>
+                          <a:cs typeface="Calibri" panose="020F0502020204030204" pitchFamily="34" charset="0"/>
+                        </a:rPr>
+                        <a:t> o </a:t>
+                      </a:r>
+                      <a:r>
+                        <a:rPr lang="es-MX" sz="1600" b="1" dirty="0">
+                          <a:solidFill>
+                            <a:schemeClr val="bg1"/>
+                          </a:solidFill>
+                          <a:effectLst/>
+                          <a:latin typeface="+mn-lt"/>
+                          <a:ea typeface="Times New Roman" panose="02020603050405020304" pitchFamily="18" charset="0"/>
+                          <a:cs typeface="Calibri" panose="020F0502020204030204" pitchFamily="34" charset="0"/>
+                        </a:rPr>
+                        <a:t>False</a:t>
+                      </a:r>
+                      <a:endParaRPr lang="es-MX" sz="1600" b="1" dirty="0">
+                        <a:solidFill>
+                          <a:schemeClr val="bg1"/>
+                        </a:solidFill>
+                        <a:effectLst/>
+                        <a:latin typeface="+mn-lt"/>
+                        <a:ea typeface="Calibri" panose="020F0502020204030204" pitchFamily="34" charset="0"/>
+                        <a:cs typeface="Times New Roman" panose="02020603050405020304" pitchFamily="18" charset="0"/>
+                      </a:endParaRPr>
+                    </a:p>
+                  </a:txBody>
+                  <a:tcPr marL="68580" marR="68580" marT="0" marB="0" anchor="ctr">
+                    <a:solidFill>
+                      <a:schemeClr val="accent4">
+                        <a:lumMod val="50000"/>
+                      </a:schemeClr>
+                    </a:solidFill>
+                  </a:tcPr>
+                </a:tc>
+                <a:tc>
+                  <a:txBody>
+                    <a:bodyPr/>
+                    <a:lstStyle/>
+                    <a:p>
+                      <a:pPr algn="ctr">
+                        <a:lnSpc>
+                          <a:spcPct val="107000"/>
+                        </a:lnSpc>
+                        <a:spcAft>
+                          <a:spcPts val="0"/>
+                        </a:spcAft>
+                      </a:pPr>
+                      <a:r>
+                        <a:rPr lang="es-MX" sz="1600" b="1" dirty="0">
+                          <a:solidFill>
+                            <a:srgbClr val="000000"/>
+                          </a:solidFill>
+                          <a:effectLst/>
+                          <a:latin typeface="+mn-lt"/>
+                          <a:ea typeface="Times New Roman" panose="02020603050405020304" pitchFamily="18" charset="0"/>
+                          <a:cs typeface="Calibri" panose="020F0502020204030204" pitchFamily="34" charset="0"/>
+                        </a:rPr>
+                        <a:t>in</a:t>
+                      </a:r>
+                      <a:endParaRPr lang="es-MX" sz="1600" b="1" dirty="0">
+                        <a:effectLst/>
+                        <a:latin typeface="+mn-lt"/>
+                        <a:ea typeface="Calibri" panose="020F0502020204030204" pitchFamily="34" charset="0"/>
+                        <a:cs typeface="Times New Roman" panose="02020603050405020304" pitchFamily="18" charset="0"/>
+                      </a:endParaRPr>
+                    </a:p>
+                  </a:txBody>
+                  <a:tcPr marL="68580" marR="68580" marT="0" marB="0" anchor="ctr">
+                    <a:solidFill>
+                      <a:schemeClr val="accent3">
+                        <a:lumMod val="20000"/>
+                        <a:lumOff val="80000"/>
+                      </a:schemeClr>
+                    </a:solidFill>
+                  </a:tcPr>
+                </a:tc>
+                <a:tc>
+                  <a:txBody>
+                    <a:bodyPr/>
+                    <a:lstStyle/>
+                    <a:p>
+                      <a:pPr algn="l">
+                        <a:lnSpc>
+                          <a:spcPct val="107000"/>
+                        </a:lnSpc>
+                        <a:spcAft>
+                          <a:spcPts val="0"/>
+                        </a:spcAft>
+                      </a:pPr>
+                      <a:r>
+                        <a:rPr lang="es-MX" sz="1600" b="1" dirty="0">
+                          <a:solidFill>
+                            <a:srgbClr val="000000"/>
+                          </a:solidFill>
+                          <a:effectLst/>
+                          <a:latin typeface="+mn-lt"/>
+                          <a:ea typeface="Times New Roman" panose="02020603050405020304" pitchFamily="18" charset="0"/>
+                          <a:cs typeface="Calibri" panose="020F0502020204030204" pitchFamily="34" charset="0"/>
+                        </a:rPr>
+                        <a:t>cadena2 = "Hola Mundo"</a:t>
+                      </a:r>
+                    </a:p>
+                    <a:p>
+                      <a:pPr algn="l">
+                        <a:lnSpc>
+                          <a:spcPct val="107000"/>
+                        </a:lnSpc>
+                        <a:spcAft>
+                          <a:spcPts val="0"/>
+                        </a:spcAft>
+                      </a:pPr>
+                      <a:r>
+                        <a:rPr lang="es-MX" sz="1600" b="1" dirty="0" err="1">
+                          <a:solidFill>
+                            <a:srgbClr val="000000"/>
+                          </a:solidFill>
+                          <a:effectLst/>
+                          <a:latin typeface="+mn-lt"/>
+                          <a:ea typeface="Times New Roman" panose="02020603050405020304" pitchFamily="18" charset="0"/>
+                          <a:cs typeface="Calibri" panose="020F0502020204030204" pitchFamily="34" charset="0"/>
+                        </a:rPr>
+                        <a:t>print</a:t>
+                      </a:r>
+                      <a:r>
+                        <a:rPr lang="es-MX" sz="1600" b="1" dirty="0">
+                          <a:solidFill>
+                            <a:srgbClr val="000000"/>
+                          </a:solidFill>
+                          <a:effectLst/>
+                          <a:latin typeface="+mn-lt"/>
+                          <a:ea typeface="Times New Roman" panose="02020603050405020304" pitchFamily="18" charset="0"/>
+                          <a:cs typeface="Calibri" panose="020F0502020204030204" pitchFamily="34" charset="0"/>
+                        </a:rPr>
+                        <a:t>('u' in cadena2)</a:t>
+                      </a:r>
+                    </a:p>
+                    <a:p>
+                      <a:pPr algn="l">
+                        <a:lnSpc>
+                          <a:spcPct val="107000"/>
+                        </a:lnSpc>
+                        <a:spcAft>
+                          <a:spcPts val="0"/>
+                        </a:spcAft>
+                      </a:pPr>
+                      <a:r>
+                        <a:rPr lang="es-MX" sz="1600" dirty="0">
+                          <a:solidFill>
+                            <a:srgbClr val="000000"/>
+                          </a:solidFill>
+                          <a:effectLst/>
+                          <a:latin typeface="+mn-lt"/>
+                          <a:ea typeface="Times New Roman" panose="02020603050405020304" pitchFamily="18" charset="0"/>
+                          <a:cs typeface="Calibri" panose="020F0502020204030204" pitchFamily="34" charset="0"/>
+                        </a:rPr>
+                        <a:t>imprime True</a:t>
+                      </a:r>
+                    </a:p>
+                    <a:p>
+                      <a:pPr algn="l">
+                        <a:lnSpc>
+                          <a:spcPct val="107000"/>
+                        </a:lnSpc>
+                        <a:spcAft>
+                          <a:spcPts val="0"/>
+                        </a:spcAft>
+                      </a:pPr>
+                      <a:endParaRPr lang="es-MX" sz="1600" dirty="0">
+                        <a:solidFill>
+                          <a:srgbClr val="000000"/>
+                        </a:solidFill>
+                        <a:effectLst/>
+                        <a:latin typeface="+mn-lt"/>
+                        <a:ea typeface="Calibri" panose="020F0502020204030204" pitchFamily="34" charset="0"/>
+                        <a:cs typeface="Calibri" panose="020F0502020204030204" pitchFamily="34" charset="0"/>
+                      </a:endParaRPr>
+                    </a:p>
+                    <a:p>
+                      <a:pPr algn="l">
+                        <a:lnSpc>
+                          <a:spcPct val="107000"/>
+                        </a:lnSpc>
+                        <a:spcAft>
+                          <a:spcPts val="0"/>
+                        </a:spcAft>
+                      </a:pPr>
+                      <a:r>
+                        <a:rPr lang="es-MX" sz="1600" b="1" dirty="0">
+                          <a:solidFill>
+                            <a:srgbClr val="000000"/>
+                          </a:solidFill>
+                          <a:effectLst/>
+                          <a:latin typeface="+mn-lt"/>
+                          <a:ea typeface="Times New Roman" panose="02020603050405020304" pitchFamily="18" charset="0"/>
+                          <a:cs typeface="Calibri" panose="020F0502020204030204" pitchFamily="34" charset="0"/>
+                        </a:rPr>
+                        <a:t>cadena2 = "Hola Mundo"</a:t>
+                      </a:r>
+                    </a:p>
+                    <a:p>
+                      <a:pPr algn="l">
+                        <a:lnSpc>
+                          <a:spcPct val="107000"/>
+                        </a:lnSpc>
+                        <a:spcAft>
+                          <a:spcPts val="0"/>
+                        </a:spcAft>
+                      </a:pPr>
+                      <a:r>
+                        <a:rPr lang="es-MX" sz="1600" b="1" dirty="0" err="1">
+                          <a:solidFill>
+                            <a:srgbClr val="000000"/>
+                          </a:solidFill>
+                          <a:effectLst/>
+                          <a:latin typeface="+mn-lt"/>
+                          <a:ea typeface="Times New Roman" panose="02020603050405020304" pitchFamily="18" charset="0"/>
+                          <a:cs typeface="Calibri" panose="020F0502020204030204" pitchFamily="34" charset="0"/>
+                        </a:rPr>
+                        <a:t>print</a:t>
+                      </a:r>
+                      <a:r>
+                        <a:rPr lang="es-MX" sz="1600" b="1" dirty="0">
+                          <a:solidFill>
+                            <a:srgbClr val="000000"/>
+                          </a:solidFill>
+                          <a:effectLst/>
+                          <a:latin typeface="+mn-lt"/>
+                          <a:ea typeface="Times New Roman" panose="02020603050405020304" pitchFamily="18" charset="0"/>
+                          <a:cs typeface="Calibri" panose="020F0502020204030204" pitchFamily="34" charset="0"/>
+                        </a:rPr>
+                        <a:t>("Mundo" in cadena2)</a:t>
+                      </a:r>
+                    </a:p>
+                    <a:p>
+                      <a:pPr algn="l">
+                        <a:lnSpc>
+                          <a:spcPct val="107000"/>
+                        </a:lnSpc>
+                        <a:spcAft>
+                          <a:spcPts val="0"/>
+                        </a:spcAft>
+                      </a:pPr>
+                      <a:r>
+                        <a:rPr lang="es-MX" sz="1600" dirty="0">
+                          <a:solidFill>
+                            <a:srgbClr val="000000"/>
+                          </a:solidFill>
+                          <a:effectLst/>
+                          <a:latin typeface="+mn-lt"/>
+                          <a:ea typeface="Times New Roman" panose="02020603050405020304" pitchFamily="18" charset="0"/>
+                          <a:cs typeface="Calibri" panose="020F0502020204030204" pitchFamily="34" charset="0"/>
+                        </a:rPr>
+                        <a:t>imprime True</a:t>
+                      </a:r>
+                      <a:endParaRPr lang="es-MX" sz="1600" dirty="0">
+                        <a:effectLst/>
+                        <a:latin typeface="+mn-lt"/>
+                        <a:ea typeface="Calibri" panose="020F0502020204030204" pitchFamily="34" charset="0"/>
+                        <a:cs typeface="Times New Roman" panose="02020603050405020304" pitchFamily="18" charset="0"/>
+                      </a:endParaRPr>
+                    </a:p>
+                    <a:p>
+                      <a:pPr algn="l">
+                        <a:lnSpc>
+                          <a:spcPct val="107000"/>
+                        </a:lnSpc>
+                        <a:spcAft>
+                          <a:spcPts val="0"/>
+                        </a:spcAft>
+                      </a:pPr>
+                      <a:endParaRPr lang="es-MX" sz="1600" dirty="0">
+                        <a:effectLst/>
+                        <a:latin typeface="+mn-lt"/>
+                        <a:ea typeface="Calibri" panose="020F0502020204030204" pitchFamily="34" charset="0"/>
+                        <a:cs typeface="Times New Roman" panose="02020603050405020304" pitchFamily="18" charset="0"/>
+                      </a:endParaRPr>
+                    </a:p>
+                  </a:txBody>
+                  <a:tcPr marL="68580" marR="68580" marT="0" marB="0" anchor="ctr">
+                    <a:solidFill>
+                      <a:schemeClr val="accent3">
+                        <a:lumMod val="20000"/>
+                        <a:lumOff val="80000"/>
+                      </a:schemeClr>
+                    </a:solidFill>
+                  </a:tcPr>
+                </a:tc>
+                <a:extLst>
+                  <a:ext uri="{0D108BD9-81ED-4DB2-BD59-A6C34878D82A}">
+                    <a16:rowId xmlns:a16="http://schemas.microsoft.com/office/drawing/2014/main" val="3486814094"/>
+                  </a:ext>
+                </a:extLst>
+              </a:tr>
+            </a:tbl>
+          </a:graphicData>
+        </a:graphic>
+      </p:graphicFrame>
+    </p:spTree>
+    <p:extLst>
+      <p:ext uri="{BB962C8B-B14F-4D97-AF65-F5344CB8AC3E}">
+        <p14:creationId xmlns:p14="http://schemas.microsoft.com/office/powerpoint/2010/main" val="3806334306"/>
+      </p:ext>
+    </p:extLst>
+  </p:cSld>
+  <p:clrMapOvr>
+    <a:masterClrMapping/>
+  </p:clrMapOvr>
+</p:sld>
+</file>
+
+<file path=ppt/slides/slide14.xml><?xml version="1.0" encoding="utf-8"?>
+<p:sld xmlns:a="http://schemas.openxmlformats.org/drawingml/2006/main" xmlns:r="http://schemas.openxmlformats.org/officeDocument/2006/relationships" xmlns:p="http://schemas.openxmlformats.org/presentationml/2006/main">
+  <p:cSld>
+    <p:spTree>
+      <p:nvGrpSpPr>
+        <p:cNvPr id="1" name=""/>
+        <p:cNvGrpSpPr/>
+        <p:nvPr/>
+      </p:nvGrpSpPr>
+      <p:grpSpPr>
+        <a:xfrm>
+          <a:off x="0" y="0"/>
+          <a:ext cx="0" cy="0"/>
+          <a:chOff x="0" y="0"/>
+          <a:chExt cx="0" cy="0"/>
+        </a:xfrm>
+      </p:grpSpPr>
+      <p:sp>
+        <p:nvSpPr>
+          <p:cNvPr id="470018" name="Rectangle 2"/>
+          <p:cNvSpPr>
+            <a:spLocks noGrp="1" noChangeArrowheads="1"/>
+          </p:cNvSpPr>
+          <p:nvPr>
+            <p:ph type="title"/>
+          </p:nvPr>
+        </p:nvSpPr>
+        <p:spPr>
+          <a:xfrm>
             <a:off x="1043608" y="0"/>
             <a:ext cx="7317432" cy="1143000"/>
           </a:xfrm>
@@ -7143,7 +9138,7 @@
 </p:sld>
 </file>
 
-<file path=ppt/slides/slide13.xml><?xml version="1.0" encoding="utf-8"?>
+<file path=ppt/slides/slide15.xml><?xml version="1.0" encoding="utf-8"?>
 <p:sld xmlns:a="http://schemas.openxmlformats.org/drawingml/2006/main" xmlns:r="http://schemas.openxmlformats.org/officeDocument/2006/relationships" xmlns:p="http://schemas.openxmlformats.org/presentationml/2006/main">
   <p:cSld>
     <p:spTree>
@@ -7217,7 +9212,7 @@
           <p:nvPr>
             <p:extLst>
               <p:ext uri="{D42A27DB-BD31-4B8C-83A1-F6EECF244321}">
-                <p14:modId xmlns:p14="http://schemas.microsoft.com/office/powerpoint/2010/main" val="1718553615"/>
+                <p14:modId xmlns:p14="http://schemas.microsoft.com/office/powerpoint/2010/main" val="1036844169"/>
               </p:ext>
             </p:extLst>
           </p:nvPr>
@@ -8161,2001 +10156,6 @@
     <p:extLst>
       <p:ext uri="{BB962C8B-B14F-4D97-AF65-F5344CB8AC3E}">
         <p14:creationId xmlns:p14="http://schemas.microsoft.com/office/powerpoint/2010/main" val="3304941758"/>
-      </p:ext>
-    </p:extLst>
-  </p:cSld>
-  <p:clrMapOvr>
-    <a:masterClrMapping/>
-  </p:clrMapOvr>
-</p:sld>
-</file>
-
-<file path=ppt/slides/slide14.xml><?xml version="1.0" encoding="utf-8"?>
-<p:sld xmlns:a="http://schemas.openxmlformats.org/drawingml/2006/main" xmlns:r="http://schemas.openxmlformats.org/officeDocument/2006/relationships" xmlns:p="http://schemas.openxmlformats.org/presentationml/2006/main">
-  <p:cSld>
-    <p:spTree>
-      <p:nvGrpSpPr>
-        <p:cNvPr id="1" name=""/>
-        <p:cNvGrpSpPr/>
-        <p:nvPr/>
-      </p:nvGrpSpPr>
-      <p:grpSpPr>
-        <a:xfrm>
-          <a:off x="0" y="0"/>
-          <a:ext cx="0" cy="0"/>
-          <a:chOff x="0" y="0"/>
-          <a:chExt cx="0" cy="0"/>
-        </a:xfrm>
-      </p:grpSpPr>
-      <p:sp>
-        <p:nvSpPr>
-          <p:cNvPr id="470018" name="Rectangle 2"/>
-          <p:cNvSpPr>
-            <a:spLocks noGrp="1" noChangeArrowheads="1"/>
-          </p:cNvSpPr>
-          <p:nvPr>
-            <p:ph type="title"/>
-          </p:nvPr>
-        </p:nvSpPr>
-        <p:spPr>
-          <a:xfrm>
-            <a:off x="1070992" y="-90264"/>
-            <a:ext cx="7317432" cy="1143000"/>
-          </a:xfrm>
-        </p:spPr>
-        <p:txBody>
-          <a:bodyPr>
-            <a:normAutofit/>
-          </a:bodyPr>
-          <a:lstStyle/>
-          <a:p>
-            <a:pPr algn="ctr" eaLnBrk="1" hangingPunct="1">
-              <a:defRPr/>
-            </a:pPr>
-            <a:r>
-              <a:rPr lang="es-ES_tradnl" b="1" dirty="0">
-                <a:solidFill>
-                  <a:schemeClr val="accent4">
-                    <a:lumMod val="50000"/>
-                  </a:schemeClr>
-                </a:solidFill>
-                <a:effectLst>
-                  <a:outerShdw blurRad="38100" dist="38100" dir="2700000" algn="tl">
-                    <a:srgbClr val="C0C0C0"/>
-                  </a:outerShdw>
-                </a:effectLst>
-                <a:latin typeface="Dom Casual" charset="0"/>
-              </a:rPr>
-              <a:t>Operaciones</a:t>
-            </a:r>
-          </a:p>
-        </p:txBody>
-      </p:sp>
-      <p:graphicFrame>
-        <p:nvGraphicFramePr>
-          <p:cNvPr id="4" name="Tabla 3">
-            <a:extLst>
-              <a:ext uri="{FF2B5EF4-FFF2-40B4-BE49-F238E27FC236}">
-                <a16:creationId xmlns:a16="http://schemas.microsoft.com/office/drawing/2014/main" id="{09170EA9-3CF7-42C2-BB25-E85207509359}"/>
-              </a:ext>
-            </a:extLst>
-          </p:cNvPr>
-          <p:cNvGraphicFramePr>
-            <a:graphicFrameLocks noGrp="1"/>
-          </p:cNvGraphicFramePr>
-          <p:nvPr>
-            <p:extLst>
-              <p:ext uri="{D42A27DB-BD31-4B8C-83A1-F6EECF244321}">
-                <p14:modId xmlns:p14="http://schemas.microsoft.com/office/powerpoint/2010/main" val="451185884"/>
-              </p:ext>
-            </p:extLst>
-          </p:nvPr>
-        </p:nvGraphicFramePr>
-        <p:xfrm>
-          <a:off x="167794" y="1196752"/>
-          <a:ext cx="8808411" cy="4824536"/>
-        </p:xfrm>
-        <a:graphic>
-          <a:graphicData uri="http://schemas.openxmlformats.org/drawingml/2006/table">
-            <a:tbl>
-              <a:tblPr firstRow="1" firstCol="1" bandRow="1">
-                <a:tableStyleId>{5C22544A-7EE6-4342-B048-85BDC9FD1C3A}</a:tableStyleId>
-              </a:tblPr>
-              <a:tblGrid>
-                <a:gridCol w="2984759">
-                  <a:extLst>
-                    <a:ext uri="{9D8B030D-6E8A-4147-A177-3AD203B41FA5}">
-                      <a16:colId xmlns:a16="http://schemas.microsoft.com/office/drawing/2014/main" val="1876588526"/>
-                    </a:ext>
-                  </a:extLst>
-                </a:gridCol>
-                <a:gridCol w="987399">
-                  <a:extLst>
-                    <a:ext uri="{9D8B030D-6E8A-4147-A177-3AD203B41FA5}">
-                      <a16:colId xmlns:a16="http://schemas.microsoft.com/office/drawing/2014/main" val="1169922202"/>
-                    </a:ext>
-                  </a:extLst>
-                </a:gridCol>
-                <a:gridCol w="4836253">
-                  <a:extLst>
-                    <a:ext uri="{9D8B030D-6E8A-4147-A177-3AD203B41FA5}">
-                      <a16:colId xmlns:a16="http://schemas.microsoft.com/office/drawing/2014/main" val="829240010"/>
-                    </a:ext>
-                  </a:extLst>
-                </a:gridCol>
-              </a:tblGrid>
-              <a:tr h="517305">
-                <a:tc>
-                  <a:txBody>
-                    <a:bodyPr/>
-                    <a:lstStyle/>
-                    <a:p>
-                      <a:pPr algn="ctr">
-                        <a:lnSpc>
-                          <a:spcPct val="107000"/>
-                        </a:lnSpc>
-                        <a:spcAft>
-                          <a:spcPts val="0"/>
-                        </a:spcAft>
-                      </a:pPr>
-                      <a:r>
-                        <a:rPr lang="es-MX" sz="1600" dirty="0">
-                          <a:effectLst/>
-                          <a:latin typeface="+mn-lt"/>
-                        </a:rPr>
-                        <a:t>Explicación</a:t>
-                      </a:r>
-                      <a:endParaRPr lang="es-MX" sz="1600" dirty="0">
-                        <a:effectLst/>
-                        <a:latin typeface="+mn-lt"/>
-                        <a:ea typeface="Calibri" panose="020F0502020204030204" pitchFamily="34" charset="0"/>
-                        <a:cs typeface="Times New Roman" panose="02020603050405020304" pitchFamily="18" charset="0"/>
-                      </a:endParaRPr>
-                    </a:p>
-                  </a:txBody>
-                  <a:tcPr marL="28008" marR="28008" marT="0" marB="0" anchor="ctr">
-                    <a:solidFill>
-                      <a:schemeClr val="accent4">
-                        <a:lumMod val="50000"/>
-                      </a:schemeClr>
-                    </a:solidFill>
-                  </a:tcPr>
-                </a:tc>
-                <a:tc>
-                  <a:txBody>
-                    <a:bodyPr/>
-                    <a:lstStyle/>
-                    <a:p>
-                      <a:pPr algn="ctr">
-                        <a:lnSpc>
-                          <a:spcPct val="107000"/>
-                        </a:lnSpc>
-                        <a:spcAft>
-                          <a:spcPts val="0"/>
-                        </a:spcAft>
-                      </a:pPr>
-                      <a:r>
-                        <a:rPr lang="es-MX" sz="1600" dirty="0">
-                          <a:effectLst/>
-                          <a:latin typeface="+mn-lt"/>
-                        </a:rPr>
-                        <a:t>Sintaxis</a:t>
-                      </a:r>
-                      <a:endParaRPr lang="es-MX" sz="1600" dirty="0">
-                        <a:effectLst/>
-                        <a:latin typeface="+mn-lt"/>
-                        <a:ea typeface="Calibri" panose="020F0502020204030204" pitchFamily="34" charset="0"/>
-                        <a:cs typeface="Times New Roman" panose="02020603050405020304" pitchFamily="18" charset="0"/>
-                      </a:endParaRPr>
-                    </a:p>
-                  </a:txBody>
-                  <a:tcPr marL="28008" marR="28008" marT="0" marB="0" anchor="ctr">
-                    <a:solidFill>
-                      <a:schemeClr val="accent4">
-                        <a:lumMod val="50000"/>
-                      </a:schemeClr>
-                    </a:solidFill>
-                  </a:tcPr>
-                </a:tc>
-                <a:tc>
-                  <a:txBody>
-                    <a:bodyPr/>
-                    <a:lstStyle/>
-                    <a:p>
-                      <a:pPr algn="ctr">
-                        <a:lnSpc>
-                          <a:spcPct val="107000"/>
-                        </a:lnSpc>
-                        <a:spcAft>
-                          <a:spcPts val="0"/>
-                        </a:spcAft>
-                      </a:pPr>
-                      <a:r>
-                        <a:rPr lang="es-MX" sz="1600" dirty="0">
-                          <a:effectLst/>
-                          <a:latin typeface="+mn-lt"/>
-                        </a:rPr>
-                        <a:t>Ejemplo</a:t>
-                      </a:r>
-                      <a:endParaRPr lang="es-MX" sz="1600" dirty="0">
-                        <a:effectLst/>
-                        <a:latin typeface="+mn-lt"/>
-                        <a:ea typeface="Calibri" panose="020F0502020204030204" pitchFamily="34" charset="0"/>
-                        <a:cs typeface="Times New Roman" panose="02020603050405020304" pitchFamily="18" charset="0"/>
-                      </a:endParaRPr>
-                    </a:p>
-                  </a:txBody>
-                  <a:tcPr marL="28008" marR="28008" marT="0" marB="0" anchor="ctr">
-                    <a:solidFill>
-                      <a:schemeClr val="accent4">
-                        <a:lumMod val="50000"/>
-                      </a:schemeClr>
-                    </a:solidFill>
-                  </a:tcPr>
-                </a:tc>
-                <a:extLst>
-                  <a:ext uri="{0D108BD9-81ED-4DB2-BD59-A6C34878D82A}">
-                    <a16:rowId xmlns:a16="http://schemas.microsoft.com/office/drawing/2014/main" val="180739552"/>
-                  </a:ext>
-                </a:extLst>
-              </a:tr>
-              <a:tr h="4307231">
-                <a:tc>
-                  <a:txBody>
-                    <a:bodyPr/>
-                    <a:lstStyle/>
-                    <a:p>
-                      <a:pPr marL="285750" indent="-285750" algn="l">
-                        <a:lnSpc>
-                          <a:spcPct val="107000"/>
-                        </a:lnSpc>
-                        <a:spcAft>
-                          <a:spcPts val="0"/>
-                        </a:spcAft>
-                        <a:buFont typeface="Arial" panose="020B0604020202020204" pitchFamily="34" charset="0"/>
-                        <a:buChar char="•"/>
-                      </a:pPr>
-                      <a:r>
-                        <a:rPr lang="es-MX" sz="1600" b="0" kern="1200" dirty="0">
-                          <a:solidFill>
-                            <a:schemeClr val="bg1"/>
-                          </a:solidFill>
-                          <a:effectLst/>
-                          <a:latin typeface="+mn-lt"/>
-                          <a:ea typeface="Times New Roman" panose="02020603050405020304" pitchFamily="18" charset="0"/>
-                          <a:cs typeface="Calibri" panose="020F0502020204030204" pitchFamily="34" charset="0"/>
-                        </a:rPr>
-                        <a:t>Imprime los N primeros caracteres de la cadena. </a:t>
-                      </a:r>
-                    </a:p>
-                    <a:p>
-                      <a:pPr algn="ctr">
-                        <a:lnSpc>
-                          <a:spcPct val="107000"/>
-                        </a:lnSpc>
-                        <a:spcAft>
-                          <a:spcPts val="0"/>
-                        </a:spcAft>
-                      </a:pPr>
-                      <a:endParaRPr lang="es-MX" sz="1600" b="0" kern="1200" dirty="0">
-                        <a:solidFill>
-                          <a:schemeClr val="bg1"/>
-                        </a:solidFill>
-                        <a:effectLst/>
-                        <a:latin typeface="+mn-lt"/>
-                        <a:ea typeface="Times New Roman" panose="02020603050405020304" pitchFamily="18" charset="0"/>
-                        <a:cs typeface="Calibri" panose="020F0502020204030204" pitchFamily="34" charset="0"/>
-                      </a:endParaRPr>
-                    </a:p>
-                    <a:p>
-                      <a:pPr algn="ctr">
-                        <a:lnSpc>
-                          <a:spcPct val="107000"/>
-                        </a:lnSpc>
-                        <a:spcAft>
-                          <a:spcPts val="0"/>
-                        </a:spcAft>
-                      </a:pPr>
-                      <a:endParaRPr lang="es-MX" sz="1600" b="0" kern="1200" dirty="0">
-                        <a:solidFill>
-                          <a:schemeClr val="bg1"/>
-                        </a:solidFill>
-                        <a:effectLst/>
-                        <a:latin typeface="+mn-lt"/>
-                        <a:ea typeface="Times New Roman" panose="02020603050405020304" pitchFamily="18" charset="0"/>
-                        <a:cs typeface="Calibri" panose="020F0502020204030204" pitchFamily="34" charset="0"/>
-                      </a:endParaRPr>
-                    </a:p>
-                    <a:p>
-                      <a:pPr marL="285750" indent="-285750" algn="l">
-                        <a:lnSpc>
-                          <a:spcPct val="107000"/>
-                        </a:lnSpc>
-                        <a:spcAft>
-                          <a:spcPts val="0"/>
-                        </a:spcAft>
-                        <a:buFont typeface="Arial" panose="020B0604020202020204" pitchFamily="34" charset="0"/>
-                        <a:buChar char="•"/>
-                      </a:pPr>
-                      <a:r>
-                        <a:rPr lang="es-MX" sz="1600" b="0" kern="1200" dirty="0">
-                          <a:solidFill>
-                            <a:schemeClr val="bg1"/>
-                          </a:solidFill>
-                          <a:effectLst/>
-                          <a:latin typeface="+mn-lt"/>
-                          <a:ea typeface="Times New Roman" panose="02020603050405020304" pitchFamily="18" charset="0"/>
-                          <a:cs typeface="Calibri" panose="020F0502020204030204" pitchFamily="34" charset="0"/>
-                        </a:rPr>
-                        <a:t>Si N está antes de los : , entonces imprime desde el </a:t>
-                      </a:r>
-                      <a:r>
-                        <a:rPr lang="es-MX" sz="1600" b="0" kern="1200" dirty="0" err="1">
-                          <a:solidFill>
-                            <a:schemeClr val="bg1"/>
-                          </a:solidFill>
-                          <a:effectLst/>
-                          <a:latin typeface="+mn-lt"/>
-                          <a:ea typeface="Times New Roman" panose="02020603050405020304" pitchFamily="18" charset="0"/>
-                          <a:cs typeface="Calibri" panose="020F0502020204030204" pitchFamily="34" charset="0"/>
-                        </a:rPr>
-                        <a:t>caracter</a:t>
-                      </a:r>
-                      <a:r>
-                        <a:rPr lang="es-MX" sz="1600" b="0" kern="1200" dirty="0">
-                          <a:solidFill>
-                            <a:schemeClr val="bg1"/>
-                          </a:solidFill>
-                          <a:effectLst/>
-                          <a:latin typeface="+mn-lt"/>
-                          <a:ea typeface="Times New Roman" panose="02020603050405020304" pitchFamily="18" charset="0"/>
-                          <a:cs typeface="Calibri" panose="020F0502020204030204" pitchFamily="34" charset="0"/>
-                        </a:rPr>
-                        <a:t> N al último.</a:t>
-                      </a:r>
-                    </a:p>
-                    <a:p>
-                      <a:pPr marL="0" indent="0" algn="l">
-                        <a:lnSpc>
-                          <a:spcPct val="107000"/>
-                        </a:lnSpc>
-                        <a:spcAft>
-                          <a:spcPts val="0"/>
-                        </a:spcAft>
-                        <a:buFont typeface="Arial" panose="020B0604020202020204" pitchFamily="34" charset="0"/>
-                        <a:buNone/>
-                      </a:pPr>
-                      <a:endParaRPr lang="es-MX" sz="1600" b="0" kern="1200" dirty="0">
-                        <a:solidFill>
-                          <a:schemeClr val="bg1"/>
-                        </a:solidFill>
-                        <a:effectLst/>
-                        <a:latin typeface="+mn-lt"/>
-                        <a:ea typeface="Times New Roman" panose="02020603050405020304" pitchFamily="18" charset="0"/>
-                        <a:cs typeface="Calibri" panose="020F0502020204030204" pitchFamily="34" charset="0"/>
-                      </a:endParaRPr>
-                    </a:p>
-                    <a:p>
-                      <a:pPr marL="0" indent="0" algn="l">
-                        <a:lnSpc>
-                          <a:spcPct val="107000"/>
-                        </a:lnSpc>
-                        <a:spcAft>
-                          <a:spcPts val="0"/>
-                        </a:spcAft>
-                        <a:buFont typeface="Arial" panose="020B0604020202020204" pitchFamily="34" charset="0"/>
-                        <a:buNone/>
-                      </a:pPr>
-                      <a:endParaRPr lang="es-MX" sz="1600" b="0" kern="1200" dirty="0">
-                        <a:solidFill>
-                          <a:schemeClr val="bg1"/>
-                        </a:solidFill>
-                        <a:effectLst/>
-                        <a:latin typeface="+mn-lt"/>
-                        <a:ea typeface="Times New Roman" panose="02020603050405020304" pitchFamily="18" charset="0"/>
-                        <a:cs typeface="Calibri" panose="020F0502020204030204" pitchFamily="34" charset="0"/>
-                      </a:endParaRPr>
-                    </a:p>
-                    <a:p>
-                      <a:pPr marL="285750" indent="-285750" algn="l">
-                        <a:lnSpc>
-                          <a:spcPct val="107000"/>
-                        </a:lnSpc>
-                        <a:spcAft>
-                          <a:spcPts val="0"/>
-                        </a:spcAft>
-                        <a:buFont typeface="Arial" panose="020B0604020202020204" pitchFamily="34" charset="0"/>
-                        <a:buChar char="•"/>
-                      </a:pPr>
-                      <a:r>
-                        <a:rPr lang="es-MX" sz="1600" b="0" kern="1200" dirty="0">
-                          <a:solidFill>
-                            <a:schemeClr val="bg1"/>
-                          </a:solidFill>
-                          <a:effectLst/>
-                          <a:latin typeface="+mn-lt"/>
-                          <a:ea typeface="Times New Roman" panose="02020603050405020304" pitchFamily="18" charset="0"/>
-                          <a:cs typeface="Calibri" panose="020F0502020204030204" pitchFamily="34" charset="0"/>
-                        </a:rPr>
-                        <a:t>Si N es negativo, toma desde el último carácter el valor de N caracteres</a:t>
-                      </a:r>
-                      <a:endParaRPr lang="es-MX" sz="1600" b="0" kern="1200" dirty="0">
-                        <a:solidFill>
-                          <a:schemeClr val="bg1"/>
-                        </a:solidFill>
-                        <a:effectLst/>
-                        <a:latin typeface="+mn-lt"/>
-                        <a:ea typeface="Calibri" panose="020F0502020204030204" pitchFamily="34" charset="0"/>
-                        <a:cs typeface="Calibri" panose="020F0502020204030204" pitchFamily="34" charset="0"/>
-                      </a:endParaRPr>
-                    </a:p>
-                  </a:txBody>
-                  <a:tcPr marL="68580" marR="68580" marT="0" marB="0" anchor="ctr">
-                    <a:solidFill>
-                      <a:schemeClr val="accent4">
-                        <a:lumMod val="50000"/>
-                      </a:schemeClr>
-                    </a:solidFill>
-                  </a:tcPr>
-                </a:tc>
-                <a:tc>
-                  <a:txBody>
-                    <a:bodyPr/>
-                    <a:lstStyle/>
-                    <a:p>
-                      <a:pPr marL="0" algn="ctr" defTabSz="914400" rtl="0" eaLnBrk="1" latinLnBrk="0" hangingPunct="1">
-                        <a:lnSpc>
-                          <a:spcPct val="107000"/>
-                        </a:lnSpc>
-                        <a:spcAft>
-                          <a:spcPts val="0"/>
-                        </a:spcAft>
-                      </a:pPr>
-                      <a:r>
-                        <a:rPr lang="es-MX" sz="1600" b="1" kern="1200" dirty="0">
-                          <a:solidFill>
-                            <a:srgbClr val="000000"/>
-                          </a:solidFill>
-                          <a:effectLst/>
-                          <a:latin typeface="+mn-lt"/>
-                          <a:ea typeface="Times New Roman" panose="02020603050405020304" pitchFamily="18" charset="0"/>
-                          <a:cs typeface="Calibri" panose="020F0502020204030204" pitchFamily="34" charset="0"/>
-                        </a:rPr>
-                        <a:t>[:N]</a:t>
-                      </a:r>
-                      <a:endParaRPr lang="es-MX" sz="1600" b="1" kern="1200" dirty="0">
-                        <a:solidFill>
-                          <a:srgbClr val="000000"/>
-                        </a:solidFill>
-                        <a:effectLst/>
-                        <a:latin typeface="+mn-lt"/>
-                        <a:ea typeface="Calibri" panose="020F0502020204030204" pitchFamily="34" charset="0"/>
-                        <a:cs typeface="Calibri" panose="020F0502020204030204" pitchFamily="34" charset="0"/>
-                      </a:endParaRPr>
-                    </a:p>
-                  </a:txBody>
-                  <a:tcPr marL="68580" marR="68580" marT="0" marB="0" anchor="ctr">
-                    <a:solidFill>
-                      <a:schemeClr val="accent3">
-                        <a:lumMod val="20000"/>
-                        <a:lumOff val="80000"/>
-                      </a:schemeClr>
-                    </a:solidFill>
-                  </a:tcPr>
-                </a:tc>
-                <a:tc>
-                  <a:txBody>
-                    <a:bodyPr/>
-                    <a:lstStyle/>
-                    <a:p>
-                      <a:pPr marL="0" algn="l" defTabSz="914400" rtl="0" eaLnBrk="1" latinLnBrk="0" hangingPunct="1">
-                        <a:lnSpc>
-                          <a:spcPct val="107000"/>
-                        </a:lnSpc>
-                        <a:spcAft>
-                          <a:spcPts val="0"/>
-                        </a:spcAft>
-                      </a:pPr>
-                      <a:r>
-                        <a:rPr lang="es-MX" sz="1600" b="1" kern="1200" dirty="0">
-                          <a:solidFill>
-                            <a:srgbClr val="000000"/>
-                          </a:solidFill>
-                          <a:effectLst/>
-                          <a:latin typeface="+mn-lt"/>
-                          <a:ea typeface="Calibri" panose="020F0502020204030204" pitchFamily="34" charset="0"/>
-                          <a:cs typeface="Calibri" panose="020F0502020204030204" pitchFamily="34" charset="0"/>
-                        </a:rPr>
-                        <a:t>cadena = "Hola mundo"</a:t>
-                      </a:r>
-                    </a:p>
-                    <a:p>
-                      <a:pPr marL="0" algn="l" defTabSz="914400" rtl="0" eaLnBrk="1" latinLnBrk="0" hangingPunct="1">
-                        <a:lnSpc>
-                          <a:spcPct val="107000"/>
-                        </a:lnSpc>
-                        <a:spcAft>
-                          <a:spcPts val="0"/>
-                        </a:spcAft>
-                      </a:pPr>
-                      <a:r>
-                        <a:rPr lang="es-MX" sz="1600" b="1" kern="1200" dirty="0" err="1">
-                          <a:solidFill>
-                            <a:srgbClr val="000000"/>
-                          </a:solidFill>
-                          <a:effectLst/>
-                          <a:latin typeface="+mn-lt"/>
-                          <a:ea typeface="Calibri" panose="020F0502020204030204" pitchFamily="34" charset="0"/>
-                          <a:cs typeface="Calibri" panose="020F0502020204030204" pitchFamily="34" charset="0"/>
-                        </a:rPr>
-                        <a:t>print</a:t>
-                      </a:r>
-                      <a:r>
-                        <a:rPr lang="es-MX" sz="1600" b="1" kern="1200" dirty="0">
-                          <a:solidFill>
-                            <a:srgbClr val="000000"/>
-                          </a:solidFill>
-                          <a:effectLst/>
-                          <a:latin typeface="+mn-lt"/>
-                          <a:ea typeface="Calibri" panose="020F0502020204030204" pitchFamily="34" charset="0"/>
-                          <a:cs typeface="Calibri" panose="020F0502020204030204" pitchFamily="34" charset="0"/>
-                        </a:rPr>
-                        <a:t>(cadena[:3])</a:t>
-                      </a:r>
-                    </a:p>
-                    <a:p>
-                      <a:pPr marL="0" algn="l" defTabSz="914400" rtl="0" eaLnBrk="1" latinLnBrk="0" hangingPunct="1">
-                        <a:lnSpc>
-                          <a:spcPct val="107000"/>
-                        </a:lnSpc>
-                        <a:spcAft>
-                          <a:spcPts val="0"/>
-                        </a:spcAft>
-                      </a:pPr>
-                      <a:r>
-                        <a:rPr lang="es-MX" sz="1600" b="0" kern="1200" dirty="0">
-                          <a:solidFill>
-                            <a:srgbClr val="000000"/>
-                          </a:solidFill>
-                          <a:effectLst/>
-                          <a:latin typeface="+mn-lt"/>
-                          <a:ea typeface="Times New Roman" panose="02020603050405020304" pitchFamily="18" charset="0"/>
-                          <a:cs typeface="Calibri" panose="020F0502020204030204" pitchFamily="34" charset="0"/>
-                        </a:rPr>
-                        <a:t>Imprime 3 caracteres de la cadena.</a:t>
-                      </a:r>
-                    </a:p>
-                    <a:p>
-                      <a:pPr marL="0" algn="l" defTabSz="914400" rtl="0" eaLnBrk="1" latinLnBrk="0" hangingPunct="1">
-                        <a:lnSpc>
-                          <a:spcPct val="107000"/>
-                        </a:lnSpc>
-                        <a:spcAft>
-                          <a:spcPts val="0"/>
-                        </a:spcAft>
-                      </a:pPr>
-                      <a:r>
-                        <a:rPr lang="es-MX" sz="1600" b="0" kern="1200" dirty="0" err="1">
-                          <a:solidFill>
-                            <a:srgbClr val="000000"/>
-                          </a:solidFill>
-                          <a:effectLst/>
-                          <a:latin typeface="+mn-lt"/>
-                          <a:ea typeface="Calibri" panose="020F0502020204030204" pitchFamily="34" charset="0"/>
-                          <a:cs typeface="Calibri" panose="020F0502020204030204" pitchFamily="34" charset="0"/>
-                        </a:rPr>
-                        <a:t>Hol</a:t>
-                      </a:r>
-                      <a:endParaRPr lang="es-MX" sz="1600" b="0" kern="1200" dirty="0">
-                        <a:solidFill>
-                          <a:srgbClr val="000000"/>
-                        </a:solidFill>
-                        <a:effectLst/>
-                        <a:latin typeface="+mn-lt"/>
-                        <a:ea typeface="Calibri" panose="020F0502020204030204" pitchFamily="34" charset="0"/>
-                        <a:cs typeface="Calibri" panose="020F0502020204030204" pitchFamily="34" charset="0"/>
-                      </a:endParaRPr>
-                    </a:p>
-                    <a:p>
-                      <a:pPr marL="0" algn="l" defTabSz="914400" rtl="0" eaLnBrk="1" latinLnBrk="0" hangingPunct="1">
-                        <a:lnSpc>
-                          <a:spcPct val="107000"/>
-                        </a:lnSpc>
-                        <a:spcAft>
-                          <a:spcPts val="0"/>
-                        </a:spcAft>
-                      </a:pPr>
-                      <a:r>
-                        <a:rPr lang="es-MX" sz="1600" b="1" kern="1200" dirty="0">
-                          <a:solidFill>
-                            <a:srgbClr val="000000"/>
-                          </a:solidFill>
-                          <a:effectLst/>
-                          <a:latin typeface="+mn-lt"/>
-                          <a:ea typeface="Times New Roman" panose="02020603050405020304" pitchFamily="18" charset="0"/>
-                          <a:cs typeface="Calibri" panose="020F0502020204030204" pitchFamily="34" charset="0"/>
-                        </a:rPr>
-                        <a:t> </a:t>
-                      </a:r>
-                      <a:endParaRPr lang="es-MX" sz="1600" b="1" kern="1200" dirty="0">
-                        <a:solidFill>
-                          <a:srgbClr val="000000"/>
-                        </a:solidFill>
-                        <a:effectLst/>
-                        <a:latin typeface="+mn-lt"/>
-                        <a:ea typeface="Calibri" panose="020F0502020204030204" pitchFamily="34" charset="0"/>
-                        <a:cs typeface="Calibri" panose="020F0502020204030204" pitchFamily="34" charset="0"/>
-                      </a:endParaRPr>
-                    </a:p>
-                    <a:p>
-                      <a:pPr marL="0" algn="l" defTabSz="914400" rtl="0" eaLnBrk="1" latinLnBrk="0" hangingPunct="1">
-                        <a:lnSpc>
-                          <a:spcPct val="107000"/>
-                        </a:lnSpc>
-                        <a:spcAft>
-                          <a:spcPts val="0"/>
-                        </a:spcAft>
-                      </a:pPr>
-                      <a:r>
-                        <a:rPr lang="es-MX" sz="1600" b="1" kern="1200" dirty="0" err="1">
-                          <a:solidFill>
-                            <a:srgbClr val="000000"/>
-                          </a:solidFill>
-                          <a:effectLst/>
-                          <a:latin typeface="+mn-lt"/>
-                          <a:ea typeface="Times New Roman" panose="02020603050405020304" pitchFamily="18" charset="0"/>
-                          <a:cs typeface="Calibri" panose="020F0502020204030204" pitchFamily="34" charset="0"/>
-                        </a:rPr>
-                        <a:t>print</a:t>
-                      </a:r>
-                      <a:r>
-                        <a:rPr lang="es-MX" sz="1600" b="1" kern="1200" dirty="0">
-                          <a:solidFill>
-                            <a:srgbClr val="000000"/>
-                          </a:solidFill>
-                          <a:effectLst/>
-                          <a:latin typeface="+mn-lt"/>
-                          <a:ea typeface="Times New Roman" panose="02020603050405020304" pitchFamily="18" charset="0"/>
-                          <a:cs typeface="Calibri" panose="020F0502020204030204" pitchFamily="34" charset="0"/>
-                        </a:rPr>
-                        <a:t>(cadena[3:])</a:t>
-                      </a:r>
-                      <a:endParaRPr lang="es-MX" sz="1600" b="0" kern="1200" dirty="0">
-                        <a:solidFill>
-                          <a:srgbClr val="000000"/>
-                        </a:solidFill>
-                        <a:effectLst/>
-                        <a:latin typeface="+mn-lt"/>
-                        <a:ea typeface="Calibri" panose="020F0502020204030204" pitchFamily="34" charset="0"/>
-                        <a:cs typeface="Calibri" panose="020F0502020204030204" pitchFamily="34" charset="0"/>
-                      </a:endParaRPr>
-                    </a:p>
-                    <a:p>
-                      <a:pPr marL="0" algn="l" defTabSz="914400" rtl="0" eaLnBrk="1" latinLnBrk="0" hangingPunct="1">
-                        <a:lnSpc>
-                          <a:spcPct val="107000"/>
-                        </a:lnSpc>
-                        <a:spcAft>
-                          <a:spcPts val="0"/>
-                        </a:spcAft>
-                      </a:pPr>
-                      <a:r>
-                        <a:rPr lang="es-MX" sz="1600" b="0" kern="1200" dirty="0">
-                          <a:solidFill>
-                            <a:srgbClr val="000000"/>
-                          </a:solidFill>
-                          <a:effectLst/>
-                          <a:latin typeface="+mn-lt"/>
-                          <a:ea typeface="Times New Roman" panose="02020603050405020304" pitchFamily="18" charset="0"/>
-                          <a:cs typeface="Calibri" panose="020F0502020204030204" pitchFamily="34" charset="0"/>
-                        </a:rPr>
-                        <a:t>Imprime desde la posición 3 y hasta el último </a:t>
-                      </a:r>
-                      <a:r>
-                        <a:rPr lang="es-MX" sz="1600" b="0" kern="1200" dirty="0" err="1">
-                          <a:solidFill>
-                            <a:srgbClr val="000000"/>
-                          </a:solidFill>
-                          <a:effectLst/>
-                          <a:latin typeface="+mn-lt"/>
-                          <a:ea typeface="Times New Roman" panose="02020603050405020304" pitchFamily="18" charset="0"/>
-                          <a:cs typeface="Calibri" panose="020F0502020204030204" pitchFamily="34" charset="0"/>
-                        </a:rPr>
-                        <a:t>caracter</a:t>
-                      </a:r>
-                      <a:r>
-                        <a:rPr lang="es-MX" sz="1600" b="0" kern="1200" dirty="0">
-                          <a:solidFill>
-                            <a:srgbClr val="000000"/>
-                          </a:solidFill>
-                          <a:effectLst/>
-                          <a:latin typeface="+mn-lt"/>
-                          <a:ea typeface="Times New Roman" panose="02020603050405020304" pitchFamily="18" charset="0"/>
-                          <a:cs typeface="Calibri" panose="020F0502020204030204" pitchFamily="34" charset="0"/>
-                        </a:rPr>
-                        <a:t>.</a:t>
-                      </a:r>
-                    </a:p>
-                    <a:p>
-                      <a:pPr marL="0" algn="l" defTabSz="914400" rtl="0" eaLnBrk="1" latinLnBrk="0" hangingPunct="1">
-                        <a:lnSpc>
-                          <a:spcPct val="107000"/>
-                        </a:lnSpc>
-                        <a:spcAft>
-                          <a:spcPts val="0"/>
-                        </a:spcAft>
-                      </a:pPr>
-                      <a:r>
-                        <a:rPr lang="es-MX" sz="1600" b="0" kern="1200" dirty="0">
-                          <a:solidFill>
-                            <a:srgbClr val="000000"/>
-                          </a:solidFill>
-                          <a:effectLst/>
-                          <a:latin typeface="+mn-lt"/>
-                          <a:ea typeface="Calibri" panose="020F0502020204030204" pitchFamily="34" charset="0"/>
-                          <a:cs typeface="Calibri" panose="020F0502020204030204" pitchFamily="34" charset="0"/>
-                        </a:rPr>
-                        <a:t>a mundo</a:t>
-                      </a:r>
-                    </a:p>
-                    <a:p>
-                      <a:pPr marL="0" algn="l" defTabSz="914400" rtl="0" eaLnBrk="1" latinLnBrk="0" hangingPunct="1">
-                        <a:lnSpc>
-                          <a:spcPct val="107000"/>
-                        </a:lnSpc>
-                        <a:spcAft>
-                          <a:spcPts val="0"/>
-                        </a:spcAft>
-                      </a:pPr>
-                      <a:r>
-                        <a:rPr lang="es-MX" sz="1600" b="1" kern="1200" dirty="0">
-                          <a:solidFill>
-                            <a:srgbClr val="000000"/>
-                          </a:solidFill>
-                          <a:effectLst/>
-                          <a:latin typeface="+mn-lt"/>
-                          <a:ea typeface="Times New Roman" panose="02020603050405020304" pitchFamily="18" charset="0"/>
-                          <a:cs typeface="Calibri" panose="020F0502020204030204" pitchFamily="34" charset="0"/>
-                        </a:rPr>
-                        <a:t> </a:t>
-                      </a:r>
-                      <a:endParaRPr lang="es-MX" sz="1600" b="1" kern="1200" dirty="0">
-                        <a:solidFill>
-                          <a:srgbClr val="000000"/>
-                        </a:solidFill>
-                        <a:effectLst/>
-                        <a:latin typeface="+mn-lt"/>
-                        <a:ea typeface="Calibri" panose="020F0502020204030204" pitchFamily="34" charset="0"/>
-                        <a:cs typeface="Calibri" panose="020F0502020204030204" pitchFamily="34" charset="0"/>
-                      </a:endParaRPr>
-                    </a:p>
-                    <a:p>
-                      <a:pPr marL="0" algn="l" defTabSz="914400" rtl="0" eaLnBrk="1" latinLnBrk="0" hangingPunct="1">
-                        <a:lnSpc>
-                          <a:spcPct val="107000"/>
-                        </a:lnSpc>
-                        <a:spcAft>
-                          <a:spcPts val="0"/>
-                        </a:spcAft>
-                      </a:pPr>
-                      <a:r>
-                        <a:rPr lang="es-MX" sz="1600" b="1" kern="1200" dirty="0" err="1">
-                          <a:solidFill>
-                            <a:srgbClr val="000000"/>
-                          </a:solidFill>
-                          <a:effectLst/>
-                          <a:latin typeface="+mn-lt"/>
-                          <a:ea typeface="Times New Roman" panose="02020603050405020304" pitchFamily="18" charset="0"/>
-                          <a:cs typeface="Calibri" panose="020F0502020204030204" pitchFamily="34" charset="0"/>
-                        </a:rPr>
-                        <a:t>print</a:t>
-                      </a:r>
-                      <a:r>
-                        <a:rPr lang="es-MX" sz="1600" b="1" kern="1200" dirty="0">
-                          <a:solidFill>
-                            <a:srgbClr val="000000"/>
-                          </a:solidFill>
-                          <a:effectLst/>
-                          <a:latin typeface="+mn-lt"/>
-                          <a:ea typeface="Times New Roman" panose="02020603050405020304" pitchFamily="18" charset="0"/>
-                          <a:cs typeface="Calibri" panose="020F0502020204030204" pitchFamily="34" charset="0"/>
-                        </a:rPr>
-                        <a:t>(cadena[-2:])</a:t>
-                      </a:r>
-                    </a:p>
-                    <a:p>
-                      <a:pPr marL="0" algn="l" defTabSz="914400" rtl="0" eaLnBrk="1" latinLnBrk="0" hangingPunct="1">
-                        <a:lnSpc>
-                          <a:spcPct val="107000"/>
-                        </a:lnSpc>
-                        <a:spcAft>
-                          <a:spcPts val="0"/>
-                        </a:spcAft>
-                      </a:pPr>
-                      <a:r>
-                        <a:rPr lang="es-MX" sz="1600" b="0" kern="1200" dirty="0">
-                          <a:solidFill>
-                            <a:srgbClr val="000000"/>
-                          </a:solidFill>
-                          <a:effectLst/>
-                          <a:latin typeface="+mn-lt"/>
-                          <a:ea typeface="Times New Roman" panose="02020603050405020304" pitchFamily="18" charset="0"/>
-                          <a:cs typeface="Calibri" panose="020F0502020204030204" pitchFamily="34" charset="0"/>
-                        </a:rPr>
-                        <a:t>Imprime o toma 2 antes del último</a:t>
-                      </a:r>
-                    </a:p>
-                    <a:p>
-                      <a:pPr marL="0" algn="l" defTabSz="914400" rtl="0" eaLnBrk="1" latinLnBrk="0" hangingPunct="1">
-                        <a:lnSpc>
-                          <a:spcPct val="107000"/>
-                        </a:lnSpc>
-                        <a:spcAft>
-                          <a:spcPts val="0"/>
-                        </a:spcAft>
-                      </a:pPr>
-                      <a:r>
-                        <a:rPr lang="es-MX" sz="1600" b="0" kern="1200" dirty="0">
-                          <a:solidFill>
-                            <a:srgbClr val="000000"/>
-                          </a:solidFill>
-                          <a:effectLst/>
-                          <a:latin typeface="+mn-lt"/>
-                          <a:ea typeface="Calibri" panose="020F0502020204030204" pitchFamily="34" charset="0"/>
-                          <a:cs typeface="Calibri" panose="020F0502020204030204" pitchFamily="34" charset="0"/>
-                        </a:rPr>
-                        <a:t>Do</a:t>
-                      </a:r>
-                    </a:p>
-                  </a:txBody>
-                  <a:tcPr marL="68580" marR="68580" marT="0" marB="0" anchor="ctr">
-                    <a:solidFill>
-                      <a:schemeClr val="accent3">
-                        <a:lumMod val="20000"/>
-                        <a:lumOff val="80000"/>
-                      </a:schemeClr>
-                    </a:solidFill>
-                  </a:tcPr>
-                </a:tc>
-                <a:extLst>
-                  <a:ext uri="{0D108BD9-81ED-4DB2-BD59-A6C34878D82A}">
-                    <a16:rowId xmlns:a16="http://schemas.microsoft.com/office/drawing/2014/main" val="3136739256"/>
-                  </a:ext>
-                </a:extLst>
-              </a:tr>
-            </a:tbl>
-          </a:graphicData>
-        </a:graphic>
-      </p:graphicFrame>
-    </p:spTree>
-    <p:extLst>
-      <p:ext uri="{BB962C8B-B14F-4D97-AF65-F5344CB8AC3E}">
-        <p14:creationId xmlns:p14="http://schemas.microsoft.com/office/powerpoint/2010/main" val="1683673930"/>
-      </p:ext>
-    </p:extLst>
-  </p:cSld>
-  <p:clrMapOvr>
-    <a:masterClrMapping/>
-  </p:clrMapOvr>
-</p:sld>
-</file>
-
-<file path=ppt/slides/slide15.xml><?xml version="1.0" encoding="utf-8"?>
-<p:sld xmlns:a="http://schemas.openxmlformats.org/drawingml/2006/main" xmlns:r="http://schemas.openxmlformats.org/officeDocument/2006/relationships" xmlns:p="http://schemas.openxmlformats.org/presentationml/2006/main">
-  <p:cSld>
-    <p:spTree>
-      <p:nvGrpSpPr>
-        <p:cNvPr id="1" name=""/>
-        <p:cNvGrpSpPr/>
-        <p:nvPr/>
-      </p:nvGrpSpPr>
-      <p:grpSpPr>
-        <a:xfrm>
-          <a:off x="0" y="0"/>
-          <a:ext cx="0" cy="0"/>
-          <a:chOff x="0" y="0"/>
-          <a:chExt cx="0" cy="0"/>
-        </a:xfrm>
-      </p:grpSpPr>
-      <p:sp>
-        <p:nvSpPr>
-          <p:cNvPr id="470018" name="Rectangle 2"/>
-          <p:cNvSpPr>
-            <a:spLocks noGrp="1" noChangeArrowheads="1"/>
-          </p:cNvSpPr>
-          <p:nvPr>
-            <p:ph type="title"/>
-          </p:nvPr>
-        </p:nvSpPr>
-        <p:spPr>
-          <a:xfrm>
-            <a:off x="1070992" y="-90264"/>
-            <a:ext cx="7317432" cy="1143000"/>
-          </a:xfrm>
-        </p:spPr>
-        <p:txBody>
-          <a:bodyPr>
-            <a:normAutofit/>
-          </a:bodyPr>
-          <a:lstStyle/>
-          <a:p>
-            <a:pPr algn="ctr" eaLnBrk="1" hangingPunct="1">
-              <a:defRPr/>
-            </a:pPr>
-            <a:r>
-              <a:rPr lang="es-ES_tradnl" b="1" dirty="0">
-                <a:solidFill>
-                  <a:schemeClr val="accent4">
-                    <a:lumMod val="50000"/>
-                  </a:schemeClr>
-                </a:solidFill>
-                <a:effectLst>
-                  <a:outerShdw blurRad="38100" dist="38100" dir="2700000" algn="tl">
-                    <a:srgbClr val="C0C0C0"/>
-                  </a:outerShdw>
-                </a:effectLst>
-                <a:latin typeface="Dom Casual" charset="0"/>
-              </a:rPr>
-              <a:t>Operaciones</a:t>
-            </a:r>
-          </a:p>
-        </p:txBody>
-      </p:sp>
-      <p:graphicFrame>
-        <p:nvGraphicFramePr>
-          <p:cNvPr id="4" name="Tabla 3">
-            <a:extLst>
-              <a:ext uri="{FF2B5EF4-FFF2-40B4-BE49-F238E27FC236}">
-                <a16:creationId xmlns:a16="http://schemas.microsoft.com/office/drawing/2014/main" id="{09170EA9-3CF7-42C2-BB25-E85207509359}"/>
-              </a:ext>
-            </a:extLst>
-          </p:cNvPr>
-          <p:cNvGraphicFramePr>
-            <a:graphicFrameLocks noGrp="1"/>
-          </p:cNvGraphicFramePr>
-          <p:nvPr/>
-        </p:nvGraphicFramePr>
-        <p:xfrm>
-          <a:off x="767636" y="1052737"/>
-          <a:ext cx="7836812" cy="5228783"/>
-        </p:xfrm>
-        <a:graphic>
-          <a:graphicData uri="http://schemas.openxmlformats.org/drawingml/2006/table">
-            <a:tbl>
-              <a:tblPr firstRow="1" firstCol="1" bandRow="1">
-                <a:tableStyleId>{5C22544A-7EE6-4342-B048-85BDC9FD1C3A}</a:tableStyleId>
-              </a:tblPr>
-              <a:tblGrid>
-                <a:gridCol w="2655529">
-                  <a:extLst>
-                    <a:ext uri="{9D8B030D-6E8A-4147-A177-3AD203B41FA5}">
-                      <a16:colId xmlns:a16="http://schemas.microsoft.com/office/drawing/2014/main" val="1876588526"/>
-                    </a:ext>
-                  </a:extLst>
-                </a:gridCol>
-                <a:gridCol w="1351665">
-                  <a:extLst>
-                    <a:ext uri="{9D8B030D-6E8A-4147-A177-3AD203B41FA5}">
-                      <a16:colId xmlns:a16="http://schemas.microsoft.com/office/drawing/2014/main" val="1169922202"/>
-                    </a:ext>
-                  </a:extLst>
-                </a:gridCol>
-                <a:gridCol w="3829618">
-                  <a:extLst>
-                    <a:ext uri="{9D8B030D-6E8A-4147-A177-3AD203B41FA5}">
-                      <a16:colId xmlns:a16="http://schemas.microsoft.com/office/drawing/2014/main" val="829240010"/>
-                    </a:ext>
-                  </a:extLst>
-                </a:gridCol>
-              </a:tblGrid>
-              <a:tr h="243729">
-                <a:tc>
-                  <a:txBody>
-                    <a:bodyPr/>
-                    <a:lstStyle/>
-                    <a:p>
-                      <a:pPr algn="ctr">
-                        <a:lnSpc>
-                          <a:spcPct val="107000"/>
-                        </a:lnSpc>
-                        <a:spcAft>
-                          <a:spcPts val="0"/>
-                        </a:spcAft>
-                      </a:pPr>
-                      <a:r>
-                        <a:rPr lang="es-MX" sz="1600" dirty="0">
-                          <a:effectLst/>
-                          <a:latin typeface="+mn-lt"/>
-                        </a:rPr>
-                        <a:t>Explicación</a:t>
-                      </a:r>
-                      <a:endParaRPr lang="es-MX" sz="1600" dirty="0">
-                        <a:effectLst/>
-                        <a:latin typeface="+mn-lt"/>
-                        <a:ea typeface="Calibri" panose="020F0502020204030204" pitchFamily="34" charset="0"/>
-                        <a:cs typeface="Times New Roman" panose="02020603050405020304" pitchFamily="18" charset="0"/>
-                      </a:endParaRPr>
-                    </a:p>
-                  </a:txBody>
-                  <a:tcPr marL="28008" marR="28008" marT="0" marB="0">
-                    <a:solidFill>
-                      <a:schemeClr val="accent4">
-                        <a:lumMod val="50000"/>
-                      </a:schemeClr>
-                    </a:solidFill>
-                  </a:tcPr>
-                </a:tc>
-                <a:tc>
-                  <a:txBody>
-                    <a:bodyPr/>
-                    <a:lstStyle/>
-                    <a:p>
-                      <a:pPr algn="ctr">
-                        <a:lnSpc>
-                          <a:spcPct val="107000"/>
-                        </a:lnSpc>
-                        <a:spcAft>
-                          <a:spcPts val="0"/>
-                        </a:spcAft>
-                      </a:pPr>
-                      <a:r>
-                        <a:rPr lang="es-MX" sz="1600" dirty="0">
-                          <a:effectLst/>
-                          <a:latin typeface="+mn-lt"/>
-                        </a:rPr>
-                        <a:t>Sintaxis</a:t>
-                      </a:r>
-                      <a:endParaRPr lang="es-MX" sz="1600" dirty="0">
-                        <a:effectLst/>
-                        <a:latin typeface="+mn-lt"/>
-                        <a:ea typeface="Calibri" panose="020F0502020204030204" pitchFamily="34" charset="0"/>
-                        <a:cs typeface="Times New Roman" panose="02020603050405020304" pitchFamily="18" charset="0"/>
-                      </a:endParaRPr>
-                    </a:p>
-                  </a:txBody>
-                  <a:tcPr marL="28008" marR="28008" marT="0" marB="0">
-                    <a:solidFill>
-                      <a:schemeClr val="accent4">
-                        <a:lumMod val="50000"/>
-                      </a:schemeClr>
-                    </a:solidFill>
-                  </a:tcPr>
-                </a:tc>
-                <a:tc>
-                  <a:txBody>
-                    <a:bodyPr/>
-                    <a:lstStyle/>
-                    <a:p>
-                      <a:pPr algn="ctr">
-                        <a:lnSpc>
-                          <a:spcPct val="107000"/>
-                        </a:lnSpc>
-                        <a:spcAft>
-                          <a:spcPts val="0"/>
-                        </a:spcAft>
-                      </a:pPr>
-                      <a:r>
-                        <a:rPr lang="es-MX" sz="1600" dirty="0">
-                          <a:effectLst/>
-                          <a:latin typeface="+mn-lt"/>
-                        </a:rPr>
-                        <a:t>Ejemplo</a:t>
-                      </a:r>
-                      <a:endParaRPr lang="es-MX" sz="1600" dirty="0">
-                        <a:effectLst/>
-                        <a:latin typeface="+mn-lt"/>
-                        <a:ea typeface="Calibri" panose="020F0502020204030204" pitchFamily="34" charset="0"/>
-                        <a:cs typeface="Times New Roman" panose="02020603050405020304" pitchFamily="18" charset="0"/>
-                      </a:endParaRPr>
-                    </a:p>
-                  </a:txBody>
-                  <a:tcPr marL="28008" marR="28008" marT="0" marB="0">
-                    <a:solidFill>
-                      <a:schemeClr val="accent4">
-                        <a:lumMod val="50000"/>
-                      </a:schemeClr>
-                    </a:solidFill>
-                  </a:tcPr>
-                </a:tc>
-                <a:extLst>
-                  <a:ext uri="{0D108BD9-81ED-4DB2-BD59-A6C34878D82A}">
-                    <a16:rowId xmlns:a16="http://schemas.microsoft.com/office/drawing/2014/main" val="180739552"/>
-                  </a:ext>
-                </a:extLst>
-              </a:tr>
-              <a:tr h="1299250">
-                <a:tc>
-                  <a:txBody>
-                    <a:bodyPr/>
-                    <a:lstStyle/>
-                    <a:p>
-                      <a:pPr algn="ctr">
-                        <a:lnSpc>
-                          <a:spcPct val="107000"/>
-                        </a:lnSpc>
-                        <a:spcAft>
-                          <a:spcPts val="0"/>
-                        </a:spcAft>
-                      </a:pPr>
-                      <a:r>
-                        <a:rPr lang="es-MX" sz="1600" b="0" dirty="0">
-                          <a:solidFill>
-                            <a:schemeClr val="bg1"/>
-                          </a:solidFill>
-                          <a:effectLst/>
-                          <a:latin typeface="+mn-lt"/>
-                          <a:ea typeface="Times New Roman" panose="02020603050405020304" pitchFamily="18" charset="0"/>
-                          <a:cs typeface="Calibri" panose="020F0502020204030204" pitchFamily="34" charset="0"/>
-                        </a:rPr>
-                        <a:t>Concatenar cadenas</a:t>
-                      </a:r>
-                      <a:endParaRPr lang="es-MX" sz="1600" b="0" dirty="0">
-                        <a:solidFill>
-                          <a:schemeClr val="bg1"/>
-                        </a:solidFill>
-                        <a:effectLst/>
-                        <a:latin typeface="+mn-lt"/>
-                        <a:ea typeface="Calibri" panose="020F0502020204030204" pitchFamily="34" charset="0"/>
-                        <a:cs typeface="Times New Roman" panose="02020603050405020304" pitchFamily="18" charset="0"/>
-                      </a:endParaRPr>
-                    </a:p>
-                  </a:txBody>
-                  <a:tcPr marL="68580" marR="68580" marT="0" marB="0" anchor="ctr">
-                    <a:solidFill>
-                      <a:schemeClr val="accent4">
-                        <a:lumMod val="50000"/>
-                      </a:schemeClr>
-                    </a:solidFill>
-                  </a:tcPr>
-                </a:tc>
-                <a:tc>
-                  <a:txBody>
-                    <a:bodyPr/>
-                    <a:lstStyle/>
-                    <a:p>
-                      <a:pPr algn="ctr">
-                        <a:lnSpc>
-                          <a:spcPct val="107000"/>
-                        </a:lnSpc>
-                        <a:spcAft>
-                          <a:spcPts val="0"/>
-                        </a:spcAft>
-                      </a:pPr>
-                      <a:r>
-                        <a:rPr lang="es-MX" sz="1600" b="1" dirty="0">
-                          <a:solidFill>
-                            <a:srgbClr val="000000"/>
-                          </a:solidFill>
-                          <a:effectLst/>
-                          <a:latin typeface="+mn-lt"/>
-                          <a:ea typeface="Times New Roman" panose="02020603050405020304" pitchFamily="18" charset="0"/>
-                          <a:cs typeface="Calibri" panose="020F0502020204030204" pitchFamily="34" charset="0"/>
-                        </a:rPr>
-                        <a:t>+</a:t>
-                      </a:r>
-                      <a:endParaRPr lang="es-MX" sz="1600" b="1" dirty="0">
-                        <a:effectLst/>
-                        <a:latin typeface="+mn-lt"/>
-                        <a:ea typeface="Calibri" panose="020F0502020204030204" pitchFamily="34" charset="0"/>
-                        <a:cs typeface="Times New Roman" panose="02020603050405020304" pitchFamily="18" charset="0"/>
-                      </a:endParaRPr>
-                    </a:p>
-                  </a:txBody>
-                  <a:tcPr marL="68580" marR="68580" marT="0" marB="0" anchor="ctr">
-                    <a:solidFill>
-                      <a:schemeClr val="accent3">
-                        <a:lumMod val="20000"/>
-                        <a:lumOff val="80000"/>
-                      </a:schemeClr>
-                    </a:solidFill>
-                  </a:tcPr>
-                </a:tc>
-                <a:tc>
-                  <a:txBody>
-                    <a:bodyPr/>
-                    <a:lstStyle/>
-                    <a:p>
-                      <a:pPr algn="l">
-                        <a:lnSpc>
-                          <a:spcPct val="107000"/>
-                        </a:lnSpc>
-                        <a:spcAft>
-                          <a:spcPts val="0"/>
-                        </a:spcAft>
-                      </a:pPr>
-                      <a:r>
-                        <a:rPr lang="es-MX" sz="1600" b="1" dirty="0">
-                          <a:solidFill>
-                            <a:srgbClr val="000000"/>
-                          </a:solidFill>
-                          <a:effectLst/>
-                          <a:latin typeface="+mn-lt"/>
-                          <a:ea typeface="Times New Roman" panose="02020603050405020304" pitchFamily="18" charset="0"/>
-                          <a:cs typeface="Calibri" panose="020F0502020204030204" pitchFamily="34" charset="0"/>
-                        </a:rPr>
-                        <a:t>cadena1 = 'Hola'</a:t>
-                      </a:r>
-                    </a:p>
-                    <a:p>
-                      <a:pPr algn="l">
-                        <a:lnSpc>
-                          <a:spcPct val="107000"/>
-                        </a:lnSpc>
-                        <a:spcAft>
-                          <a:spcPts val="0"/>
-                        </a:spcAft>
-                      </a:pPr>
-                      <a:r>
-                        <a:rPr lang="es-MX" sz="1600" b="1" dirty="0">
-                          <a:solidFill>
-                            <a:srgbClr val="000000"/>
-                          </a:solidFill>
-                          <a:effectLst/>
-                          <a:latin typeface="+mn-lt"/>
-                          <a:ea typeface="Times New Roman" panose="02020603050405020304" pitchFamily="18" charset="0"/>
-                          <a:cs typeface="Calibri" panose="020F0502020204030204" pitchFamily="34" charset="0"/>
-                        </a:rPr>
-                        <a:t>cadena2 = 'Mundo'</a:t>
-                      </a:r>
-                    </a:p>
-                    <a:p>
-                      <a:pPr algn="l">
-                        <a:lnSpc>
-                          <a:spcPct val="107000"/>
-                        </a:lnSpc>
-                        <a:spcAft>
-                          <a:spcPts val="0"/>
-                        </a:spcAft>
-                      </a:pPr>
-                      <a:r>
-                        <a:rPr lang="es-MX" sz="1600" b="1" dirty="0">
-                          <a:solidFill>
-                            <a:srgbClr val="000000"/>
-                          </a:solidFill>
-                          <a:effectLst/>
-                          <a:latin typeface="+mn-lt"/>
-                          <a:ea typeface="Times New Roman" panose="02020603050405020304" pitchFamily="18" charset="0"/>
-                          <a:cs typeface="Calibri" panose="020F0502020204030204" pitchFamily="34" charset="0"/>
-                        </a:rPr>
-                        <a:t>todo = cadena1 + cadena2</a:t>
-                      </a:r>
-                    </a:p>
-                    <a:p>
-                      <a:pPr algn="l">
-                        <a:lnSpc>
-                          <a:spcPct val="107000"/>
-                        </a:lnSpc>
-                        <a:spcAft>
-                          <a:spcPts val="0"/>
-                        </a:spcAft>
-                      </a:pPr>
-                      <a:r>
-                        <a:rPr lang="es-MX" sz="1600" b="1" dirty="0" err="1">
-                          <a:solidFill>
-                            <a:srgbClr val="000000"/>
-                          </a:solidFill>
-                          <a:effectLst/>
-                          <a:latin typeface="+mn-lt"/>
-                          <a:ea typeface="Times New Roman" panose="02020603050405020304" pitchFamily="18" charset="0"/>
-                          <a:cs typeface="Calibri" panose="020F0502020204030204" pitchFamily="34" charset="0"/>
-                        </a:rPr>
-                        <a:t>print</a:t>
-                      </a:r>
-                      <a:r>
-                        <a:rPr lang="es-MX" sz="1600" b="1" dirty="0">
-                          <a:solidFill>
-                            <a:srgbClr val="000000"/>
-                          </a:solidFill>
-                          <a:effectLst/>
-                          <a:latin typeface="+mn-lt"/>
-                          <a:ea typeface="Times New Roman" panose="02020603050405020304" pitchFamily="18" charset="0"/>
-                          <a:cs typeface="Calibri" panose="020F0502020204030204" pitchFamily="34" charset="0"/>
-                        </a:rPr>
-                        <a:t>(todo)</a:t>
-                      </a:r>
-                    </a:p>
-                    <a:p>
-                      <a:pPr algn="l">
-                        <a:lnSpc>
-                          <a:spcPct val="107000"/>
-                        </a:lnSpc>
-                        <a:spcAft>
-                          <a:spcPts val="0"/>
-                        </a:spcAft>
-                      </a:pPr>
-                      <a:r>
-                        <a:rPr lang="es-MX" sz="1600" dirty="0">
-                          <a:solidFill>
-                            <a:srgbClr val="000000"/>
-                          </a:solidFill>
-                          <a:effectLst/>
-                          <a:latin typeface="+mn-lt"/>
-                          <a:ea typeface="Calibri" panose="020F0502020204030204" pitchFamily="34" charset="0"/>
-                          <a:cs typeface="Calibri" panose="020F0502020204030204" pitchFamily="34" charset="0"/>
-                        </a:rPr>
-                        <a:t>Imprime</a:t>
-                      </a:r>
-                    </a:p>
-                    <a:p>
-                      <a:pPr algn="l">
-                        <a:lnSpc>
-                          <a:spcPct val="107000"/>
-                        </a:lnSpc>
-                        <a:spcAft>
-                          <a:spcPts val="0"/>
-                        </a:spcAft>
-                      </a:pPr>
-                      <a:r>
-                        <a:rPr lang="es-MX" sz="1600" dirty="0" err="1">
-                          <a:solidFill>
-                            <a:srgbClr val="000000"/>
-                          </a:solidFill>
-                          <a:effectLst/>
-                          <a:latin typeface="+mn-lt"/>
-                          <a:ea typeface="Calibri" panose="020F0502020204030204" pitchFamily="34" charset="0"/>
-                          <a:cs typeface="Calibri" panose="020F0502020204030204" pitchFamily="34" charset="0"/>
-                        </a:rPr>
-                        <a:t>HolaMundo</a:t>
-                      </a:r>
-                      <a:endParaRPr lang="es-MX" sz="1600" dirty="0">
-                        <a:effectLst/>
-                        <a:latin typeface="+mn-lt"/>
-                        <a:ea typeface="Calibri" panose="020F0502020204030204" pitchFamily="34" charset="0"/>
-                        <a:cs typeface="Times New Roman" panose="02020603050405020304" pitchFamily="18" charset="0"/>
-                      </a:endParaRPr>
-                    </a:p>
-                  </a:txBody>
-                  <a:tcPr marL="68580" marR="68580" marT="0" marB="0" anchor="ctr">
-                    <a:solidFill>
-                      <a:schemeClr val="accent3">
-                        <a:lumMod val="20000"/>
-                        <a:lumOff val="80000"/>
-                      </a:schemeClr>
-                    </a:solidFill>
-                  </a:tcPr>
-                </a:tc>
-                <a:extLst>
-                  <a:ext uri="{0D108BD9-81ED-4DB2-BD59-A6C34878D82A}">
-                    <a16:rowId xmlns:a16="http://schemas.microsoft.com/office/drawing/2014/main" val="18612594"/>
-                  </a:ext>
-                </a:extLst>
-              </a:tr>
-              <a:tr h="1142803">
-                <a:tc>
-                  <a:txBody>
-                    <a:bodyPr/>
-                    <a:lstStyle/>
-                    <a:p>
-                      <a:pPr algn="ctr">
-                        <a:lnSpc>
-                          <a:spcPct val="107000"/>
-                        </a:lnSpc>
-                        <a:spcAft>
-                          <a:spcPts val="0"/>
-                        </a:spcAft>
-                      </a:pPr>
-                      <a:r>
-                        <a:rPr lang="es-MX" sz="1600" b="0" dirty="0">
-                          <a:solidFill>
-                            <a:schemeClr val="bg1"/>
-                          </a:solidFill>
-                          <a:effectLst/>
-                          <a:latin typeface="+mn-lt"/>
-                          <a:ea typeface="Times New Roman" panose="02020603050405020304" pitchFamily="18" charset="0"/>
-                          <a:cs typeface="Calibri" panose="020F0502020204030204" pitchFamily="34" charset="0"/>
-                        </a:rPr>
-                        <a:t>Repite el </a:t>
-                      </a:r>
-                      <a:r>
-                        <a:rPr lang="es-MX" sz="1600" b="1" dirty="0">
-                          <a:solidFill>
-                            <a:schemeClr val="bg1"/>
-                          </a:solidFill>
-                          <a:effectLst/>
-                          <a:latin typeface="+mn-lt"/>
-                          <a:ea typeface="Times New Roman" panose="02020603050405020304" pitchFamily="18" charset="0"/>
-                          <a:cs typeface="Calibri" panose="020F0502020204030204" pitchFamily="34" charset="0"/>
-                        </a:rPr>
-                        <a:t>número</a:t>
-                      </a:r>
-                      <a:r>
-                        <a:rPr lang="es-MX" sz="1600" b="0" dirty="0">
-                          <a:solidFill>
-                            <a:schemeClr val="bg1"/>
-                          </a:solidFill>
-                          <a:effectLst/>
-                          <a:latin typeface="+mn-lt"/>
-                          <a:ea typeface="Times New Roman" panose="02020603050405020304" pitchFamily="18" charset="0"/>
-                          <a:cs typeface="Calibri" panose="020F0502020204030204" pitchFamily="34" charset="0"/>
-                        </a:rPr>
-                        <a:t> de veces indicado por el multiplicador el contenido de la cadena</a:t>
-                      </a:r>
-                      <a:endParaRPr lang="es-MX" sz="1600" b="0" dirty="0">
-                        <a:solidFill>
-                          <a:schemeClr val="bg1"/>
-                        </a:solidFill>
-                        <a:effectLst/>
-                        <a:latin typeface="+mn-lt"/>
-                        <a:ea typeface="Calibri" panose="020F0502020204030204" pitchFamily="34" charset="0"/>
-                        <a:cs typeface="Times New Roman" panose="02020603050405020304" pitchFamily="18" charset="0"/>
-                      </a:endParaRPr>
-                    </a:p>
-                  </a:txBody>
-                  <a:tcPr marL="68580" marR="68580" marT="0" marB="0" anchor="ctr">
-                    <a:solidFill>
-                      <a:schemeClr val="accent4">
-                        <a:lumMod val="50000"/>
-                      </a:schemeClr>
-                    </a:solidFill>
-                  </a:tcPr>
-                </a:tc>
-                <a:tc>
-                  <a:txBody>
-                    <a:bodyPr/>
-                    <a:lstStyle/>
-                    <a:p>
-                      <a:pPr algn="ctr">
-                        <a:lnSpc>
-                          <a:spcPct val="107000"/>
-                        </a:lnSpc>
-                        <a:spcAft>
-                          <a:spcPts val="0"/>
-                        </a:spcAft>
-                      </a:pPr>
-                      <a:r>
-                        <a:rPr lang="es-MX" sz="1600" b="1" dirty="0">
-                          <a:solidFill>
-                            <a:srgbClr val="000000"/>
-                          </a:solidFill>
-                          <a:effectLst/>
-                          <a:latin typeface="+mn-lt"/>
-                          <a:ea typeface="Times New Roman" panose="02020603050405020304" pitchFamily="18" charset="0"/>
-                          <a:cs typeface="Calibri" panose="020F0502020204030204" pitchFamily="34" charset="0"/>
-                        </a:rPr>
-                        <a:t>*</a:t>
-                      </a:r>
-                      <a:endParaRPr lang="es-MX" sz="1600" b="1" dirty="0">
-                        <a:effectLst/>
-                        <a:latin typeface="+mn-lt"/>
-                        <a:ea typeface="Calibri" panose="020F0502020204030204" pitchFamily="34" charset="0"/>
-                        <a:cs typeface="Times New Roman" panose="02020603050405020304" pitchFamily="18" charset="0"/>
-                      </a:endParaRPr>
-                    </a:p>
-                  </a:txBody>
-                  <a:tcPr marL="68580" marR="68580" marT="0" marB="0" anchor="ctr">
-                    <a:solidFill>
-                      <a:schemeClr val="accent3">
-                        <a:lumMod val="20000"/>
-                        <a:lumOff val="80000"/>
-                      </a:schemeClr>
-                    </a:solidFill>
-                  </a:tcPr>
-                </a:tc>
-                <a:tc>
-                  <a:txBody>
-                    <a:bodyPr/>
-                    <a:lstStyle/>
-                    <a:p>
-                      <a:pPr algn="l">
-                        <a:lnSpc>
-                          <a:spcPct val="107000"/>
-                        </a:lnSpc>
-                        <a:spcAft>
-                          <a:spcPts val="0"/>
-                        </a:spcAft>
-                      </a:pPr>
-                      <a:r>
-                        <a:rPr lang="es-MX" sz="1600" b="1" dirty="0" err="1">
-                          <a:solidFill>
-                            <a:srgbClr val="000000"/>
-                          </a:solidFill>
-                          <a:effectLst/>
-                          <a:latin typeface="+mn-lt"/>
-                          <a:ea typeface="Times New Roman" panose="02020603050405020304" pitchFamily="18" charset="0"/>
-                          <a:cs typeface="Calibri" panose="020F0502020204030204" pitchFamily="34" charset="0"/>
-                        </a:rPr>
-                        <a:t>print</a:t>
-                      </a:r>
-                      <a:r>
-                        <a:rPr lang="es-MX" sz="1600" b="1" dirty="0">
-                          <a:solidFill>
-                            <a:srgbClr val="000000"/>
-                          </a:solidFill>
-                          <a:effectLst/>
-                          <a:latin typeface="+mn-lt"/>
-                          <a:ea typeface="Times New Roman" panose="02020603050405020304" pitchFamily="18" charset="0"/>
-                          <a:cs typeface="Calibri" panose="020F0502020204030204" pitchFamily="34" charset="0"/>
-                        </a:rPr>
-                        <a:t>("Hola" * 3)</a:t>
-                      </a:r>
-                      <a:r>
-                        <a:rPr lang="es-MX" sz="1600" b="1" dirty="0">
-                          <a:effectLst/>
-                          <a:latin typeface="+mn-lt"/>
-                          <a:ea typeface="Times New Roman" panose="02020603050405020304" pitchFamily="18" charset="0"/>
-                          <a:cs typeface="Times New Roman" panose="02020603050405020304" pitchFamily="18" charset="0"/>
-                        </a:rPr>
-                        <a:t> </a:t>
-                      </a:r>
-                    </a:p>
-                    <a:p>
-                      <a:pPr algn="l">
-                        <a:lnSpc>
-                          <a:spcPct val="107000"/>
-                        </a:lnSpc>
-                        <a:spcAft>
-                          <a:spcPts val="0"/>
-                        </a:spcAft>
-                      </a:pPr>
-                      <a:endParaRPr lang="es-MX" sz="1600" b="1" dirty="0">
-                        <a:effectLst/>
-                        <a:latin typeface="+mn-lt"/>
-                        <a:ea typeface="Calibri" panose="020F0502020204030204" pitchFamily="34" charset="0"/>
-                        <a:cs typeface="Times New Roman" panose="02020603050405020304" pitchFamily="18" charset="0"/>
-                      </a:endParaRPr>
-                    </a:p>
-                    <a:p>
-                      <a:pPr algn="l">
-                        <a:lnSpc>
-                          <a:spcPct val="107000"/>
-                        </a:lnSpc>
-                        <a:spcAft>
-                          <a:spcPts val="0"/>
-                        </a:spcAft>
-                      </a:pPr>
-                      <a:r>
-                        <a:rPr lang="es-MX" sz="1600" dirty="0">
-                          <a:solidFill>
-                            <a:srgbClr val="000000"/>
-                          </a:solidFill>
-                          <a:effectLst/>
-                          <a:latin typeface="+mn-lt"/>
-                          <a:ea typeface="Times New Roman" panose="02020603050405020304" pitchFamily="18" charset="0"/>
-                          <a:cs typeface="Calibri" panose="020F0502020204030204" pitchFamily="34" charset="0"/>
-                        </a:rPr>
-                        <a:t>Imprime </a:t>
-                      </a:r>
-                    </a:p>
-                    <a:p>
-                      <a:pPr algn="l">
-                        <a:lnSpc>
-                          <a:spcPct val="107000"/>
-                        </a:lnSpc>
-                        <a:spcAft>
-                          <a:spcPts val="0"/>
-                        </a:spcAft>
-                      </a:pPr>
-                      <a:r>
-                        <a:rPr lang="es-MX" sz="1600" dirty="0" err="1">
-                          <a:solidFill>
-                            <a:srgbClr val="000000"/>
-                          </a:solidFill>
-                          <a:effectLst/>
-                          <a:latin typeface="+mn-lt"/>
-                          <a:ea typeface="Times New Roman" panose="02020603050405020304" pitchFamily="18" charset="0"/>
-                          <a:cs typeface="Calibri" panose="020F0502020204030204" pitchFamily="34" charset="0"/>
-                        </a:rPr>
-                        <a:t>HolaHolaHola</a:t>
-                      </a:r>
-                      <a:endParaRPr lang="es-MX" sz="1600" dirty="0">
-                        <a:effectLst/>
-                        <a:latin typeface="+mn-lt"/>
-                        <a:ea typeface="Calibri" panose="020F0502020204030204" pitchFamily="34" charset="0"/>
-                        <a:cs typeface="Times New Roman" panose="02020603050405020304" pitchFamily="18" charset="0"/>
-                      </a:endParaRPr>
-                    </a:p>
-                  </a:txBody>
-                  <a:tcPr marL="68580" marR="68580" marT="0" marB="0" anchor="ctr">
-                    <a:solidFill>
-                      <a:schemeClr val="accent3">
-                        <a:lumMod val="20000"/>
-                        <a:lumOff val="80000"/>
-                      </a:schemeClr>
-                    </a:solidFill>
-                  </a:tcPr>
-                </a:tc>
-                <a:extLst>
-                  <a:ext uri="{0D108BD9-81ED-4DB2-BD59-A6C34878D82A}">
-                    <a16:rowId xmlns:a16="http://schemas.microsoft.com/office/drawing/2014/main" val="3136739256"/>
-                  </a:ext>
-                </a:extLst>
-              </a:tr>
-              <a:tr h="2282770">
-                <a:tc>
-                  <a:txBody>
-                    <a:bodyPr/>
-                    <a:lstStyle/>
-                    <a:p>
-                      <a:pPr algn="ctr">
-                        <a:lnSpc>
-                          <a:spcPct val="107000"/>
-                        </a:lnSpc>
-                        <a:spcAft>
-                          <a:spcPts val="0"/>
-                        </a:spcAft>
-                      </a:pPr>
-                      <a:r>
-                        <a:rPr lang="es-MX" sz="1600" b="0" dirty="0">
-                          <a:solidFill>
-                            <a:schemeClr val="bg1"/>
-                          </a:solidFill>
-                          <a:effectLst/>
-                          <a:latin typeface="+mn-lt"/>
-                          <a:ea typeface="Times New Roman" panose="02020603050405020304" pitchFamily="18" charset="0"/>
-                          <a:cs typeface="Calibri" panose="020F0502020204030204" pitchFamily="34" charset="0"/>
-                        </a:rPr>
-                        <a:t>Verifica si un </a:t>
-                      </a:r>
-                      <a:r>
-                        <a:rPr lang="es-MX" sz="1600" b="1" dirty="0">
-                          <a:solidFill>
-                            <a:schemeClr val="bg1"/>
-                          </a:solidFill>
-                          <a:effectLst/>
-                          <a:latin typeface="+mn-lt"/>
-                          <a:ea typeface="Times New Roman" panose="02020603050405020304" pitchFamily="18" charset="0"/>
-                          <a:cs typeface="Calibri" panose="020F0502020204030204" pitchFamily="34" charset="0"/>
-                        </a:rPr>
-                        <a:t>carácter</a:t>
-                      </a:r>
-                      <a:r>
-                        <a:rPr lang="es-MX" sz="1600" b="0" dirty="0">
-                          <a:solidFill>
-                            <a:schemeClr val="bg1"/>
-                          </a:solidFill>
-                          <a:effectLst/>
-                          <a:latin typeface="+mn-lt"/>
-                          <a:ea typeface="Times New Roman" panose="02020603050405020304" pitchFamily="18" charset="0"/>
-                          <a:cs typeface="Calibri" panose="020F0502020204030204" pitchFamily="34" charset="0"/>
-                        </a:rPr>
-                        <a:t> u otra </a:t>
-                      </a:r>
-                      <a:r>
-                        <a:rPr lang="es-MX" sz="1600" b="1" dirty="0">
-                          <a:solidFill>
-                            <a:schemeClr val="bg1"/>
-                          </a:solidFill>
-                          <a:effectLst/>
-                          <a:latin typeface="+mn-lt"/>
-                          <a:ea typeface="Times New Roman" panose="02020603050405020304" pitchFamily="18" charset="0"/>
-                          <a:cs typeface="Calibri" panose="020F0502020204030204" pitchFamily="34" charset="0"/>
-                        </a:rPr>
-                        <a:t>cadena completa </a:t>
-                      </a:r>
-                      <a:r>
-                        <a:rPr lang="es-MX" sz="1600" b="0" dirty="0">
-                          <a:solidFill>
-                            <a:schemeClr val="bg1"/>
-                          </a:solidFill>
-                          <a:effectLst/>
-                          <a:latin typeface="+mn-lt"/>
-                          <a:ea typeface="Times New Roman" panose="02020603050405020304" pitchFamily="18" charset="0"/>
-                          <a:cs typeface="Calibri" panose="020F0502020204030204" pitchFamily="34" charset="0"/>
-                        </a:rPr>
-                        <a:t>es parte de la cadena indicada  </a:t>
-                      </a:r>
-                      <a:r>
-                        <a:rPr lang="es-MX" sz="1600" b="1" dirty="0">
-                          <a:solidFill>
-                            <a:schemeClr val="bg1"/>
-                          </a:solidFill>
-                          <a:effectLst/>
-                          <a:latin typeface="+mn-lt"/>
-                          <a:ea typeface="Times New Roman" panose="02020603050405020304" pitchFamily="18" charset="0"/>
-                          <a:cs typeface="Calibri" panose="020F0502020204030204" pitchFamily="34" charset="0"/>
-                        </a:rPr>
-                        <a:t>True</a:t>
-                      </a:r>
-                      <a:r>
-                        <a:rPr lang="es-MX" sz="1600" b="0" dirty="0">
-                          <a:solidFill>
-                            <a:schemeClr val="bg1"/>
-                          </a:solidFill>
-                          <a:effectLst/>
-                          <a:latin typeface="+mn-lt"/>
-                          <a:ea typeface="Times New Roman" panose="02020603050405020304" pitchFamily="18" charset="0"/>
-                          <a:cs typeface="Calibri" panose="020F0502020204030204" pitchFamily="34" charset="0"/>
-                        </a:rPr>
-                        <a:t> o </a:t>
-                      </a:r>
-                      <a:r>
-                        <a:rPr lang="es-MX" sz="1600" b="1" dirty="0">
-                          <a:solidFill>
-                            <a:schemeClr val="bg1"/>
-                          </a:solidFill>
-                          <a:effectLst/>
-                          <a:latin typeface="+mn-lt"/>
-                          <a:ea typeface="Times New Roman" panose="02020603050405020304" pitchFamily="18" charset="0"/>
-                          <a:cs typeface="Calibri" panose="020F0502020204030204" pitchFamily="34" charset="0"/>
-                        </a:rPr>
-                        <a:t>False</a:t>
-                      </a:r>
-                      <a:endParaRPr lang="es-MX" sz="1600" b="1" dirty="0">
-                        <a:solidFill>
-                          <a:schemeClr val="bg1"/>
-                        </a:solidFill>
-                        <a:effectLst/>
-                        <a:latin typeface="+mn-lt"/>
-                        <a:ea typeface="Calibri" panose="020F0502020204030204" pitchFamily="34" charset="0"/>
-                        <a:cs typeface="Times New Roman" panose="02020603050405020304" pitchFamily="18" charset="0"/>
-                      </a:endParaRPr>
-                    </a:p>
-                  </a:txBody>
-                  <a:tcPr marL="68580" marR="68580" marT="0" marB="0" anchor="ctr">
-                    <a:solidFill>
-                      <a:schemeClr val="accent4">
-                        <a:lumMod val="50000"/>
-                      </a:schemeClr>
-                    </a:solidFill>
-                  </a:tcPr>
-                </a:tc>
-                <a:tc>
-                  <a:txBody>
-                    <a:bodyPr/>
-                    <a:lstStyle/>
-                    <a:p>
-                      <a:pPr algn="ctr">
-                        <a:lnSpc>
-                          <a:spcPct val="107000"/>
-                        </a:lnSpc>
-                        <a:spcAft>
-                          <a:spcPts val="0"/>
-                        </a:spcAft>
-                      </a:pPr>
-                      <a:r>
-                        <a:rPr lang="es-MX" sz="1600" b="1" dirty="0">
-                          <a:solidFill>
-                            <a:srgbClr val="000000"/>
-                          </a:solidFill>
-                          <a:effectLst/>
-                          <a:latin typeface="+mn-lt"/>
-                          <a:ea typeface="Times New Roman" panose="02020603050405020304" pitchFamily="18" charset="0"/>
-                          <a:cs typeface="Calibri" panose="020F0502020204030204" pitchFamily="34" charset="0"/>
-                        </a:rPr>
-                        <a:t>in</a:t>
-                      </a:r>
-                      <a:endParaRPr lang="es-MX" sz="1600" b="1" dirty="0">
-                        <a:effectLst/>
-                        <a:latin typeface="+mn-lt"/>
-                        <a:ea typeface="Calibri" panose="020F0502020204030204" pitchFamily="34" charset="0"/>
-                        <a:cs typeface="Times New Roman" panose="02020603050405020304" pitchFamily="18" charset="0"/>
-                      </a:endParaRPr>
-                    </a:p>
-                  </a:txBody>
-                  <a:tcPr marL="68580" marR="68580" marT="0" marB="0" anchor="ctr">
-                    <a:solidFill>
-                      <a:schemeClr val="accent3">
-                        <a:lumMod val="20000"/>
-                        <a:lumOff val="80000"/>
-                      </a:schemeClr>
-                    </a:solidFill>
-                  </a:tcPr>
-                </a:tc>
-                <a:tc>
-                  <a:txBody>
-                    <a:bodyPr/>
-                    <a:lstStyle/>
-                    <a:p>
-                      <a:pPr algn="l">
-                        <a:lnSpc>
-                          <a:spcPct val="107000"/>
-                        </a:lnSpc>
-                        <a:spcAft>
-                          <a:spcPts val="0"/>
-                        </a:spcAft>
-                      </a:pPr>
-                      <a:r>
-                        <a:rPr lang="es-MX" sz="1600" b="1" dirty="0">
-                          <a:solidFill>
-                            <a:srgbClr val="000000"/>
-                          </a:solidFill>
-                          <a:effectLst/>
-                          <a:latin typeface="+mn-lt"/>
-                          <a:ea typeface="Times New Roman" panose="02020603050405020304" pitchFamily="18" charset="0"/>
-                          <a:cs typeface="Calibri" panose="020F0502020204030204" pitchFamily="34" charset="0"/>
-                        </a:rPr>
-                        <a:t>cadena2 = "Hola Mundo"</a:t>
-                      </a:r>
-                    </a:p>
-                    <a:p>
-                      <a:pPr algn="l">
-                        <a:lnSpc>
-                          <a:spcPct val="107000"/>
-                        </a:lnSpc>
-                        <a:spcAft>
-                          <a:spcPts val="0"/>
-                        </a:spcAft>
-                      </a:pPr>
-                      <a:r>
-                        <a:rPr lang="es-MX" sz="1600" b="1" dirty="0" err="1">
-                          <a:solidFill>
-                            <a:srgbClr val="000000"/>
-                          </a:solidFill>
-                          <a:effectLst/>
-                          <a:latin typeface="+mn-lt"/>
-                          <a:ea typeface="Times New Roman" panose="02020603050405020304" pitchFamily="18" charset="0"/>
-                          <a:cs typeface="Calibri" panose="020F0502020204030204" pitchFamily="34" charset="0"/>
-                        </a:rPr>
-                        <a:t>print</a:t>
-                      </a:r>
-                      <a:r>
-                        <a:rPr lang="es-MX" sz="1600" b="1" dirty="0">
-                          <a:solidFill>
-                            <a:srgbClr val="000000"/>
-                          </a:solidFill>
-                          <a:effectLst/>
-                          <a:latin typeface="+mn-lt"/>
-                          <a:ea typeface="Times New Roman" panose="02020603050405020304" pitchFamily="18" charset="0"/>
-                          <a:cs typeface="Calibri" panose="020F0502020204030204" pitchFamily="34" charset="0"/>
-                        </a:rPr>
-                        <a:t>('u' in cadena2)</a:t>
-                      </a:r>
-                    </a:p>
-                    <a:p>
-                      <a:pPr algn="l">
-                        <a:lnSpc>
-                          <a:spcPct val="107000"/>
-                        </a:lnSpc>
-                        <a:spcAft>
-                          <a:spcPts val="0"/>
-                        </a:spcAft>
-                      </a:pPr>
-                      <a:r>
-                        <a:rPr lang="es-MX" sz="1600" dirty="0">
-                          <a:solidFill>
-                            <a:srgbClr val="000000"/>
-                          </a:solidFill>
-                          <a:effectLst/>
-                          <a:latin typeface="+mn-lt"/>
-                          <a:ea typeface="Times New Roman" panose="02020603050405020304" pitchFamily="18" charset="0"/>
-                          <a:cs typeface="Calibri" panose="020F0502020204030204" pitchFamily="34" charset="0"/>
-                        </a:rPr>
-                        <a:t>imprime True</a:t>
-                      </a:r>
-                    </a:p>
-                    <a:p>
-                      <a:pPr algn="l">
-                        <a:lnSpc>
-                          <a:spcPct val="107000"/>
-                        </a:lnSpc>
-                        <a:spcAft>
-                          <a:spcPts val="0"/>
-                        </a:spcAft>
-                      </a:pPr>
-                      <a:endParaRPr lang="es-MX" sz="1600" dirty="0">
-                        <a:solidFill>
-                          <a:srgbClr val="000000"/>
-                        </a:solidFill>
-                        <a:effectLst/>
-                        <a:latin typeface="+mn-lt"/>
-                        <a:ea typeface="Calibri" panose="020F0502020204030204" pitchFamily="34" charset="0"/>
-                        <a:cs typeface="Calibri" panose="020F0502020204030204" pitchFamily="34" charset="0"/>
-                      </a:endParaRPr>
-                    </a:p>
-                    <a:p>
-                      <a:pPr algn="l">
-                        <a:lnSpc>
-                          <a:spcPct val="107000"/>
-                        </a:lnSpc>
-                        <a:spcAft>
-                          <a:spcPts val="0"/>
-                        </a:spcAft>
-                      </a:pPr>
-                      <a:r>
-                        <a:rPr lang="es-MX" sz="1600" b="1" dirty="0">
-                          <a:solidFill>
-                            <a:srgbClr val="000000"/>
-                          </a:solidFill>
-                          <a:effectLst/>
-                          <a:latin typeface="+mn-lt"/>
-                          <a:ea typeface="Times New Roman" panose="02020603050405020304" pitchFamily="18" charset="0"/>
-                          <a:cs typeface="Calibri" panose="020F0502020204030204" pitchFamily="34" charset="0"/>
-                        </a:rPr>
-                        <a:t>cadena2 = "Hola Mundo"</a:t>
-                      </a:r>
-                    </a:p>
-                    <a:p>
-                      <a:pPr algn="l">
-                        <a:lnSpc>
-                          <a:spcPct val="107000"/>
-                        </a:lnSpc>
-                        <a:spcAft>
-                          <a:spcPts val="0"/>
-                        </a:spcAft>
-                      </a:pPr>
-                      <a:r>
-                        <a:rPr lang="es-MX" sz="1600" b="1" dirty="0" err="1">
-                          <a:solidFill>
-                            <a:srgbClr val="000000"/>
-                          </a:solidFill>
-                          <a:effectLst/>
-                          <a:latin typeface="+mn-lt"/>
-                          <a:ea typeface="Times New Roman" panose="02020603050405020304" pitchFamily="18" charset="0"/>
-                          <a:cs typeface="Calibri" panose="020F0502020204030204" pitchFamily="34" charset="0"/>
-                        </a:rPr>
-                        <a:t>print</a:t>
-                      </a:r>
-                      <a:r>
-                        <a:rPr lang="es-MX" sz="1600" b="1" dirty="0">
-                          <a:solidFill>
-                            <a:srgbClr val="000000"/>
-                          </a:solidFill>
-                          <a:effectLst/>
-                          <a:latin typeface="+mn-lt"/>
-                          <a:ea typeface="Times New Roman" panose="02020603050405020304" pitchFamily="18" charset="0"/>
-                          <a:cs typeface="Calibri" panose="020F0502020204030204" pitchFamily="34" charset="0"/>
-                        </a:rPr>
-                        <a:t>("Mundo" in cadena2)</a:t>
-                      </a:r>
-                    </a:p>
-                    <a:p>
-                      <a:pPr algn="l">
-                        <a:lnSpc>
-                          <a:spcPct val="107000"/>
-                        </a:lnSpc>
-                        <a:spcAft>
-                          <a:spcPts val="0"/>
-                        </a:spcAft>
-                      </a:pPr>
-                      <a:r>
-                        <a:rPr lang="es-MX" sz="1600" dirty="0">
-                          <a:solidFill>
-                            <a:srgbClr val="000000"/>
-                          </a:solidFill>
-                          <a:effectLst/>
-                          <a:latin typeface="+mn-lt"/>
-                          <a:ea typeface="Times New Roman" panose="02020603050405020304" pitchFamily="18" charset="0"/>
-                          <a:cs typeface="Calibri" panose="020F0502020204030204" pitchFamily="34" charset="0"/>
-                        </a:rPr>
-                        <a:t>imprime True</a:t>
-                      </a:r>
-                      <a:endParaRPr lang="es-MX" sz="1600" dirty="0">
-                        <a:effectLst/>
-                        <a:latin typeface="+mn-lt"/>
-                        <a:ea typeface="Calibri" panose="020F0502020204030204" pitchFamily="34" charset="0"/>
-                        <a:cs typeface="Times New Roman" panose="02020603050405020304" pitchFamily="18" charset="0"/>
-                      </a:endParaRPr>
-                    </a:p>
-                    <a:p>
-                      <a:pPr algn="l">
-                        <a:lnSpc>
-                          <a:spcPct val="107000"/>
-                        </a:lnSpc>
-                        <a:spcAft>
-                          <a:spcPts val="0"/>
-                        </a:spcAft>
-                      </a:pPr>
-                      <a:endParaRPr lang="es-MX" sz="1600" dirty="0">
-                        <a:effectLst/>
-                        <a:latin typeface="+mn-lt"/>
-                        <a:ea typeface="Calibri" panose="020F0502020204030204" pitchFamily="34" charset="0"/>
-                        <a:cs typeface="Times New Roman" panose="02020603050405020304" pitchFamily="18" charset="0"/>
-                      </a:endParaRPr>
-                    </a:p>
-                  </a:txBody>
-                  <a:tcPr marL="68580" marR="68580" marT="0" marB="0" anchor="ctr">
-                    <a:solidFill>
-                      <a:schemeClr val="accent3">
-                        <a:lumMod val="20000"/>
-                        <a:lumOff val="80000"/>
-                      </a:schemeClr>
-                    </a:solidFill>
-                  </a:tcPr>
-                </a:tc>
-                <a:extLst>
-                  <a:ext uri="{0D108BD9-81ED-4DB2-BD59-A6C34878D82A}">
-                    <a16:rowId xmlns:a16="http://schemas.microsoft.com/office/drawing/2014/main" val="3486814094"/>
-                  </a:ext>
-                </a:extLst>
-              </a:tr>
-            </a:tbl>
-          </a:graphicData>
-        </a:graphic>
-      </p:graphicFrame>
-    </p:spTree>
-    <p:extLst>
-      <p:ext uri="{BB962C8B-B14F-4D97-AF65-F5344CB8AC3E}">
-        <p14:creationId xmlns:p14="http://schemas.microsoft.com/office/powerpoint/2010/main" val="3806334306"/>
       </p:ext>
     </p:extLst>
   </p:cSld>

--- a/CalendarioAgo20L/presentaciones/11_Strings.pptx
+++ b/CalendarioAgo20L/presentaciones/11_Strings.pptx
@@ -223,7 +223,7 @@
           <a:p>
             <a:fld id="{55C7BC42-2F9C-4966-894F-B6FA6F3C1DB8}" type="datetimeFigureOut">
               <a:rPr lang="es-MX" smtClean="0"/>
-              <a:t>06/10/2020</a:t>
+              <a:t>15/10/2020</a:t>
             </a:fld>
             <a:endParaRPr lang="es-MX" dirty="0"/>
           </a:p>
@@ -756,7 +756,7 @@
           <a:p>
             <a:fld id="{47016A6E-E1CA-4694-BCEE-11D49EEFA04C}" type="datetimeFigureOut">
               <a:rPr lang="es-MX" smtClean="0"/>
-              <a:t>06/10/2020</a:t>
+              <a:t>15/10/2020</a:t>
             </a:fld>
             <a:endParaRPr lang="es-MX" dirty="0"/>
           </a:p>
@@ -926,7 +926,7 @@
           <a:p>
             <a:fld id="{47016A6E-E1CA-4694-BCEE-11D49EEFA04C}" type="datetimeFigureOut">
               <a:rPr lang="es-MX" smtClean="0"/>
-              <a:t>06/10/2020</a:t>
+              <a:t>15/10/2020</a:t>
             </a:fld>
             <a:endParaRPr lang="es-MX" dirty="0"/>
           </a:p>
@@ -1106,7 +1106,7 @@
           <a:p>
             <a:fld id="{47016A6E-E1CA-4694-BCEE-11D49EEFA04C}" type="datetimeFigureOut">
               <a:rPr lang="es-MX" smtClean="0"/>
-              <a:t>06/10/2020</a:t>
+              <a:t>15/10/2020</a:t>
             </a:fld>
             <a:endParaRPr lang="es-MX" dirty="0"/>
           </a:p>
@@ -1259,7 +1259,7 @@
           <a:p>
             <a:fld id="{1D8BD707-D9CF-40AE-B4C6-C98DA3205C09}" type="datetimeFigureOut">
               <a:rPr lang="en-US" smtClean="0"/>
-              <a:t>10/6/2020</a:t>
+              <a:t>10/15/2020</a:t>
             </a:fld>
             <a:endParaRPr lang="en-US"/>
           </a:p>
@@ -1419,7 +1419,7 @@
           <a:p>
             <a:fld id="{47016A6E-E1CA-4694-BCEE-11D49EEFA04C}" type="datetimeFigureOut">
               <a:rPr lang="es-MX" smtClean="0"/>
-              <a:t>06/10/2020</a:t>
+              <a:t>15/10/2020</a:t>
             </a:fld>
             <a:endParaRPr lang="es-MX" dirty="0"/>
           </a:p>
@@ -1665,7 +1665,7 @@
           <a:p>
             <a:fld id="{47016A6E-E1CA-4694-BCEE-11D49EEFA04C}" type="datetimeFigureOut">
               <a:rPr lang="es-MX" smtClean="0"/>
-              <a:t>06/10/2020</a:t>
+              <a:t>15/10/2020</a:t>
             </a:fld>
             <a:endParaRPr lang="es-MX" dirty="0"/>
           </a:p>
@@ -1953,7 +1953,7 @@
           <a:p>
             <a:fld id="{47016A6E-E1CA-4694-BCEE-11D49EEFA04C}" type="datetimeFigureOut">
               <a:rPr lang="es-MX" smtClean="0"/>
-              <a:t>06/10/2020</a:t>
+              <a:t>15/10/2020</a:t>
             </a:fld>
             <a:endParaRPr lang="es-MX" dirty="0"/>
           </a:p>
@@ -2375,7 +2375,7 @@
           <a:p>
             <a:fld id="{47016A6E-E1CA-4694-BCEE-11D49EEFA04C}" type="datetimeFigureOut">
               <a:rPr lang="es-MX" smtClean="0"/>
-              <a:t>06/10/2020</a:t>
+              <a:t>15/10/2020</a:t>
             </a:fld>
             <a:endParaRPr lang="es-MX" dirty="0"/>
           </a:p>
@@ -2493,7 +2493,7 @@
           <a:p>
             <a:fld id="{47016A6E-E1CA-4694-BCEE-11D49EEFA04C}" type="datetimeFigureOut">
               <a:rPr lang="es-MX" smtClean="0"/>
-              <a:t>06/10/2020</a:t>
+              <a:t>15/10/2020</a:t>
             </a:fld>
             <a:endParaRPr lang="es-MX" dirty="0"/>
           </a:p>
@@ -2588,7 +2588,7 @@
           <a:p>
             <a:fld id="{47016A6E-E1CA-4694-BCEE-11D49EEFA04C}" type="datetimeFigureOut">
               <a:rPr lang="es-MX" smtClean="0"/>
-              <a:t>06/10/2020</a:t>
+              <a:t>15/10/2020</a:t>
             </a:fld>
             <a:endParaRPr lang="es-MX" dirty="0"/>
           </a:p>
@@ -2865,7 +2865,7 @@
           <a:p>
             <a:fld id="{47016A6E-E1CA-4694-BCEE-11D49EEFA04C}" type="datetimeFigureOut">
               <a:rPr lang="es-MX" smtClean="0"/>
-              <a:t>06/10/2020</a:t>
+              <a:t>15/10/2020</a:t>
             </a:fld>
             <a:endParaRPr lang="es-MX" dirty="0"/>
           </a:p>
@@ -3118,7 +3118,7 @@
           <a:p>
             <a:fld id="{47016A6E-E1CA-4694-BCEE-11D49EEFA04C}" type="datetimeFigureOut">
               <a:rPr lang="es-MX" smtClean="0"/>
-              <a:t>06/10/2020</a:t>
+              <a:t>15/10/2020</a:t>
             </a:fld>
             <a:endParaRPr lang="es-MX" dirty="0"/>
           </a:p>
@@ -3331,7 +3331,7 @@
           <a:p>
             <a:fld id="{47016A6E-E1CA-4694-BCEE-11D49EEFA04C}" type="datetimeFigureOut">
               <a:rPr lang="es-MX" smtClean="0"/>
-              <a:t>06/10/2020</a:t>
+              <a:t>15/10/2020</a:t>
             </a:fld>
             <a:endParaRPr lang="es-MX" dirty="0"/>
           </a:p>
@@ -6149,7 +6149,7 @@
           <p:nvPr>
             <p:extLst>
               <p:ext uri="{D42A27DB-BD31-4B8C-83A1-F6EECF244321}">
-                <p14:modId xmlns:p14="http://schemas.microsoft.com/office/powerpoint/2010/main" val="451185884"/>
+                <p14:modId xmlns:p14="http://schemas.microsoft.com/office/powerpoint/2010/main" val="3190060730"/>
               </p:ext>
             </p:extLst>
           </p:nvPr>
@@ -6898,7 +6898,7 @@
                         </a:spcAft>
                       </a:pPr>
                       <a:r>
-                        <a:rPr lang="es-MX" sz="1600" b="0" kern="1200" dirty="0">
+                        <a:rPr lang="es-MX" sz="1600" b="0" kern="1200">
                           <a:solidFill>
                             <a:srgbClr val="000000"/>
                           </a:solidFill>
@@ -6907,8 +6907,17 @@
                           <a:ea typeface="Calibri" panose="020F0502020204030204" pitchFamily="34" charset="0"/>
                           <a:cs typeface="Calibri" panose="020F0502020204030204" pitchFamily="34" charset="0"/>
                         </a:rPr>
-                        <a:t>Do</a:t>
-                      </a:r>
+                        <a:t>do</a:t>
+                      </a:r>
+                      <a:endParaRPr lang="es-MX" sz="1600" b="0" kern="1200" dirty="0">
+                        <a:solidFill>
+                          <a:srgbClr val="000000"/>
+                        </a:solidFill>
+                        <a:effectLst/>
+                        <a:latin typeface="+mn-lt"/>
+                        <a:ea typeface="Calibri" panose="020F0502020204030204" pitchFamily="34" charset="0"/>
+                        <a:cs typeface="Calibri" panose="020F0502020204030204" pitchFamily="34" charset="0"/>
+                      </a:endParaRPr>
                     </a:p>
                   </a:txBody>
                   <a:tcPr marL="68580" marR="68580" marT="0" marB="0" anchor="ctr">
